--- a/sigslot.pptx
+++ b/sigslot.pptx
@@ -1,11 +1,12 @@
 
 <file path=ppt/presentation.xml><?xml version="1.0" encoding="utf-8"?>
-<p:presentation xmlns:a="http://schemas.openxmlformats.org/drawingml/2006/main" xmlns:r="http://schemas.openxmlformats.org/officeDocument/2006/relationships" xmlns:p="http://schemas.openxmlformats.org/presentationml/2006/main" saveSubsetFonts="1">
+<p:presentation xmlns:a="http://schemas.openxmlformats.org/drawingml/2006/main" xmlns:r="http://schemas.openxmlformats.org/officeDocument/2006/relationships" xmlns:p="http://schemas.openxmlformats.org/presentationml/2006/main" autoCompressPictures="0">
   <p:sldMasterIdLst>
     <p:sldMasterId id="2147483648" r:id="rId1"/>
   </p:sldMasterIdLst>
   <p:sldIdLst>
-    <p:sldId id="256" r:id="rId2"/>
+    <p:sldId id="256" r:id="rId3"/>
+    <p:sldId id="257" r:id="rId4"/>
   </p:sldIdLst>
   <p:sldSz cx="12192000" cy="6858000"/>
   <p:notesSz cx="6858000" cy="9144000"/>
@@ -13,7 +14,7 @@
     <a:defPPr>
       <a:defRPr lang="en-US"/>
     </a:defPPr>
-    <a:lvl1pPr marL="0" algn="l" defTabSz="914400" rtl="0" eaLnBrk="1" latinLnBrk="0" hangingPunct="1">
+    <a:lvl1pPr marL="0" algn="l" defTabSz="457200" rtl="0" eaLnBrk="1" latinLnBrk="0" hangingPunct="1">
       <a:defRPr sz="1800" kern="1200">
         <a:solidFill>
           <a:schemeClr val="tx1"/>
@@ -23,7 +24,7 @@
         <a:cs typeface="+mn-cs"/>
       </a:defRPr>
     </a:lvl1pPr>
-    <a:lvl2pPr marL="457200" algn="l" defTabSz="914400" rtl="0" eaLnBrk="1" latinLnBrk="0" hangingPunct="1">
+    <a:lvl2pPr marL="457200" algn="l" defTabSz="457200" rtl="0" eaLnBrk="1" latinLnBrk="0" hangingPunct="1">
       <a:defRPr sz="1800" kern="1200">
         <a:solidFill>
           <a:schemeClr val="tx1"/>
@@ -33,7 +34,7 @@
         <a:cs typeface="+mn-cs"/>
       </a:defRPr>
     </a:lvl2pPr>
-    <a:lvl3pPr marL="914400" algn="l" defTabSz="914400" rtl="0" eaLnBrk="1" latinLnBrk="0" hangingPunct="1">
+    <a:lvl3pPr marL="914400" algn="l" defTabSz="457200" rtl="0" eaLnBrk="1" latinLnBrk="0" hangingPunct="1">
       <a:defRPr sz="1800" kern="1200">
         <a:solidFill>
           <a:schemeClr val="tx1"/>
@@ -43,7 +44,7 @@
         <a:cs typeface="+mn-cs"/>
       </a:defRPr>
     </a:lvl3pPr>
-    <a:lvl4pPr marL="1371600" algn="l" defTabSz="914400" rtl="0" eaLnBrk="1" latinLnBrk="0" hangingPunct="1">
+    <a:lvl4pPr marL="1371600" algn="l" defTabSz="457200" rtl="0" eaLnBrk="1" latinLnBrk="0" hangingPunct="1">
       <a:defRPr sz="1800" kern="1200">
         <a:solidFill>
           <a:schemeClr val="tx1"/>
@@ -53,7 +54,7 @@
         <a:cs typeface="+mn-cs"/>
       </a:defRPr>
     </a:lvl4pPr>
-    <a:lvl5pPr marL="1828800" algn="l" defTabSz="914400" rtl="0" eaLnBrk="1" latinLnBrk="0" hangingPunct="1">
+    <a:lvl5pPr marL="1828800" algn="l" defTabSz="457200" rtl="0" eaLnBrk="1" latinLnBrk="0" hangingPunct="1">
       <a:defRPr sz="1800" kern="1200">
         <a:solidFill>
           <a:schemeClr val="tx1"/>
@@ -63,7 +64,7 @@
         <a:cs typeface="+mn-cs"/>
       </a:defRPr>
     </a:lvl5pPr>
-    <a:lvl6pPr marL="2286000" algn="l" defTabSz="914400" rtl="0" eaLnBrk="1" latinLnBrk="0" hangingPunct="1">
+    <a:lvl6pPr marL="2286000" algn="l" defTabSz="457200" rtl="0" eaLnBrk="1" latinLnBrk="0" hangingPunct="1">
       <a:defRPr sz="1800" kern="1200">
         <a:solidFill>
           <a:schemeClr val="tx1"/>
@@ -73,7 +74,7 @@
         <a:cs typeface="+mn-cs"/>
       </a:defRPr>
     </a:lvl6pPr>
-    <a:lvl7pPr marL="2743200" algn="l" defTabSz="914400" rtl="0" eaLnBrk="1" latinLnBrk="0" hangingPunct="1">
+    <a:lvl7pPr marL="2743200" algn="l" defTabSz="457200" rtl="0" eaLnBrk="1" latinLnBrk="0" hangingPunct="1">
       <a:defRPr sz="1800" kern="1200">
         <a:solidFill>
           <a:schemeClr val="tx1"/>
@@ -83,7 +84,7 @@
         <a:cs typeface="+mn-cs"/>
       </a:defRPr>
     </a:lvl7pPr>
-    <a:lvl8pPr marL="3200400" algn="l" defTabSz="914400" rtl="0" eaLnBrk="1" latinLnBrk="0" hangingPunct="1">
+    <a:lvl8pPr marL="3200400" algn="l" defTabSz="457200" rtl="0" eaLnBrk="1" latinLnBrk="0" hangingPunct="1">
       <a:defRPr sz="1800" kern="1200">
         <a:solidFill>
           <a:schemeClr val="tx1"/>
@@ -93,7 +94,7 @@
         <a:cs typeface="+mn-cs"/>
       </a:defRPr>
     </a:lvl8pPr>
-    <a:lvl9pPr marL="3657600" algn="l" defTabSz="914400" rtl="0" eaLnBrk="1" latinLnBrk="0" hangingPunct="1">
+    <a:lvl9pPr marL="3657600" algn="l" defTabSz="457200" rtl="0" eaLnBrk="1" latinLnBrk="0" hangingPunct="1">
       <a:defRPr sz="1800" kern="1200">
         <a:solidFill>
           <a:schemeClr val="tx1"/>
@@ -108,7 +109,7 @@
 </file>
 
 <file path=ppt/slideLayouts/slideLayout1.xml><?xml version="1.0" encoding="utf-8"?>
-<p:sldLayout xmlns:a="http://schemas.openxmlformats.org/drawingml/2006/main" xmlns:r="http://schemas.openxmlformats.org/officeDocument/2006/relationships" xmlns:p="http://schemas.openxmlformats.org/presentationml/2006/main" type="title" preserve="1">
+<p:sldLayout xmlns:a="http://schemas.openxmlformats.org/drawingml/2006/main" xmlns:r="http://schemas.openxmlformats.org/officeDocument/2006/relationships" xmlns:p="http://schemas.openxmlformats.org/presentationml/2006/main" type="title" preserve="1" showMasterSp="0">
   <p:cSld name="Title Slide">
     <p:spTree>
       <p:nvGrpSpPr>
@@ -124,6 +125,147 @@
           <a:chExt cx="0" cy="0"/>
         </a:xfrm>
       </p:grpSpPr>
+      <p:grpSp>
+        <p:nvGrpSpPr>
+          <p:cNvPr id="10" name="Group 9"/>
+          <p:cNvGrpSpPr/>
+          <p:nvPr/>
+        </p:nvGrpSpPr>
+        <p:grpSpPr>
+          <a:xfrm>
+            <a:off x="0" y="0"/>
+            <a:ext cx="12188825" cy="6872226"/>
+            <a:chOff x="0" y="0"/>
+            <a:chExt cx="12188825" cy="6872226"/>
+          </a:xfrm>
+        </p:grpSpPr>
+        <p:pic>
+          <p:nvPicPr>
+            <p:cNvPr id="9" name="Picture 8" descr="HD-PanelTitle-V.png"/>
+            <p:cNvPicPr>
+              <a:picLocks noChangeAspect="1"/>
+            </p:cNvPicPr>
+            <p:nvPr/>
+          </p:nvPicPr>
+          <p:blipFill>
+            <a:blip r:embed="rId2">
+              <a:extLst>
+                <a:ext uri="{28A0092B-C50C-407E-A947-70E740481C1C}">
+                  <a14:useLocalDpi xmlns:a14="http://schemas.microsoft.com/office/drawing/2010/main" val="0"/>
+                </a:ext>
+              </a:extLst>
+            </a:blip>
+            <a:stretch>
+              <a:fillRect/>
+            </a:stretch>
+          </p:blipFill>
+          <p:spPr>
+            <a:xfrm>
+              <a:off x="0" y="0"/>
+              <a:ext cx="12188825" cy="6856214"/>
+            </a:xfrm>
+            <a:prstGeom prst="rect">
+              <a:avLst/>
+            </a:prstGeom>
+          </p:spPr>
+        </p:pic>
+        <p:sp>
+          <p:nvSpPr>
+            <p:cNvPr id="26" name="Rectangle 25"/>
+            <p:cNvSpPr/>
+            <p:nvPr/>
+          </p:nvSpPr>
+          <p:spPr>
+            <a:xfrm>
+              <a:off x="2328332" y="1540931"/>
+              <a:ext cx="7543802" cy="3835401"/>
+            </a:xfrm>
+            <a:prstGeom prst="rect">
+              <a:avLst/>
+            </a:prstGeom>
+            <a:noFill/>
+            <a:ln w="15875">
+              <a:miter lim="800000"/>
+            </a:ln>
+          </p:spPr>
+          <p:style>
+            <a:lnRef idx="1">
+              <a:schemeClr val="accent1"/>
+            </a:lnRef>
+            <a:fillRef idx="3">
+              <a:schemeClr val="accent1"/>
+            </a:fillRef>
+            <a:effectRef idx="2">
+              <a:schemeClr val="accent1"/>
+            </a:effectRef>
+            <a:fontRef idx="minor">
+              <a:schemeClr val="lt1"/>
+            </a:fontRef>
+          </p:style>
+        </p:sp>
+        <p:pic>
+          <p:nvPicPr>
+            <p:cNvPr id="17" name="Picture 16" descr="HDRibbonTitle-UniformTrim.png"/>
+            <p:cNvPicPr>
+              <a:picLocks noChangeAspect="1"/>
+            </p:cNvPicPr>
+            <p:nvPr/>
+          </p:nvPicPr>
+          <p:blipFill rotWithShape="1">
+            <a:blip r:embed="rId3">
+              <a:extLst>
+                <a:ext uri="{28A0092B-C50C-407E-A947-70E740481C1C}">
+                  <a14:useLocalDpi xmlns:a14="http://schemas.microsoft.com/office/drawing/2010/main" val="0"/>
+                </a:ext>
+              </a:extLst>
+            </a:blip>
+            <a:srcRect/>
+            <a:stretch>
+              <a:fillRect/>
+            </a:stretch>
+          </p:blipFill>
+          <p:spPr>
+            <a:xfrm rot="5400000">
+              <a:off x="5245268" y="530352"/>
+              <a:ext cx="1673352" cy="612648"/>
+            </a:xfrm>
+            <a:prstGeom prst="rect">
+              <a:avLst/>
+            </a:prstGeom>
+          </p:spPr>
+        </p:pic>
+        <p:pic>
+          <p:nvPicPr>
+            <p:cNvPr id="18" name="Picture 17" descr="HDRibbonTitle-UniformTrim.png"/>
+            <p:cNvPicPr>
+              <a:picLocks noChangeAspect="1"/>
+            </p:cNvPicPr>
+            <p:nvPr/>
+          </p:nvPicPr>
+          <p:blipFill rotWithShape="1">
+            <a:blip r:embed="rId4">
+              <a:extLst>
+                <a:ext uri="{28A0092B-C50C-407E-A947-70E740481C1C}">
+                  <a14:useLocalDpi xmlns:a14="http://schemas.microsoft.com/office/drawing/2010/main" val="0"/>
+                </a:ext>
+              </a:extLst>
+            </a:blip>
+            <a:srcRect/>
+            <a:stretch>
+              <a:fillRect/>
+            </a:stretch>
+          </p:blipFill>
+          <p:spPr>
+            <a:xfrm rot="5400000">
+              <a:off x="5263556" y="5747514"/>
+              <a:ext cx="1636776" cy="612648"/>
+            </a:xfrm>
+            <a:prstGeom prst="rect">
+              <a:avLst/>
+            </a:prstGeom>
+          </p:spPr>
+        </p:pic>
+      </p:grpSp>
       <p:sp>
         <p:nvSpPr>
           <p:cNvPr id="2" name="Title 1"/>
@@ -136,15 +278,19 @@
         </p:nvSpPr>
         <p:spPr>
           <a:xfrm>
-            <a:off x="1524000" y="1122363"/>
-            <a:ext cx="9144000" cy="2387600"/>
+            <a:off x="2692398" y="1871131"/>
+            <a:ext cx="6815669" cy="1515533"/>
           </a:xfrm>
         </p:spPr>
         <p:txBody>
-          <a:bodyPr anchor="b"/>
+          <a:bodyPr anchor="b">
+            <a:noAutofit/>
+          </a:bodyPr>
           <a:lstStyle>
             <a:lvl1pPr algn="ctr">
-              <a:defRPr sz="6000"/>
+              <a:defRPr sz="5400">
+                <a:effectLst/>
+              </a:defRPr>
             </a:lvl1pPr>
           </a:lstStyle>
           <a:p>
@@ -152,7 +298,7 @@
               <a:rPr lang="en-US" smtClean="0"/>
               <a:t>Click to edit Master title style</a:t>
             </a:r>
-            <a:endParaRPr lang="en-US"/>
+            <a:endParaRPr lang="en-US" dirty="0"/>
           </a:p>
         </p:txBody>
       </p:sp>
@@ -168,48 +314,102 @@
         </p:nvSpPr>
         <p:spPr>
           <a:xfrm>
-            <a:off x="1524000" y="3602038"/>
-            <a:ext cx="9144000" cy="1655762"/>
+            <a:off x="2692398" y="3657597"/>
+            <a:ext cx="6815669" cy="1320802"/>
           </a:xfrm>
         </p:spPr>
         <p:txBody>
-          <a:bodyPr/>
+          <a:bodyPr anchor="t">
+            <a:normAutofit/>
+          </a:bodyPr>
           <a:lstStyle>
             <a:lvl1pPr marL="0" indent="0" algn="ctr">
               <a:buNone/>
-              <a:defRPr sz="2400"/>
+              <a:defRPr sz="2100">
+                <a:solidFill>
+                  <a:schemeClr val="tx1"/>
+                </a:solidFill>
+              </a:defRPr>
             </a:lvl1pPr>
             <a:lvl2pPr marL="457200" indent="0" algn="ctr">
               <a:buNone/>
-              <a:defRPr sz="2000"/>
+              <a:defRPr>
+                <a:solidFill>
+                  <a:schemeClr val="tx1">
+                    <a:tint val="75000"/>
+                  </a:schemeClr>
+                </a:solidFill>
+              </a:defRPr>
             </a:lvl2pPr>
             <a:lvl3pPr marL="914400" indent="0" algn="ctr">
               <a:buNone/>
-              <a:defRPr sz="1800"/>
+              <a:defRPr>
+                <a:solidFill>
+                  <a:schemeClr val="tx1">
+                    <a:tint val="75000"/>
+                  </a:schemeClr>
+                </a:solidFill>
+              </a:defRPr>
             </a:lvl3pPr>
             <a:lvl4pPr marL="1371600" indent="0" algn="ctr">
               <a:buNone/>
-              <a:defRPr sz="1600"/>
+              <a:defRPr>
+                <a:solidFill>
+                  <a:schemeClr val="tx1">
+                    <a:tint val="75000"/>
+                  </a:schemeClr>
+                </a:solidFill>
+              </a:defRPr>
             </a:lvl4pPr>
             <a:lvl5pPr marL="1828800" indent="0" algn="ctr">
               <a:buNone/>
-              <a:defRPr sz="1600"/>
+              <a:defRPr>
+                <a:solidFill>
+                  <a:schemeClr val="tx1">
+                    <a:tint val="75000"/>
+                  </a:schemeClr>
+                </a:solidFill>
+              </a:defRPr>
             </a:lvl5pPr>
             <a:lvl6pPr marL="2286000" indent="0" algn="ctr">
               <a:buNone/>
-              <a:defRPr sz="1600"/>
+              <a:defRPr>
+                <a:solidFill>
+                  <a:schemeClr val="tx1">
+                    <a:tint val="75000"/>
+                  </a:schemeClr>
+                </a:solidFill>
+              </a:defRPr>
             </a:lvl6pPr>
             <a:lvl7pPr marL="2743200" indent="0" algn="ctr">
               <a:buNone/>
-              <a:defRPr sz="1600"/>
+              <a:defRPr>
+                <a:solidFill>
+                  <a:schemeClr val="tx1">
+                    <a:tint val="75000"/>
+                  </a:schemeClr>
+                </a:solidFill>
+              </a:defRPr>
             </a:lvl7pPr>
             <a:lvl8pPr marL="3200400" indent="0" algn="ctr">
               <a:buNone/>
-              <a:defRPr sz="1600"/>
+              <a:defRPr>
+                <a:solidFill>
+                  <a:schemeClr val="tx1">
+                    <a:tint val="75000"/>
+                  </a:schemeClr>
+                </a:solidFill>
+              </a:defRPr>
             </a:lvl8pPr>
             <a:lvl9pPr marL="3657600" indent="0" algn="ctr">
               <a:buNone/>
-              <a:defRPr sz="1600"/>
+              <a:defRPr>
+                <a:solidFill>
+                  <a:schemeClr val="tx1">
+                    <a:tint val="75000"/>
+                  </a:schemeClr>
+                </a:solidFill>
+              </a:defRPr>
             </a:lvl9pPr>
           </a:lstStyle>
           <a:p>
@@ -217,7 +417,7 @@
               <a:rPr lang="en-US" smtClean="0"/>
               <a:t>Click to edit Master subtitle style</a:t>
             </a:r>
-            <a:endParaRPr lang="en-US"/>
+            <a:endParaRPr lang="en-US" dirty="0"/>
           </a:p>
         </p:txBody>
       </p:sp>
@@ -231,16 +431,20 @@
             <p:ph type="dt" sz="half" idx="10"/>
           </p:nvPr>
         </p:nvSpPr>
-        <p:spPr/>
+        <p:spPr>
+          <a:xfrm>
+            <a:off x="7983232" y="5037663"/>
+            <a:ext cx="897467" cy="279400"/>
+          </a:xfrm>
+        </p:spPr>
         <p:txBody>
           <a:bodyPr/>
           <a:lstStyle/>
           <a:p>
-            <a:fld id="{63A1C593-65D0-4073-BCC9-577B9352EA97}" type="datetimeFigureOut">
-              <a:rPr lang="en-US" smtClean="0"/>
-              <a:t>11/27/2015</a:t>
+            <a:fld id="{B61BEF0D-F0BB-DE4B-95CE-6DB70DBA9567}" type="datetimeFigureOut">
+              <a:rPr lang="en-US" dirty="0"/>
             </a:fld>
-            <a:endParaRPr lang="en-US"/>
+            <a:endParaRPr lang="en-US" dirty="0"/>
           </a:p>
         </p:txBody>
       </p:sp>
@@ -254,12 +458,17 @@
             <p:ph type="ftr" sz="quarter" idx="11"/>
           </p:nvPr>
         </p:nvSpPr>
-        <p:spPr/>
+        <p:spPr>
+          <a:xfrm>
+            <a:off x="2692397" y="5037663"/>
+            <a:ext cx="5214635" cy="279400"/>
+          </a:xfrm>
+        </p:spPr>
         <p:txBody>
           <a:bodyPr/>
           <a:lstStyle/>
           <a:p>
-            <a:endParaRPr lang="en-US"/>
+            <a:endParaRPr lang="en-US" dirty="0"/>
           </a:p>
         </p:txBody>
       </p:sp>
@@ -273,25 +482,54 @@
             <p:ph type="sldNum" sz="quarter" idx="12"/>
           </p:nvPr>
         </p:nvSpPr>
-        <p:spPr/>
+        <p:spPr>
+          <a:xfrm>
+            <a:off x="8956900" y="5037663"/>
+            <a:ext cx="551167" cy="279400"/>
+          </a:xfrm>
+        </p:spPr>
         <p:txBody>
           <a:bodyPr/>
           <a:lstStyle/>
           <a:p>
-            <a:fld id="{9B618960-8005-486C-9A75-10CB2AAC16F9}" type="slidenum">
-              <a:rPr lang="en-US" smtClean="0"/>
-              <a:t>‹#›</a:t>
+            <a:fld id="{D57F1E4F-1CFF-5643-939E-217C01CDF565}" type="slidenum">
+              <a:rPr lang="en-US" dirty="0"/>
             </a:fld>
-            <a:endParaRPr lang="en-US"/>
-          </a:p>
-        </p:txBody>
-      </p:sp>
+            <a:endParaRPr lang="en-US" dirty="0"/>
+          </a:p>
+        </p:txBody>
+      </p:sp>
+      <p:cxnSp>
+        <p:nvCxnSpPr>
+          <p:cNvPr id="15" name="Straight Connector 14"/>
+          <p:cNvCxnSpPr/>
+          <p:nvPr/>
+        </p:nvCxnSpPr>
+        <p:spPr>
+          <a:xfrm>
+            <a:off x="2692399" y="3522131"/>
+            <a:ext cx="6815668" cy="0"/>
+          </a:xfrm>
+          <a:prstGeom prst="line">
+            <a:avLst/>
+          </a:prstGeom>
+        </p:spPr>
+        <p:style>
+          <a:lnRef idx="2">
+            <a:schemeClr val="accent1"/>
+          </a:lnRef>
+          <a:fillRef idx="0">
+            <a:schemeClr val="accent1"/>
+          </a:fillRef>
+          <a:effectRef idx="1">
+            <a:schemeClr val="accent1"/>
+          </a:effectRef>
+          <a:fontRef idx="minor">
+            <a:schemeClr val="tx1"/>
+          </a:fontRef>
+        </p:style>
+      </p:cxnSp>
     </p:spTree>
-    <p:extLst>
-      <p:ext uri="{BB962C8B-B14F-4D97-AF65-F5344CB8AC3E}">
-        <p14:creationId xmlns:p14="http://schemas.microsoft.com/office/powerpoint/2010/main" val="4001249340"/>
-      </p:ext>
-    </p:extLst>
   </p:cSld>
   <p:clrMapOvr>
     <a:masterClrMapping/>
@@ -300,6 +538,2090 @@
 </file>
 
 <file path=ppt/slideLayouts/slideLayout10.xml><?xml version="1.0" encoding="utf-8"?>
+<p:sldLayout xmlns:a="http://schemas.openxmlformats.org/drawingml/2006/main" xmlns:r="http://schemas.openxmlformats.org/officeDocument/2006/relationships" xmlns:p="http://schemas.openxmlformats.org/presentationml/2006/main" preserve="1">
+  <p:cSld name="Panoramic Picture with Caption">
+    <p:spTree>
+      <p:nvGrpSpPr>
+        <p:cNvPr id="1" name=""/>
+        <p:cNvGrpSpPr/>
+        <p:nvPr/>
+      </p:nvGrpSpPr>
+      <p:grpSpPr>
+        <a:xfrm>
+          <a:off x="0" y="0"/>
+          <a:ext cx="0" cy="0"/>
+          <a:chOff x="0" y="0"/>
+          <a:chExt cx="0" cy="0"/>
+        </a:xfrm>
+      </p:grpSpPr>
+      <p:sp>
+        <p:nvSpPr>
+          <p:cNvPr id="2" name="Title 1"/>
+          <p:cNvSpPr>
+            <a:spLocks noGrp="1"/>
+          </p:cNvSpPr>
+          <p:nvPr>
+            <p:ph type="title"/>
+          </p:nvPr>
+        </p:nvSpPr>
+        <p:spPr>
+          <a:xfrm>
+            <a:off x="1295401" y="4815415"/>
+            <a:ext cx="9609666" cy="566738"/>
+          </a:xfrm>
+        </p:spPr>
+        <p:txBody>
+          <a:bodyPr anchor="b">
+            <a:normAutofit/>
+          </a:bodyPr>
+          <a:lstStyle>
+            <a:lvl1pPr algn="ctr">
+              <a:defRPr sz="2400" b="0"/>
+            </a:lvl1pPr>
+          </a:lstStyle>
+          <a:p>
+            <a:r>
+              <a:rPr lang="en-US" smtClean="0"/>
+              <a:t>Click to edit Master title style</a:t>
+            </a:r>
+            <a:endParaRPr lang="en-US" dirty="0"/>
+          </a:p>
+        </p:txBody>
+      </p:sp>
+      <p:sp>
+        <p:nvSpPr>
+          <p:cNvPr id="3" name="Picture Placeholder 2"/>
+          <p:cNvSpPr>
+            <a:spLocks noGrp="1" noChangeAspect="1"/>
+          </p:cNvSpPr>
+          <p:nvPr>
+            <p:ph type="pic" idx="1"/>
+          </p:nvPr>
+        </p:nvSpPr>
+        <p:spPr>
+          <a:xfrm>
+            <a:off x="1041427" y="1041399"/>
+            <a:ext cx="10105972" cy="3335869"/>
+          </a:xfrm>
+          <a:prstGeom prst="roundRect">
+            <a:avLst>
+              <a:gd name="adj" fmla="val 0"/>
+            </a:avLst>
+          </a:prstGeom>
+          <a:ln w="57150" cmpd="thickThin">
+            <a:solidFill>
+              <a:schemeClr val="tx1">
+                <a:lumMod val="50000"/>
+                <a:lumOff val="50000"/>
+              </a:schemeClr>
+            </a:solidFill>
+            <a:miter lim="800000"/>
+          </a:ln>
+          <a:effectLst>
+            <a:innerShdw blurRad="57150" dist="38100" dir="14460000">
+              <a:srgbClr val="000000">
+                <a:alpha val="70000"/>
+              </a:srgbClr>
+            </a:innerShdw>
+          </a:effectLst>
+        </p:spPr>
+        <p:txBody>
+          <a:bodyPr anchor="t">
+            <a:normAutofit/>
+          </a:bodyPr>
+          <a:lstStyle>
+            <a:lvl1pPr marL="0" indent="0" algn="ctr">
+              <a:buNone/>
+              <a:defRPr sz="1600"/>
+            </a:lvl1pPr>
+            <a:lvl2pPr marL="457200" indent="0">
+              <a:buNone/>
+              <a:defRPr sz="1600"/>
+            </a:lvl2pPr>
+            <a:lvl3pPr marL="914400" indent="0">
+              <a:buNone/>
+              <a:defRPr sz="1600"/>
+            </a:lvl3pPr>
+            <a:lvl4pPr marL="1371600" indent="0">
+              <a:buNone/>
+              <a:defRPr sz="1600"/>
+            </a:lvl4pPr>
+            <a:lvl5pPr marL="1828800" indent="0">
+              <a:buNone/>
+              <a:defRPr sz="1600"/>
+            </a:lvl5pPr>
+            <a:lvl6pPr marL="2286000" indent="0">
+              <a:buNone/>
+              <a:defRPr sz="1600"/>
+            </a:lvl6pPr>
+            <a:lvl7pPr marL="2743200" indent="0">
+              <a:buNone/>
+              <a:defRPr sz="1600"/>
+            </a:lvl7pPr>
+            <a:lvl8pPr marL="3200400" indent="0">
+              <a:buNone/>
+              <a:defRPr sz="1600"/>
+            </a:lvl8pPr>
+            <a:lvl9pPr marL="3657600" indent="0">
+              <a:buNone/>
+              <a:defRPr sz="1600"/>
+            </a:lvl9pPr>
+          </a:lstStyle>
+          <a:p>
+            <a:r>
+              <a:rPr lang="en-US" smtClean="0"/>
+              <a:t>Click icon to add picture</a:t>
+            </a:r>
+            <a:endParaRPr lang="en-US" dirty="0"/>
+          </a:p>
+        </p:txBody>
+      </p:sp>
+      <p:sp>
+        <p:nvSpPr>
+          <p:cNvPr id="4" name="Text Placeholder 3"/>
+          <p:cNvSpPr>
+            <a:spLocks noGrp="1"/>
+          </p:cNvSpPr>
+          <p:nvPr>
+            <p:ph type="body" sz="half" idx="2"/>
+          </p:nvPr>
+        </p:nvSpPr>
+        <p:spPr>
+          <a:xfrm>
+            <a:off x="1295401" y="5382153"/>
+            <a:ext cx="9609666" cy="493712"/>
+          </a:xfrm>
+        </p:spPr>
+        <p:txBody>
+          <a:bodyPr>
+            <a:normAutofit/>
+          </a:bodyPr>
+          <a:lstStyle>
+            <a:lvl1pPr marL="0" indent="0" algn="ctr">
+              <a:buNone/>
+              <a:defRPr sz="1400"/>
+            </a:lvl1pPr>
+            <a:lvl2pPr marL="457200" indent="0">
+              <a:buNone/>
+              <a:defRPr sz="1200"/>
+            </a:lvl2pPr>
+            <a:lvl3pPr marL="914400" indent="0">
+              <a:buNone/>
+              <a:defRPr sz="1000"/>
+            </a:lvl3pPr>
+            <a:lvl4pPr marL="1371600" indent="0">
+              <a:buNone/>
+              <a:defRPr sz="900"/>
+            </a:lvl4pPr>
+            <a:lvl5pPr marL="1828800" indent="0">
+              <a:buNone/>
+              <a:defRPr sz="900"/>
+            </a:lvl5pPr>
+            <a:lvl6pPr marL="2286000" indent="0">
+              <a:buNone/>
+              <a:defRPr sz="900"/>
+            </a:lvl6pPr>
+            <a:lvl7pPr marL="2743200" indent="0">
+              <a:buNone/>
+              <a:defRPr sz="900"/>
+            </a:lvl7pPr>
+            <a:lvl8pPr marL="3200400" indent="0">
+              <a:buNone/>
+              <a:defRPr sz="900"/>
+            </a:lvl8pPr>
+            <a:lvl9pPr marL="3657600" indent="0">
+              <a:buNone/>
+              <a:defRPr sz="900"/>
+            </a:lvl9pPr>
+          </a:lstStyle>
+          <a:p>
+            <a:pPr lvl="0"/>
+            <a:r>
+              <a:rPr lang="en-US" smtClean="0"/>
+              <a:t>Click to edit Master text styles</a:t>
+            </a:r>
+            <a:endParaRPr lang="en-US" smtClean="0"/>
+          </a:p>
+        </p:txBody>
+      </p:sp>
+      <p:sp>
+        <p:nvSpPr>
+          <p:cNvPr id="5" name="Date Placeholder 4"/>
+          <p:cNvSpPr>
+            <a:spLocks noGrp="1"/>
+          </p:cNvSpPr>
+          <p:nvPr>
+            <p:ph type="dt" sz="half" idx="10"/>
+          </p:nvPr>
+        </p:nvSpPr>
+        <p:spPr/>
+        <p:txBody>
+          <a:bodyPr/>
+          <a:lstStyle/>
+          <a:p>
+            <a:fld id="{B61BEF0D-F0BB-DE4B-95CE-6DB70DBA9567}" type="datetimeFigureOut">
+              <a:rPr lang="en-US" dirty="0"/>
+            </a:fld>
+            <a:endParaRPr lang="en-US" dirty="0"/>
+          </a:p>
+        </p:txBody>
+      </p:sp>
+      <p:sp>
+        <p:nvSpPr>
+          <p:cNvPr id="6" name="Footer Placeholder 5"/>
+          <p:cNvSpPr>
+            <a:spLocks noGrp="1"/>
+          </p:cNvSpPr>
+          <p:nvPr>
+            <p:ph type="ftr" sz="quarter" idx="11"/>
+          </p:nvPr>
+        </p:nvSpPr>
+        <p:spPr/>
+        <p:txBody>
+          <a:bodyPr/>
+          <a:lstStyle/>
+          <a:p>
+            <a:endParaRPr lang="en-US" dirty="0"/>
+          </a:p>
+        </p:txBody>
+      </p:sp>
+      <p:sp>
+        <p:nvSpPr>
+          <p:cNvPr id="7" name="Slide Number Placeholder 6"/>
+          <p:cNvSpPr>
+            <a:spLocks noGrp="1"/>
+          </p:cNvSpPr>
+          <p:nvPr>
+            <p:ph type="sldNum" sz="quarter" idx="12"/>
+          </p:nvPr>
+        </p:nvSpPr>
+        <p:spPr/>
+        <p:txBody>
+          <a:bodyPr/>
+          <a:lstStyle/>
+          <a:p>
+            <a:fld id="{D57F1E4F-1CFF-5643-939E-217C01CDF565}" type="slidenum">
+              <a:rPr lang="en-US" dirty="0"/>
+            </a:fld>
+            <a:endParaRPr lang="en-US" dirty="0"/>
+          </a:p>
+        </p:txBody>
+      </p:sp>
+    </p:spTree>
+  </p:cSld>
+  <p:clrMapOvr>
+    <a:masterClrMapping/>
+  </p:clrMapOvr>
+</p:sldLayout>
+</file>
+
+<file path=ppt/slideLayouts/slideLayout11.xml><?xml version="1.0" encoding="utf-8"?>
+<p:sldLayout xmlns:a="http://schemas.openxmlformats.org/drawingml/2006/main" xmlns:r="http://schemas.openxmlformats.org/officeDocument/2006/relationships" xmlns:p="http://schemas.openxmlformats.org/presentationml/2006/main" preserve="1">
+  <p:cSld name="Title and Caption">
+    <p:spTree>
+      <p:nvGrpSpPr>
+        <p:cNvPr id="1" name=""/>
+        <p:cNvGrpSpPr/>
+        <p:nvPr/>
+      </p:nvGrpSpPr>
+      <p:grpSpPr>
+        <a:xfrm>
+          <a:off x="0" y="0"/>
+          <a:ext cx="0" cy="0"/>
+          <a:chOff x="0" y="0"/>
+          <a:chExt cx="0" cy="0"/>
+        </a:xfrm>
+      </p:grpSpPr>
+      <p:sp>
+        <p:nvSpPr>
+          <p:cNvPr id="2" name="Title 1"/>
+          <p:cNvSpPr>
+            <a:spLocks noGrp="1"/>
+          </p:cNvSpPr>
+          <p:nvPr>
+            <p:ph type="title"/>
+          </p:nvPr>
+        </p:nvSpPr>
+        <p:spPr>
+          <a:xfrm>
+            <a:off x="1303868" y="982132"/>
+            <a:ext cx="9592732" cy="2954868"/>
+          </a:xfrm>
+        </p:spPr>
+        <p:txBody>
+          <a:bodyPr anchor="ctr">
+            <a:normAutofit/>
+          </a:bodyPr>
+          <a:lstStyle>
+            <a:lvl1pPr algn="ctr">
+              <a:defRPr sz="3200" b="0" cap="none"/>
+            </a:lvl1pPr>
+          </a:lstStyle>
+          <a:p>
+            <a:r>
+              <a:rPr lang="en-US" smtClean="0"/>
+              <a:t>Click to edit Master title style</a:t>
+            </a:r>
+            <a:endParaRPr lang="en-US" dirty="0"/>
+          </a:p>
+        </p:txBody>
+      </p:sp>
+      <p:sp>
+        <p:nvSpPr>
+          <p:cNvPr id="3" name="Text Placeholder 2"/>
+          <p:cNvSpPr>
+            <a:spLocks noGrp="1"/>
+          </p:cNvSpPr>
+          <p:nvPr>
+            <p:ph type="body" idx="1"/>
+          </p:nvPr>
+        </p:nvSpPr>
+        <p:spPr>
+          <a:xfrm>
+            <a:off x="1303868" y="4343399"/>
+            <a:ext cx="9592732" cy="1532467"/>
+          </a:xfrm>
+        </p:spPr>
+        <p:txBody>
+          <a:bodyPr anchor="ctr">
+            <a:normAutofit/>
+          </a:bodyPr>
+          <a:lstStyle>
+            <a:lvl1pPr marL="0" indent="0" algn="ctr">
+              <a:buNone/>
+              <a:defRPr sz="2000">
+                <a:solidFill>
+                  <a:schemeClr val="tx1"/>
+                </a:solidFill>
+              </a:defRPr>
+            </a:lvl1pPr>
+            <a:lvl2pPr marL="457200" indent="0">
+              <a:buNone/>
+              <a:defRPr sz="1800">
+                <a:solidFill>
+                  <a:schemeClr val="tx1">
+                    <a:tint val="75000"/>
+                  </a:schemeClr>
+                </a:solidFill>
+              </a:defRPr>
+            </a:lvl2pPr>
+            <a:lvl3pPr marL="914400" indent="0">
+              <a:buNone/>
+              <a:defRPr sz="1600">
+                <a:solidFill>
+                  <a:schemeClr val="tx1">
+                    <a:tint val="75000"/>
+                  </a:schemeClr>
+                </a:solidFill>
+              </a:defRPr>
+            </a:lvl3pPr>
+            <a:lvl4pPr marL="1371600" indent="0">
+              <a:buNone/>
+              <a:defRPr sz="1400">
+                <a:solidFill>
+                  <a:schemeClr val="tx1">
+                    <a:tint val="75000"/>
+                  </a:schemeClr>
+                </a:solidFill>
+              </a:defRPr>
+            </a:lvl4pPr>
+            <a:lvl5pPr marL="1828800" indent="0">
+              <a:buNone/>
+              <a:defRPr sz="1400">
+                <a:solidFill>
+                  <a:schemeClr val="tx1">
+                    <a:tint val="75000"/>
+                  </a:schemeClr>
+                </a:solidFill>
+              </a:defRPr>
+            </a:lvl5pPr>
+            <a:lvl6pPr marL="2286000" indent="0">
+              <a:buNone/>
+              <a:defRPr sz="1400">
+                <a:solidFill>
+                  <a:schemeClr val="tx1">
+                    <a:tint val="75000"/>
+                  </a:schemeClr>
+                </a:solidFill>
+              </a:defRPr>
+            </a:lvl6pPr>
+            <a:lvl7pPr marL="2743200" indent="0">
+              <a:buNone/>
+              <a:defRPr sz="1400">
+                <a:solidFill>
+                  <a:schemeClr val="tx1">
+                    <a:tint val="75000"/>
+                  </a:schemeClr>
+                </a:solidFill>
+              </a:defRPr>
+            </a:lvl7pPr>
+            <a:lvl8pPr marL="3200400" indent="0">
+              <a:buNone/>
+              <a:defRPr sz="1400">
+                <a:solidFill>
+                  <a:schemeClr val="tx1">
+                    <a:tint val="75000"/>
+                  </a:schemeClr>
+                </a:solidFill>
+              </a:defRPr>
+            </a:lvl8pPr>
+            <a:lvl9pPr marL="3657600" indent="0">
+              <a:buNone/>
+              <a:defRPr sz="1400">
+                <a:solidFill>
+                  <a:schemeClr val="tx1">
+                    <a:tint val="75000"/>
+                  </a:schemeClr>
+                </a:solidFill>
+              </a:defRPr>
+            </a:lvl9pPr>
+          </a:lstStyle>
+          <a:p>
+            <a:pPr lvl="0"/>
+            <a:r>
+              <a:rPr lang="en-US" smtClean="0"/>
+              <a:t>Click to edit Master text styles</a:t>
+            </a:r>
+            <a:endParaRPr lang="en-US" smtClean="0"/>
+          </a:p>
+        </p:txBody>
+      </p:sp>
+      <p:sp>
+        <p:nvSpPr>
+          <p:cNvPr id="4" name="Date Placeholder 3"/>
+          <p:cNvSpPr>
+            <a:spLocks noGrp="1"/>
+          </p:cNvSpPr>
+          <p:nvPr>
+            <p:ph type="dt" sz="half" idx="10"/>
+          </p:nvPr>
+        </p:nvSpPr>
+        <p:spPr/>
+        <p:txBody>
+          <a:bodyPr/>
+          <a:lstStyle/>
+          <a:p>
+            <a:fld id="{B61BEF0D-F0BB-DE4B-95CE-6DB70DBA9567}" type="datetimeFigureOut">
+              <a:rPr lang="en-US" dirty="0"/>
+            </a:fld>
+            <a:endParaRPr lang="en-US" dirty="0"/>
+          </a:p>
+        </p:txBody>
+      </p:sp>
+      <p:sp>
+        <p:nvSpPr>
+          <p:cNvPr id="5" name="Footer Placeholder 4"/>
+          <p:cNvSpPr>
+            <a:spLocks noGrp="1"/>
+          </p:cNvSpPr>
+          <p:nvPr>
+            <p:ph type="ftr" sz="quarter" idx="11"/>
+          </p:nvPr>
+        </p:nvSpPr>
+        <p:spPr/>
+        <p:txBody>
+          <a:bodyPr/>
+          <a:lstStyle/>
+          <a:p>
+            <a:endParaRPr lang="en-US" dirty="0"/>
+          </a:p>
+        </p:txBody>
+      </p:sp>
+      <p:sp>
+        <p:nvSpPr>
+          <p:cNvPr id="6" name="Slide Number Placeholder 5"/>
+          <p:cNvSpPr>
+            <a:spLocks noGrp="1"/>
+          </p:cNvSpPr>
+          <p:nvPr>
+            <p:ph type="sldNum" sz="quarter" idx="12"/>
+          </p:nvPr>
+        </p:nvSpPr>
+        <p:spPr/>
+        <p:txBody>
+          <a:bodyPr/>
+          <a:lstStyle/>
+          <a:p>
+            <a:fld id="{D57F1E4F-1CFF-5643-939E-217C01CDF565}" type="slidenum">
+              <a:rPr lang="en-US" dirty="0"/>
+            </a:fld>
+            <a:endParaRPr lang="en-US" dirty="0"/>
+          </a:p>
+        </p:txBody>
+      </p:sp>
+      <p:cxnSp>
+        <p:nvCxnSpPr>
+          <p:cNvPr id="15" name="Straight Connector 14"/>
+          <p:cNvCxnSpPr/>
+          <p:nvPr/>
+        </p:nvCxnSpPr>
+        <p:spPr>
+          <a:xfrm>
+            <a:off x="1396169" y="4140199"/>
+            <a:ext cx="9407298" cy="0"/>
+          </a:xfrm>
+          <a:prstGeom prst="line">
+            <a:avLst/>
+          </a:prstGeom>
+          <a:ln w="15875"/>
+        </p:spPr>
+        <p:style>
+          <a:lnRef idx="2">
+            <a:schemeClr val="accent1"/>
+          </a:lnRef>
+          <a:fillRef idx="0">
+            <a:schemeClr val="accent1"/>
+          </a:fillRef>
+          <a:effectRef idx="1">
+            <a:schemeClr val="accent1"/>
+          </a:effectRef>
+          <a:fontRef idx="minor">
+            <a:schemeClr val="tx1"/>
+          </a:fontRef>
+        </p:style>
+      </p:cxnSp>
+    </p:spTree>
+  </p:cSld>
+  <p:clrMapOvr>
+    <a:masterClrMapping/>
+  </p:clrMapOvr>
+</p:sldLayout>
+</file>
+
+<file path=ppt/slideLayouts/slideLayout12.xml><?xml version="1.0" encoding="utf-8"?>
+<p:sldLayout xmlns:a="http://schemas.openxmlformats.org/drawingml/2006/main" xmlns:r="http://schemas.openxmlformats.org/officeDocument/2006/relationships" xmlns:p="http://schemas.openxmlformats.org/presentationml/2006/main" preserve="1">
+  <p:cSld name="Quote with Caption">
+    <p:spTree>
+      <p:nvGrpSpPr>
+        <p:cNvPr id="1" name=""/>
+        <p:cNvGrpSpPr/>
+        <p:nvPr/>
+      </p:nvGrpSpPr>
+      <p:grpSpPr>
+        <a:xfrm>
+          <a:off x="0" y="0"/>
+          <a:ext cx="0" cy="0"/>
+          <a:chOff x="0" y="0"/>
+          <a:chExt cx="0" cy="0"/>
+        </a:xfrm>
+      </p:grpSpPr>
+      <p:sp>
+        <p:nvSpPr>
+          <p:cNvPr id="2" name="Title 1"/>
+          <p:cNvSpPr>
+            <a:spLocks noGrp="1"/>
+          </p:cNvSpPr>
+          <p:nvPr>
+            <p:ph type="title"/>
+          </p:nvPr>
+        </p:nvSpPr>
+        <p:spPr>
+          <a:xfrm>
+            <a:off x="1446213" y="982132"/>
+            <a:ext cx="9296398" cy="2370668"/>
+          </a:xfrm>
+        </p:spPr>
+        <p:txBody>
+          <a:bodyPr anchor="ctr">
+            <a:normAutofit/>
+          </a:bodyPr>
+          <a:lstStyle>
+            <a:lvl1pPr algn="ctr">
+              <a:defRPr sz="3200" b="0" cap="none">
+                <a:solidFill>
+                  <a:schemeClr val="tx1"/>
+                </a:solidFill>
+              </a:defRPr>
+            </a:lvl1pPr>
+          </a:lstStyle>
+          <a:p>
+            <a:r>
+              <a:rPr lang="en-US" smtClean="0"/>
+              <a:t>Click to edit Master title style</a:t>
+            </a:r>
+            <a:endParaRPr lang="en-US" dirty="0"/>
+          </a:p>
+        </p:txBody>
+      </p:sp>
+      <p:sp>
+        <p:nvSpPr>
+          <p:cNvPr id="10" name="Text Placeholder 9"/>
+          <p:cNvSpPr>
+            <a:spLocks noGrp="1"/>
+          </p:cNvSpPr>
+          <p:nvPr>
+            <p:ph type="body" sz="quarter" idx="13"/>
+          </p:nvPr>
+        </p:nvSpPr>
+        <p:spPr>
+          <a:xfrm>
+            <a:off x="1674812" y="3352800"/>
+            <a:ext cx="8839202" cy="584200"/>
+          </a:xfrm>
+        </p:spPr>
+        <p:txBody>
+          <a:bodyPr anchor="ctr">
+            <a:normAutofit/>
+          </a:bodyPr>
+          <a:lstStyle>
+            <a:lvl1pPr marL="0" indent="0" algn="r">
+              <a:buFontTx/>
+              <a:buNone/>
+              <a:defRPr sz="2000"/>
+            </a:lvl1pPr>
+            <a:lvl2pPr marL="457200" indent="0">
+              <a:buFontTx/>
+              <a:buNone/>
+              <a:defRPr/>
+            </a:lvl2pPr>
+            <a:lvl3pPr marL="914400" indent="0">
+              <a:buFontTx/>
+              <a:buNone/>
+              <a:defRPr/>
+            </a:lvl3pPr>
+            <a:lvl4pPr marL="1371600" indent="0">
+              <a:buFontTx/>
+              <a:buNone/>
+              <a:defRPr/>
+            </a:lvl4pPr>
+            <a:lvl5pPr marL="1828800" indent="0">
+              <a:buFontTx/>
+              <a:buNone/>
+              <a:defRPr/>
+            </a:lvl5pPr>
+          </a:lstStyle>
+          <a:p>
+            <a:pPr lvl="0"/>
+            <a:r>
+              <a:rPr lang="en-US" smtClean="0"/>
+              <a:t>Click to edit Master text styles</a:t>
+            </a:r>
+            <a:endParaRPr lang="en-US" smtClean="0"/>
+          </a:p>
+        </p:txBody>
+      </p:sp>
+      <p:sp>
+        <p:nvSpPr>
+          <p:cNvPr id="3" name="Text Placeholder 2"/>
+          <p:cNvSpPr>
+            <a:spLocks noGrp="1"/>
+          </p:cNvSpPr>
+          <p:nvPr>
+            <p:ph type="body" idx="1"/>
+          </p:nvPr>
+        </p:nvSpPr>
+        <p:spPr>
+          <a:xfrm>
+            <a:off x="1295401" y="4343399"/>
+            <a:ext cx="9609666" cy="1532467"/>
+          </a:xfrm>
+        </p:spPr>
+        <p:txBody>
+          <a:bodyPr anchor="ctr">
+            <a:normAutofit/>
+          </a:bodyPr>
+          <a:lstStyle>
+            <a:lvl1pPr marL="0" indent="0" algn="ctr">
+              <a:buNone/>
+              <a:defRPr sz="2000">
+                <a:solidFill>
+                  <a:schemeClr val="tx1"/>
+                </a:solidFill>
+              </a:defRPr>
+            </a:lvl1pPr>
+            <a:lvl2pPr marL="457200" indent="0">
+              <a:buNone/>
+              <a:defRPr sz="1800">
+                <a:solidFill>
+                  <a:schemeClr val="tx1">
+                    <a:tint val="75000"/>
+                  </a:schemeClr>
+                </a:solidFill>
+              </a:defRPr>
+            </a:lvl2pPr>
+            <a:lvl3pPr marL="914400" indent="0">
+              <a:buNone/>
+              <a:defRPr sz="1600">
+                <a:solidFill>
+                  <a:schemeClr val="tx1">
+                    <a:tint val="75000"/>
+                  </a:schemeClr>
+                </a:solidFill>
+              </a:defRPr>
+            </a:lvl3pPr>
+            <a:lvl4pPr marL="1371600" indent="0">
+              <a:buNone/>
+              <a:defRPr sz="1400">
+                <a:solidFill>
+                  <a:schemeClr val="tx1">
+                    <a:tint val="75000"/>
+                  </a:schemeClr>
+                </a:solidFill>
+              </a:defRPr>
+            </a:lvl4pPr>
+            <a:lvl5pPr marL="1828800" indent="0">
+              <a:buNone/>
+              <a:defRPr sz="1400">
+                <a:solidFill>
+                  <a:schemeClr val="tx1">
+                    <a:tint val="75000"/>
+                  </a:schemeClr>
+                </a:solidFill>
+              </a:defRPr>
+            </a:lvl5pPr>
+            <a:lvl6pPr marL="2286000" indent="0">
+              <a:buNone/>
+              <a:defRPr sz="1400">
+                <a:solidFill>
+                  <a:schemeClr val="tx1">
+                    <a:tint val="75000"/>
+                  </a:schemeClr>
+                </a:solidFill>
+              </a:defRPr>
+            </a:lvl6pPr>
+            <a:lvl7pPr marL="2743200" indent="0">
+              <a:buNone/>
+              <a:defRPr sz="1400">
+                <a:solidFill>
+                  <a:schemeClr val="tx1">
+                    <a:tint val="75000"/>
+                  </a:schemeClr>
+                </a:solidFill>
+              </a:defRPr>
+            </a:lvl7pPr>
+            <a:lvl8pPr marL="3200400" indent="0">
+              <a:buNone/>
+              <a:defRPr sz="1400">
+                <a:solidFill>
+                  <a:schemeClr val="tx1">
+                    <a:tint val="75000"/>
+                  </a:schemeClr>
+                </a:solidFill>
+              </a:defRPr>
+            </a:lvl8pPr>
+            <a:lvl9pPr marL="3657600" indent="0">
+              <a:buNone/>
+              <a:defRPr sz="1400">
+                <a:solidFill>
+                  <a:schemeClr val="tx1">
+                    <a:tint val="75000"/>
+                  </a:schemeClr>
+                </a:solidFill>
+              </a:defRPr>
+            </a:lvl9pPr>
+          </a:lstStyle>
+          <a:p>
+            <a:pPr lvl="0"/>
+            <a:r>
+              <a:rPr lang="en-US" smtClean="0"/>
+              <a:t>Click to edit Master text styles</a:t>
+            </a:r>
+            <a:endParaRPr lang="en-US" smtClean="0"/>
+          </a:p>
+        </p:txBody>
+      </p:sp>
+      <p:sp>
+        <p:nvSpPr>
+          <p:cNvPr id="4" name="Date Placeholder 3"/>
+          <p:cNvSpPr>
+            <a:spLocks noGrp="1"/>
+          </p:cNvSpPr>
+          <p:nvPr>
+            <p:ph type="dt" sz="half" idx="10"/>
+          </p:nvPr>
+        </p:nvSpPr>
+        <p:spPr/>
+        <p:txBody>
+          <a:bodyPr/>
+          <a:lstStyle/>
+          <a:p>
+            <a:fld id="{B61BEF0D-F0BB-DE4B-95CE-6DB70DBA9567}" type="datetimeFigureOut">
+              <a:rPr lang="en-US" dirty="0"/>
+            </a:fld>
+            <a:endParaRPr lang="en-US" dirty="0"/>
+          </a:p>
+        </p:txBody>
+      </p:sp>
+      <p:sp>
+        <p:nvSpPr>
+          <p:cNvPr id="5" name="Footer Placeholder 4"/>
+          <p:cNvSpPr>
+            <a:spLocks noGrp="1"/>
+          </p:cNvSpPr>
+          <p:nvPr>
+            <p:ph type="ftr" sz="quarter" idx="11"/>
+          </p:nvPr>
+        </p:nvSpPr>
+        <p:spPr/>
+        <p:txBody>
+          <a:bodyPr/>
+          <a:lstStyle/>
+          <a:p>
+            <a:endParaRPr lang="en-US" dirty="0"/>
+          </a:p>
+        </p:txBody>
+      </p:sp>
+      <p:sp>
+        <p:nvSpPr>
+          <p:cNvPr id="6" name="Slide Number Placeholder 5"/>
+          <p:cNvSpPr>
+            <a:spLocks noGrp="1"/>
+          </p:cNvSpPr>
+          <p:nvPr>
+            <p:ph type="sldNum" sz="quarter" idx="12"/>
+          </p:nvPr>
+        </p:nvSpPr>
+        <p:spPr/>
+        <p:txBody>
+          <a:bodyPr/>
+          <a:lstStyle/>
+          <a:p>
+            <a:fld id="{D57F1E4F-1CFF-5643-939E-217C01CDF565}" type="slidenum">
+              <a:rPr lang="en-US" dirty="0"/>
+            </a:fld>
+            <a:endParaRPr lang="en-US" dirty="0"/>
+          </a:p>
+        </p:txBody>
+      </p:sp>
+      <p:sp>
+        <p:nvSpPr>
+          <p:cNvPr id="14" name="TextBox 13"/>
+          <p:cNvSpPr txBox="1"/>
+          <p:nvPr/>
+        </p:nvSpPr>
+        <p:spPr>
+          <a:xfrm>
+            <a:off x="862013" y="879961"/>
+            <a:ext cx="609600" cy="584776"/>
+          </a:xfrm>
+          <a:prstGeom prst="rect">
+            <a:avLst/>
+          </a:prstGeom>
+        </p:spPr>
+        <p:txBody>
+          <a:bodyPr vert="horz" lIns="91440" tIns="45720" rIns="91440" bIns="45720" rtlCol="0" anchor="ctr">
+            <a:noAutofit/>
+          </a:bodyPr>
+          <a:lstStyle/>
+          <a:p>
+            <a:pPr lvl="0"/>
+            <a:r>
+              <a:rPr lang="en-US" sz="8000" dirty="0">
+                <a:solidFill>
+                  <a:schemeClr val="tx1"/>
+                </a:solidFill>
+                <a:effectLst/>
+              </a:rPr>
+              <a:t>“</a:t>
+            </a:r>
+            <a:endParaRPr lang="en-US" sz="8000" dirty="0">
+              <a:solidFill>
+                <a:schemeClr val="tx1"/>
+              </a:solidFill>
+              <a:effectLst/>
+            </a:endParaRPr>
+          </a:p>
+        </p:txBody>
+      </p:sp>
+      <p:sp>
+        <p:nvSpPr>
+          <p:cNvPr id="15" name="TextBox 14"/>
+          <p:cNvSpPr txBox="1"/>
+          <p:nvPr/>
+        </p:nvSpPr>
+        <p:spPr>
+          <a:xfrm>
+            <a:off x="10600267" y="2827870"/>
+            <a:ext cx="609600" cy="584776"/>
+          </a:xfrm>
+          <a:prstGeom prst="rect">
+            <a:avLst/>
+          </a:prstGeom>
+        </p:spPr>
+        <p:txBody>
+          <a:bodyPr vert="horz" lIns="91440" tIns="45720" rIns="91440" bIns="45720" rtlCol="0" anchor="ctr">
+            <a:noAutofit/>
+          </a:bodyPr>
+          <a:lstStyle/>
+          <a:p>
+            <a:pPr lvl="0" algn="r"/>
+            <a:r>
+              <a:rPr lang="en-US" sz="8000" dirty="0">
+                <a:solidFill>
+                  <a:schemeClr val="tx1"/>
+                </a:solidFill>
+                <a:effectLst/>
+              </a:rPr>
+              <a:t>”</a:t>
+            </a:r>
+            <a:endParaRPr lang="en-US" sz="8000" dirty="0">
+              <a:solidFill>
+                <a:schemeClr val="tx1"/>
+              </a:solidFill>
+              <a:effectLst/>
+            </a:endParaRPr>
+          </a:p>
+        </p:txBody>
+      </p:sp>
+      <p:cxnSp>
+        <p:nvCxnSpPr>
+          <p:cNvPr id="19" name="Straight Connector 18"/>
+          <p:cNvCxnSpPr/>
+          <p:nvPr/>
+        </p:nvCxnSpPr>
+        <p:spPr>
+          <a:xfrm>
+            <a:off x="1396169" y="4140199"/>
+            <a:ext cx="9407298" cy="0"/>
+          </a:xfrm>
+          <a:prstGeom prst="line">
+            <a:avLst/>
+          </a:prstGeom>
+          <a:ln w="15875"/>
+        </p:spPr>
+        <p:style>
+          <a:lnRef idx="2">
+            <a:schemeClr val="accent1"/>
+          </a:lnRef>
+          <a:fillRef idx="0">
+            <a:schemeClr val="accent1"/>
+          </a:fillRef>
+          <a:effectRef idx="1">
+            <a:schemeClr val="accent1"/>
+          </a:effectRef>
+          <a:fontRef idx="minor">
+            <a:schemeClr val="tx1"/>
+          </a:fontRef>
+        </p:style>
+      </p:cxnSp>
+    </p:spTree>
+  </p:cSld>
+  <p:clrMapOvr>
+    <a:masterClrMapping/>
+  </p:clrMapOvr>
+</p:sldLayout>
+</file>
+
+<file path=ppt/slideLayouts/slideLayout13.xml><?xml version="1.0" encoding="utf-8"?>
+<p:sldLayout xmlns:a="http://schemas.openxmlformats.org/drawingml/2006/main" xmlns:r="http://schemas.openxmlformats.org/officeDocument/2006/relationships" xmlns:p="http://schemas.openxmlformats.org/presentationml/2006/main" preserve="1">
+  <p:cSld name="Name Card">
+    <p:spTree>
+      <p:nvGrpSpPr>
+        <p:cNvPr id="1" name=""/>
+        <p:cNvGrpSpPr/>
+        <p:nvPr/>
+      </p:nvGrpSpPr>
+      <p:grpSpPr>
+        <a:xfrm>
+          <a:off x="0" y="0"/>
+          <a:ext cx="0" cy="0"/>
+          <a:chOff x="0" y="0"/>
+          <a:chExt cx="0" cy="0"/>
+        </a:xfrm>
+      </p:grpSpPr>
+      <p:sp>
+        <p:nvSpPr>
+          <p:cNvPr id="2" name="Title 1"/>
+          <p:cNvSpPr>
+            <a:spLocks noGrp="1"/>
+          </p:cNvSpPr>
+          <p:nvPr>
+            <p:ph type="title"/>
+          </p:nvPr>
+        </p:nvSpPr>
+        <p:spPr>
+          <a:xfrm>
+            <a:off x="1295402" y="3308581"/>
+            <a:ext cx="9609668" cy="1468800"/>
+          </a:xfrm>
+        </p:spPr>
+        <p:txBody>
+          <a:bodyPr anchor="b">
+            <a:normAutofit/>
+          </a:bodyPr>
+          <a:lstStyle>
+            <a:lvl1pPr algn="l">
+              <a:defRPr sz="3200" b="0" cap="none"/>
+            </a:lvl1pPr>
+          </a:lstStyle>
+          <a:p>
+            <a:r>
+              <a:rPr lang="en-US" smtClean="0"/>
+              <a:t>Click to edit Master title style</a:t>
+            </a:r>
+            <a:endParaRPr lang="en-US" dirty="0"/>
+          </a:p>
+        </p:txBody>
+      </p:sp>
+      <p:sp>
+        <p:nvSpPr>
+          <p:cNvPr id="3" name="Text Placeholder 2"/>
+          <p:cNvSpPr>
+            <a:spLocks noGrp="1"/>
+          </p:cNvSpPr>
+          <p:nvPr>
+            <p:ph type="body" idx="1"/>
+          </p:nvPr>
+        </p:nvSpPr>
+        <p:spPr>
+          <a:xfrm>
+            <a:off x="1295401" y="4777381"/>
+            <a:ext cx="9609668" cy="860400"/>
+          </a:xfrm>
+        </p:spPr>
+        <p:txBody>
+          <a:bodyPr anchor="t">
+            <a:normAutofit/>
+          </a:bodyPr>
+          <a:lstStyle>
+            <a:lvl1pPr marL="0" indent="0" algn="l">
+              <a:buNone/>
+              <a:defRPr sz="2000">
+                <a:solidFill>
+                  <a:schemeClr val="tx1"/>
+                </a:solidFill>
+              </a:defRPr>
+            </a:lvl1pPr>
+            <a:lvl2pPr marL="457200" indent="0">
+              <a:buNone/>
+              <a:defRPr sz="1800">
+                <a:solidFill>
+                  <a:schemeClr val="tx1">
+                    <a:tint val="75000"/>
+                  </a:schemeClr>
+                </a:solidFill>
+              </a:defRPr>
+            </a:lvl2pPr>
+            <a:lvl3pPr marL="914400" indent="0">
+              <a:buNone/>
+              <a:defRPr sz="1600">
+                <a:solidFill>
+                  <a:schemeClr val="tx1">
+                    <a:tint val="75000"/>
+                  </a:schemeClr>
+                </a:solidFill>
+              </a:defRPr>
+            </a:lvl3pPr>
+            <a:lvl4pPr marL="1371600" indent="0">
+              <a:buNone/>
+              <a:defRPr sz="1400">
+                <a:solidFill>
+                  <a:schemeClr val="tx1">
+                    <a:tint val="75000"/>
+                  </a:schemeClr>
+                </a:solidFill>
+              </a:defRPr>
+            </a:lvl4pPr>
+            <a:lvl5pPr marL="1828800" indent="0">
+              <a:buNone/>
+              <a:defRPr sz="1400">
+                <a:solidFill>
+                  <a:schemeClr val="tx1">
+                    <a:tint val="75000"/>
+                  </a:schemeClr>
+                </a:solidFill>
+              </a:defRPr>
+            </a:lvl5pPr>
+            <a:lvl6pPr marL="2286000" indent="0">
+              <a:buNone/>
+              <a:defRPr sz="1400">
+                <a:solidFill>
+                  <a:schemeClr val="tx1">
+                    <a:tint val="75000"/>
+                  </a:schemeClr>
+                </a:solidFill>
+              </a:defRPr>
+            </a:lvl6pPr>
+            <a:lvl7pPr marL="2743200" indent="0">
+              <a:buNone/>
+              <a:defRPr sz="1400">
+                <a:solidFill>
+                  <a:schemeClr val="tx1">
+                    <a:tint val="75000"/>
+                  </a:schemeClr>
+                </a:solidFill>
+              </a:defRPr>
+            </a:lvl7pPr>
+            <a:lvl8pPr marL="3200400" indent="0">
+              <a:buNone/>
+              <a:defRPr sz="1400">
+                <a:solidFill>
+                  <a:schemeClr val="tx1">
+                    <a:tint val="75000"/>
+                  </a:schemeClr>
+                </a:solidFill>
+              </a:defRPr>
+            </a:lvl8pPr>
+            <a:lvl9pPr marL="3657600" indent="0">
+              <a:buNone/>
+              <a:defRPr sz="1400">
+                <a:solidFill>
+                  <a:schemeClr val="tx1">
+                    <a:tint val="75000"/>
+                  </a:schemeClr>
+                </a:solidFill>
+              </a:defRPr>
+            </a:lvl9pPr>
+          </a:lstStyle>
+          <a:p>
+            <a:pPr lvl="0"/>
+            <a:r>
+              <a:rPr lang="en-US" smtClean="0"/>
+              <a:t>Click to edit Master text styles</a:t>
+            </a:r>
+            <a:endParaRPr lang="en-US" smtClean="0"/>
+          </a:p>
+        </p:txBody>
+      </p:sp>
+      <p:sp>
+        <p:nvSpPr>
+          <p:cNvPr id="4" name="Date Placeholder 3"/>
+          <p:cNvSpPr>
+            <a:spLocks noGrp="1"/>
+          </p:cNvSpPr>
+          <p:nvPr>
+            <p:ph type="dt" sz="half" idx="10"/>
+          </p:nvPr>
+        </p:nvSpPr>
+        <p:spPr/>
+        <p:txBody>
+          <a:bodyPr/>
+          <a:lstStyle/>
+          <a:p>
+            <a:fld id="{B61BEF0D-F0BB-DE4B-95CE-6DB70DBA9567}" type="datetimeFigureOut">
+              <a:rPr lang="en-US" dirty="0"/>
+            </a:fld>
+            <a:endParaRPr lang="en-US" dirty="0"/>
+          </a:p>
+        </p:txBody>
+      </p:sp>
+      <p:sp>
+        <p:nvSpPr>
+          <p:cNvPr id="5" name="Footer Placeholder 4"/>
+          <p:cNvSpPr>
+            <a:spLocks noGrp="1"/>
+          </p:cNvSpPr>
+          <p:nvPr>
+            <p:ph type="ftr" sz="quarter" idx="11"/>
+          </p:nvPr>
+        </p:nvSpPr>
+        <p:spPr/>
+        <p:txBody>
+          <a:bodyPr/>
+          <a:lstStyle/>
+          <a:p>
+            <a:endParaRPr lang="en-US" dirty="0"/>
+          </a:p>
+        </p:txBody>
+      </p:sp>
+      <p:sp>
+        <p:nvSpPr>
+          <p:cNvPr id="6" name="Slide Number Placeholder 5"/>
+          <p:cNvSpPr>
+            <a:spLocks noGrp="1"/>
+          </p:cNvSpPr>
+          <p:nvPr>
+            <p:ph type="sldNum" sz="quarter" idx="12"/>
+          </p:nvPr>
+        </p:nvSpPr>
+        <p:spPr/>
+        <p:txBody>
+          <a:bodyPr/>
+          <a:lstStyle/>
+          <a:p>
+            <a:fld id="{D57F1E4F-1CFF-5643-939E-217C01CDF565}" type="slidenum">
+              <a:rPr lang="en-US" dirty="0"/>
+            </a:fld>
+            <a:endParaRPr lang="en-US" dirty="0"/>
+          </a:p>
+        </p:txBody>
+      </p:sp>
+    </p:spTree>
+  </p:cSld>
+  <p:clrMapOvr>
+    <a:masterClrMapping/>
+  </p:clrMapOvr>
+</p:sldLayout>
+</file>
+
+<file path=ppt/slideLayouts/slideLayout14.xml><?xml version="1.0" encoding="utf-8"?>
+<p:sldLayout xmlns:a="http://schemas.openxmlformats.org/drawingml/2006/main" xmlns:r="http://schemas.openxmlformats.org/officeDocument/2006/relationships" xmlns:p="http://schemas.openxmlformats.org/presentationml/2006/main" preserve="1">
+  <p:cSld name="Quote Name Card">
+    <p:spTree>
+      <p:nvGrpSpPr>
+        <p:cNvPr id="1" name=""/>
+        <p:cNvGrpSpPr/>
+        <p:nvPr/>
+      </p:nvGrpSpPr>
+      <p:grpSpPr>
+        <a:xfrm>
+          <a:off x="0" y="0"/>
+          <a:ext cx="0" cy="0"/>
+          <a:chOff x="0" y="0"/>
+          <a:chExt cx="0" cy="0"/>
+        </a:xfrm>
+      </p:grpSpPr>
+      <p:sp>
+        <p:nvSpPr>
+          <p:cNvPr id="2" name="Title 1"/>
+          <p:cNvSpPr>
+            <a:spLocks noGrp="1"/>
+          </p:cNvSpPr>
+          <p:nvPr>
+            <p:ph type="title"/>
+          </p:nvPr>
+        </p:nvSpPr>
+        <p:spPr>
+          <a:xfrm>
+            <a:off x="1446213" y="982132"/>
+            <a:ext cx="9296398" cy="2243668"/>
+          </a:xfrm>
+        </p:spPr>
+        <p:txBody>
+          <a:bodyPr anchor="ctr">
+            <a:normAutofit/>
+          </a:bodyPr>
+          <a:lstStyle>
+            <a:lvl1pPr algn="ctr">
+              <a:defRPr sz="3200" b="0" cap="none">
+                <a:solidFill>
+                  <a:schemeClr val="tx1"/>
+                </a:solidFill>
+              </a:defRPr>
+            </a:lvl1pPr>
+          </a:lstStyle>
+          <a:p>
+            <a:r>
+              <a:rPr lang="en-US" smtClean="0"/>
+              <a:t>Click to edit Master title style</a:t>
+            </a:r>
+            <a:endParaRPr lang="en-US" dirty="0"/>
+          </a:p>
+        </p:txBody>
+      </p:sp>
+      <p:sp>
+        <p:nvSpPr>
+          <p:cNvPr id="16" name="Text Placeholder 2"/>
+          <p:cNvSpPr>
+            <a:spLocks noGrp="1"/>
+          </p:cNvSpPr>
+          <p:nvPr>
+            <p:ph type="body" idx="13"/>
+          </p:nvPr>
+        </p:nvSpPr>
+        <p:spPr>
+          <a:xfrm>
+            <a:off x="1295401" y="3639312"/>
+            <a:ext cx="9609668" cy="886968"/>
+          </a:xfrm>
+        </p:spPr>
+        <p:txBody>
+          <a:bodyPr anchor="b">
+            <a:normAutofit/>
+          </a:bodyPr>
+          <a:lstStyle>
+            <a:lvl1pPr marL="0" indent="0" algn="l">
+              <a:spcBef>
+                <a:spcPts val="0"/>
+              </a:spcBef>
+              <a:buNone/>
+              <a:defRPr sz="2400">
+                <a:solidFill>
+                  <a:schemeClr val="tx1"/>
+                </a:solidFill>
+              </a:defRPr>
+            </a:lvl1pPr>
+            <a:lvl2pPr marL="457200" indent="0">
+              <a:buNone/>
+              <a:defRPr sz="1800">
+                <a:solidFill>
+                  <a:schemeClr val="tx1">
+                    <a:tint val="75000"/>
+                  </a:schemeClr>
+                </a:solidFill>
+              </a:defRPr>
+            </a:lvl2pPr>
+            <a:lvl3pPr marL="914400" indent="0">
+              <a:buNone/>
+              <a:defRPr sz="1600">
+                <a:solidFill>
+                  <a:schemeClr val="tx1">
+                    <a:tint val="75000"/>
+                  </a:schemeClr>
+                </a:solidFill>
+              </a:defRPr>
+            </a:lvl3pPr>
+            <a:lvl4pPr marL="1371600" indent="0">
+              <a:buNone/>
+              <a:defRPr sz="1400">
+                <a:solidFill>
+                  <a:schemeClr val="tx1">
+                    <a:tint val="75000"/>
+                  </a:schemeClr>
+                </a:solidFill>
+              </a:defRPr>
+            </a:lvl4pPr>
+            <a:lvl5pPr marL="1828800" indent="0">
+              <a:buNone/>
+              <a:defRPr sz="1400">
+                <a:solidFill>
+                  <a:schemeClr val="tx1">
+                    <a:tint val="75000"/>
+                  </a:schemeClr>
+                </a:solidFill>
+              </a:defRPr>
+            </a:lvl5pPr>
+            <a:lvl6pPr marL="2286000" indent="0">
+              <a:buNone/>
+              <a:defRPr sz="1400">
+                <a:solidFill>
+                  <a:schemeClr val="tx1">
+                    <a:tint val="75000"/>
+                  </a:schemeClr>
+                </a:solidFill>
+              </a:defRPr>
+            </a:lvl6pPr>
+            <a:lvl7pPr marL="2743200" indent="0">
+              <a:buNone/>
+              <a:defRPr sz="1400">
+                <a:solidFill>
+                  <a:schemeClr val="tx1">
+                    <a:tint val="75000"/>
+                  </a:schemeClr>
+                </a:solidFill>
+              </a:defRPr>
+            </a:lvl7pPr>
+            <a:lvl8pPr marL="3200400" indent="0">
+              <a:buNone/>
+              <a:defRPr sz="1400">
+                <a:solidFill>
+                  <a:schemeClr val="tx1">
+                    <a:tint val="75000"/>
+                  </a:schemeClr>
+                </a:solidFill>
+              </a:defRPr>
+            </a:lvl8pPr>
+            <a:lvl9pPr marL="3657600" indent="0">
+              <a:buNone/>
+              <a:defRPr sz="1400">
+                <a:solidFill>
+                  <a:schemeClr val="tx1">
+                    <a:tint val="75000"/>
+                  </a:schemeClr>
+                </a:solidFill>
+              </a:defRPr>
+            </a:lvl9pPr>
+          </a:lstStyle>
+          <a:p>
+            <a:pPr lvl="0"/>
+            <a:r>
+              <a:rPr lang="en-US" smtClean="0"/>
+              <a:t>Click to edit Master text styles</a:t>
+            </a:r>
+            <a:endParaRPr lang="en-US" smtClean="0"/>
+          </a:p>
+        </p:txBody>
+      </p:sp>
+      <p:sp>
+        <p:nvSpPr>
+          <p:cNvPr id="3" name="Text Placeholder 2"/>
+          <p:cNvSpPr>
+            <a:spLocks noGrp="1"/>
+          </p:cNvSpPr>
+          <p:nvPr>
+            <p:ph type="body" idx="1"/>
+          </p:nvPr>
+        </p:nvSpPr>
+        <p:spPr>
+          <a:xfrm>
+            <a:off x="1295401" y="4529667"/>
+            <a:ext cx="9609668" cy="1346200"/>
+          </a:xfrm>
+        </p:spPr>
+        <p:txBody>
+          <a:bodyPr anchor="t">
+            <a:normAutofit/>
+          </a:bodyPr>
+          <a:lstStyle>
+            <a:lvl1pPr marL="0" indent="0" algn="l">
+              <a:buNone/>
+              <a:defRPr sz="1800">
+                <a:solidFill>
+                  <a:schemeClr val="tx1"/>
+                </a:solidFill>
+              </a:defRPr>
+            </a:lvl1pPr>
+            <a:lvl2pPr marL="457200" indent="0">
+              <a:buNone/>
+              <a:defRPr sz="1800">
+                <a:solidFill>
+                  <a:schemeClr val="tx1">
+                    <a:tint val="75000"/>
+                  </a:schemeClr>
+                </a:solidFill>
+              </a:defRPr>
+            </a:lvl2pPr>
+            <a:lvl3pPr marL="914400" indent="0">
+              <a:buNone/>
+              <a:defRPr sz="1600">
+                <a:solidFill>
+                  <a:schemeClr val="tx1">
+                    <a:tint val="75000"/>
+                  </a:schemeClr>
+                </a:solidFill>
+              </a:defRPr>
+            </a:lvl3pPr>
+            <a:lvl4pPr marL="1371600" indent="0">
+              <a:buNone/>
+              <a:defRPr sz="1400">
+                <a:solidFill>
+                  <a:schemeClr val="tx1">
+                    <a:tint val="75000"/>
+                  </a:schemeClr>
+                </a:solidFill>
+              </a:defRPr>
+            </a:lvl4pPr>
+            <a:lvl5pPr marL="1828800" indent="0">
+              <a:buNone/>
+              <a:defRPr sz="1400">
+                <a:solidFill>
+                  <a:schemeClr val="tx1">
+                    <a:tint val="75000"/>
+                  </a:schemeClr>
+                </a:solidFill>
+              </a:defRPr>
+            </a:lvl5pPr>
+            <a:lvl6pPr marL="2286000" indent="0">
+              <a:buNone/>
+              <a:defRPr sz="1400">
+                <a:solidFill>
+                  <a:schemeClr val="tx1">
+                    <a:tint val="75000"/>
+                  </a:schemeClr>
+                </a:solidFill>
+              </a:defRPr>
+            </a:lvl6pPr>
+            <a:lvl7pPr marL="2743200" indent="0">
+              <a:buNone/>
+              <a:defRPr sz="1400">
+                <a:solidFill>
+                  <a:schemeClr val="tx1">
+                    <a:tint val="75000"/>
+                  </a:schemeClr>
+                </a:solidFill>
+              </a:defRPr>
+            </a:lvl7pPr>
+            <a:lvl8pPr marL="3200400" indent="0">
+              <a:buNone/>
+              <a:defRPr sz="1400">
+                <a:solidFill>
+                  <a:schemeClr val="tx1">
+                    <a:tint val="75000"/>
+                  </a:schemeClr>
+                </a:solidFill>
+              </a:defRPr>
+            </a:lvl8pPr>
+            <a:lvl9pPr marL="3657600" indent="0">
+              <a:buNone/>
+              <a:defRPr sz="1400">
+                <a:solidFill>
+                  <a:schemeClr val="tx1">
+                    <a:tint val="75000"/>
+                  </a:schemeClr>
+                </a:solidFill>
+              </a:defRPr>
+            </a:lvl9pPr>
+          </a:lstStyle>
+          <a:p>
+            <a:pPr lvl="0"/>
+            <a:r>
+              <a:rPr lang="en-US" smtClean="0"/>
+              <a:t>Click to edit Master text styles</a:t>
+            </a:r>
+            <a:endParaRPr lang="en-US" smtClean="0"/>
+          </a:p>
+        </p:txBody>
+      </p:sp>
+      <p:sp>
+        <p:nvSpPr>
+          <p:cNvPr id="4" name="Date Placeholder 3"/>
+          <p:cNvSpPr>
+            <a:spLocks noGrp="1"/>
+          </p:cNvSpPr>
+          <p:nvPr>
+            <p:ph type="dt" sz="half" idx="10"/>
+          </p:nvPr>
+        </p:nvSpPr>
+        <p:spPr/>
+        <p:txBody>
+          <a:bodyPr/>
+          <a:lstStyle/>
+          <a:p>
+            <a:fld id="{B61BEF0D-F0BB-DE4B-95CE-6DB70DBA9567}" type="datetimeFigureOut">
+              <a:rPr lang="en-US" dirty="0"/>
+            </a:fld>
+            <a:endParaRPr lang="en-US" dirty="0"/>
+          </a:p>
+        </p:txBody>
+      </p:sp>
+      <p:sp>
+        <p:nvSpPr>
+          <p:cNvPr id="5" name="Footer Placeholder 4"/>
+          <p:cNvSpPr>
+            <a:spLocks noGrp="1"/>
+          </p:cNvSpPr>
+          <p:nvPr>
+            <p:ph type="ftr" sz="quarter" idx="11"/>
+          </p:nvPr>
+        </p:nvSpPr>
+        <p:spPr/>
+        <p:txBody>
+          <a:bodyPr/>
+          <a:lstStyle/>
+          <a:p>
+            <a:endParaRPr lang="en-US" dirty="0"/>
+          </a:p>
+        </p:txBody>
+      </p:sp>
+      <p:sp>
+        <p:nvSpPr>
+          <p:cNvPr id="6" name="Slide Number Placeholder 5"/>
+          <p:cNvSpPr>
+            <a:spLocks noGrp="1"/>
+          </p:cNvSpPr>
+          <p:nvPr>
+            <p:ph type="sldNum" sz="quarter" idx="12"/>
+          </p:nvPr>
+        </p:nvSpPr>
+        <p:spPr/>
+        <p:txBody>
+          <a:bodyPr/>
+          <a:lstStyle/>
+          <a:p>
+            <a:fld id="{D57F1E4F-1CFF-5643-939E-217C01CDF565}" type="slidenum">
+              <a:rPr lang="en-US" dirty="0"/>
+            </a:fld>
+            <a:endParaRPr lang="en-US" dirty="0"/>
+          </a:p>
+        </p:txBody>
+      </p:sp>
+      <p:sp>
+        <p:nvSpPr>
+          <p:cNvPr id="12" name="TextBox 11"/>
+          <p:cNvSpPr txBox="1"/>
+          <p:nvPr/>
+        </p:nvSpPr>
+        <p:spPr>
+          <a:xfrm>
+            <a:off x="862013" y="879961"/>
+            <a:ext cx="609600" cy="584776"/>
+          </a:xfrm>
+          <a:prstGeom prst="rect">
+            <a:avLst/>
+          </a:prstGeom>
+        </p:spPr>
+        <p:txBody>
+          <a:bodyPr vert="horz" lIns="91440" tIns="45720" rIns="91440" bIns="45720" rtlCol="0" anchor="ctr">
+            <a:noAutofit/>
+          </a:bodyPr>
+          <a:lstStyle/>
+          <a:p>
+            <a:pPr lvl="0"/>
+            <a:r>
+              <a:rPr lang="en-US" sz="8000" dirty="0">
+                <a:solidFill>
+                  <a:schemeClr val="tx1"/>
+                </a:solidFill>
+                <a:effectLst/>
+              </a:rPr>
+              <a:t>“</a:t>
+            </a:r>
+            <a:endParaRPr lang="en-US" sz="8000" dirty="0">
+              <a:solidFill>
+                <a:schemeClr val="tx1"/>
+              </a:solidFill>
+              <a:effectLst/>
+            </a:endParaRPr>
+          </a:p>
+        </p:txBody>
+      </p:sp>
+      <p:sp>
+        <p:nvSpPr>
+          <p:cNvPr id="13" name="TextBox 12"/>
+          <p:cNvSpPr txBox="1"/>
+          <p:nvPr/>
+        </p:nvSpPr>
+        <p:spPr>
+          <a:xfrm>
+            <a:off x="10600267" y="2599261"/>
+            <a:ext cx="609600" cy="584776"/>
+          </a:xfrm>
+          <a:prstGeom prst="rect">
+            <a:avLst/>
+          </a:prstGeom>
+        </p:spPr>
+        <p:txBody>
+          <a:bodyPr vert="horz" lIns="91440" tIns="45720" rIns="91440" bIns="45720" rtlCol="0" anchor="ctr">
+            <a:noAutofit/>
+          </a:bodyPr>
+          <a:lstStyle/>
+          <a:p>
+            <a:pPr lvl="0" algn="r"/>
+            <a:r>
+              <a:rPr lang="en-US" sz="8000" dirty="0">
+                <a:solidFill>
+                  <a:schemeClr val="tx1"/>
+                </a:solidFill>
+                <a:effectLst/>
+              </a:rPr>
+              <a:t>”</a:t>
+            </a:r>
+            <a:endParaRPr lang="en-US" sz="8000" dirty="0">
+              <a:solidFill>
+                <a:schemeClr val="tx1"/>
+              </a:solidFill>
+              <a:effectLst/>
+            </a:endParaRPr>
+          </a:p>
+        </p:txBody>
+      </p:sp>
+      <p:cxnSp>
+        <p:nvCxnSpPr>
+          <p:cNvPr id="26" name="Straight Connector 25"/>
+          <p:cNvCxnSpPr/>
+          <p:nvPr/>
+        </p:nvCxnSpPr>
+        <p:spPr>
+          <a:xfrm>
+            <a:off x="1396169" y="3429000"/>
+            <a:ext cx="9407298" cy="0"/>
+          </a:xfrm>
+          <a:prstGeom prst="line">
+            <a:avLst/>
+          </a:prstGeom>
+          <a:ln w="15875"/>
+        </p:spPr>
+        <p:style>
+          <a:lnRef idx="2">
+            <a:schemeClr val="accent1"/>
+          </a:lnRef>
+          <a:fillRef idx="0">
+            <a:schemeClr val="accent1"/>
+          </a:fillRef>
+          <a:effectRef idx="1">
+            <a:schemeClr val="accent1"/>
+          </a:effectRef>
+          <a:fontRef idx="minor">
+            <a:schemeClr val="tx1"/>
+          </a:fontRef>
+        </p:style>
+      </p:cxnSp>
+    </p:spTree>
+  </p:cSld>
+  <p:clrMapOvr>
+    <a:masterClrMapping/>
+  </p:clrMapOvr>
+</p:sldLayout>
+</file>
+
+<file path=ppt/slideLayouts/slideLayout15.xml><?xml version="1.0" encoding="utf-8"?>
+<p:sldLayout xmlns:a="http://schemas.openxmlformats.org/drawingml/2006/main" xmlns:r="http://schemas.openxmlformats.org/officeDocument/2006/relationships" xmlns:p="http://schemas.openxmlformats.org/presentationml/2006/main" preserve="1">
+  <p:cSld name="True or False">
+    <p:spTree>
+      <p:nvGrpSpPr>
+        <p:cNvPr id="1" name=""/>
+        <p:cNvGrpSpPr/>
+        <p:nvPr/>
+      </p:nvGrpSpPr>
+      <p:grpSpPr>
+        <a:xfrm>
+          <a:off x="0" y="0"/>
+          <a:ext cx="0" cy="0"/>
+          <a:chOff x="0" y="0"/>
+          <a:chExt cx="0" cy="0"/>
+        </a:xfrm>
+      </p:grpSpPr>
+      <p:sp>
+        <p:nvSpPr>
+          <p:cNvPr id="2" name="Title 1"/>
+          <p:cNvSpPr>
+            <a:spLocks noGrp="1"/>
+          </p:cNvSpPr>
+          <p:nvPr>
+            <p:ph type="title"/>
+          </p:nvPr>
+        </p:nvSpPr>
+        <p:spPr>
+          <a:xfrm>
+            <a:off x="1295401" y="982132"/>
+            <a:ext cx="9609666" cy="2243668"/>
+          </a:xfrm>
+        </p:spPr>
+        <p:txBody>
+          <a:bodyPr vert="horz" lIns="91440" tIns="45720" rIns="91440" bIns="45720" rtlCol="0" anchor="ctr">
+            <a:normAutofit/>
+          </a:bodyPr>
+          <a:lstStyle>
+            <a:lvl1pPr>
+              <a:defRPr lang="en-US" b="0" dirty="0"/>
+            </a:lvl1pPr>
+          </a:lstStyle>
+          <a:p>
+            <a:pPr marL="0" lvl="0"/>
+            <a:r>
+              <a:rPr lang="en-US" smtClean="0"/>
+              <a:t>Click to edit Master title style</a:t>
+            </a:r>
+            <a:endParaRPr lang="en-US" dirty="0"/>
+          </a:p>
+        </p:txBody>
+      </p:sp>
+      <p:sp>
+        <p:nvSpPr>
+          <p:cNvPr id="14" name="Text Placeholder 2"/>
+          <p:cNvSpPr>
+            <a:spLocks noGrp="1"/>
+          </p:cNvSpPr>
+          <p:nvPr>
+            <p:ph type="body" idx="13"/>
+          </p:nvPr>
+        </p:nvSpPr>
+        <p:spPr>
+          <a:xfrm>
+            <a:off x="1295401" y="3630168"/>
+            <a:ext cx="9609668" cy="841248"/>
+          </a:xfrm>
+        </p:spPr>
+        <p:txBody>
+          <a:bodyPr anchor="b">
+            <a:normAutofit/>
+          </a:bodyPr>
+          <a:lstStyle>
+            <a:lvl1pPr marL="0" indent="0" algn="l">
+              <a:spcBef>
+                <a:spcPts val="0"/>
+              </a:spcBef>
+              <a:buNone/>
+              <a:defRPr sz="2800">
+                <a:solidFill>
+                  <a:schemeClr val="tx1"/>
+                </a:solidFill>
+              </a:defRPr>
+            </a:lvl1pPr>
+            <a:lvl2pPr marL="457200" indent="0">
+              <a:buNone/>
+              <a:defRPr sz="1800">
+                <a:solidFill>
+                  <a:schemeClr val="tx1">
+                    <a:tint val="75000"/>
+                  </a:schemeClr>
+                </a:solidFill>
+              </a:defRPr>
+            </a:lvl2pPr>
+            <a:lvl3pPr marL="914400" indent="0">
+              <a:buNone/>
+              <a:defRPr sz="1600">
+                <a:solidFill>
+                  <a:schemeClr val="tx1">
+                    <a:tint val="75000"/>
+                  </a:schemeClr>
+                </a:solidFill>
+              </a:defRPr>
+            </a:lvl3pPr>
+            <a:lvl4pPr marL="1371600" indent="0">
+              <a:buNone/>
+              <a:defRPr sz="1400">
+                <a:solidFill>
+                  <a:schemeClr val="tx1">
+                    <a:tint val="75000"/>
+                  </a:schemeClr>
+                </a:solidFill>
+              </a:defRPr>
+            </a:lvl4pPr>
+            <a:lvl5pPr marL="1828800" indent="0">
+              <a:buNone/>
+              <a:defRPr sz="1400">
+                <a:solidFill>
+                  <a:schemeClr val="tx1">
+                    <a:tint val="75000"/>
+                  </a:schemeClr>
+                </a:solidFill>
+              </a:defRPr>
+            </a:lvl5pPr>
+            <a:lvl6pPr marL="2286000" indent="0">
+              <a:buNone/>
+              <a:defRPr sz="1400">
+                <a:solidFill>
+                  <a:schemeClr val="tx1">
+                    <a:tint val="75000"/>
+                  </a:schemeClr>
+                </a:solidFill>
+              </a:defRPr>
+            </a:lvl6pPr>
+            <a:lvl7pPr marL="2743200" indent="0">
+              <a:buNone/>
+              <a:defRPr sz="1400">
+                <a:solidFill>
+                  <a:schemeClr val="tx1">
+                    <a:tint val="75000"/>
+                  </a:schemeClr>
+                </a:solidFill>
+              </a:defRPr>
+            </a:lvl7pPr>
+            <a:lvl8pPr marL="3200400" indent="0">
+              <a:buNone/>
+              <a:defRPr sz="1400">
+                <a:solidFill>
+                  <a:schemeClr val="tx1">
+                    <a:tint val="75000"/>
+                  </a:schemeClr>
+                </a:solidFill>
+              </a:defRPr>
+            </a:lvl8pPr>
+            <a:lvl9pPr marL="3657600" indent="0">
+              <a:buNone/>
+              <a:defRPr sz="1400">
+                <a:solidFill>
+                  <a:schemeClr val="tx1">
+                    <a:tint val="75000"/>
+                  </a:schemeClr>
+                </a:solidFill>
+              </a:defRPr>
+            </a:lvl9pPr>
+          </a:lstStyle>
+          <a:p>
+            <a:pPr lvl="0"/>
+            <a:r>
+              <a:rPr lang="en-US" smtClean="0"/>
+              <a:t>Click to edit Master text styles</a:t>
+            </a:r>
+            <a:endParaRPr lang="en-US" smtClean="0"/>
+          </a:p>
+        </p:txBody>
+      </p:sp>
+      <p:sp>
+        <p:nvSpPr>
+          <p:cNvPr id="3" name="Text Placeholder 2"/>
+          <p:cNvSpPr>
+            <a:spLocks noGrp="1"/>
+          </p:cNvSpPr>
+          <p:nvPr>
+            <p:ph type="body" idx="1"/>
+          </p:nvPr>
+        </p:nvSpPr>
+        <p:spPr>
+          <a:xfrm>
+            <a:off x="1295400" y="4470399"/>
+            <a:ext cx="9609670" cy="1405467"/>
+          </a:xfrm>
+        </p:spPr>
+        <p:txBody>
+          <a:bodyPr anchor="t">
+            <a:normAutofit/>
+          </a:bodyPr>
+          <a:lstStyle>
+            <a:lvl1pPr marL="0" indent="0" algn="l">
+              <a:buNone/>
+              <a:defRPr sz="1800">
+                <a:solidFill>
+                  <a:schemeClr val="tx1"/>
+                </a:solidFill>
+              </a:defRPr>
+            </a:lvl1pPr>
+            <a:lvl2pPr marL="457200" indent="0">
+              <a:buNone/>
+              <a:defRPr sz="1800">
+                <a:solidFill>
+                  <a:schemeClr val="tx1">
+                    <a:tint val="75000"/>
+                  </a:schemeClr>
+                </a:solidFill>
+              </a:defRPr>
+            </a:lvl2pPr>
+            <a:lvl3pPr marL="914400" indent="0">
+              <a:buNone/>
+              <a:defRPr sz="1600">
+                <a:solidFill>
+                  <a:schemeClr val="tx1">
+                    <a:tint val="75000"/>
+                  </a:schemeClr>
+                </a:solidFill>
+              </a:defRPr>
+            </a:lvl3pPr>
+            <a:lvl4pPr marL="1371600" indent="0">
+              <a:buNone/>
+              <a:defRPr sz="1400">
+                <a:solidFill>
+                  <a:schemeClr val="tx1">
+                    <a:tint val="75000"/>
+                  </a:schemeClr>
+                </a:solidFill>
+              </a:defRPr>
+            </a:lvl4pPr>
+            <a:lvl5pPr marL="1828800" indent="0">
+              <a:buNone/>
+              <a:defRPr sz="1400">
+                <a:solidFill>
+                  <a:schemeClr val="tx1">
+                    <a:tint val="75000"/>
+                  </a:schemeClr>
+                </a:solidFill>
+              </a:defRPr>
+            </a:lvl5pPr>
+            <a:lvl6pPr marL="2286000" indent="0">
+              <a:buNone/>
+              <a:defRPr sz="1400">
+                <a:solidFill>
+                  <a:schemeClr val="tx1">
+                    <a:tint val="75000"/>
+                  </a:schemeClr>
+                </a:solidFill>
+              </a:defRPr>
+            </a:lvl6pPr>
+            <a:lvl7pPr marL="2743200" indent="0">
+              <a:buNone/>
+              <a:defRPr sz="1400">
+                <a:solidFill>
+                  <a:schemeClr val="tx1">
+                    <a:tint val="75000"/>
+                  </a:schemeClr>
+                </a:solidFill>
+              </a:defRPr>
+            </a:lvl7pPr>
+            <a:lvl8pPr marL="3200400" indent="0">
+              <a:buNone/>
+              <a:defRPr sz="1400">
+                <a:solidFill>
+                  <a:schemeClr val="tx1">
+                    <a:tint val="75000"/>
+                  </a:schemeClr>
+                </a:solidFill>
+              </a:defRPr>
+            </a:lvl8pPr>
+            <a:lvl9pPr marL="3657600" indent="0">
+              <a:buNone/>
+              <a:defRPr sz="1400">
+                <a:solidFill>
+                  <a:schemeClr val="tx1">
+                    <a:tint val="75000"/>
+                  </a:schemeClr>
+                </a:solidFill>
+              </a:defRPr>
+            </a:lvl9pPr>
+          </a:lstStyle>
+          <a:p>
+            <a:pPr lvl="0"/>
+            <a:r>
+              <a:rPr lang="en-US" smtClean="0"/>
+              <a:t>Click to edit Master text styles</a:t>
+            </a:r>
+            <a:endParaRPr lang="en-US" smtClean="0"/>
+          </a:p>
+        </p:txBody>
+      </p:sp>
+      <p:sp>
+        <p:nvSpPr>
+          <p:cNvPr id="4" name="Date Placeholder 3"/>
+          <p:cNvSpPr>
+            <a:spLocks noGrp="1"/>
+          </p:cNvSpPr>
+          <p:nvPr>
+            <p:ph type="dt" sz="half" idx="10"/>
+          </p:nvPr>
+        </p:nvSpPr>
+        <p:spPr/>
+        <p:txBody>
+          <a:bodyPr/>
+          <a:lstStyle/>
+          <a:p>
+            <a:fld id="{B61BEF0D-F0BB-DE4B-95CE-6DB70DBA9567}" type="datetimeFigureOut">
+              <a:rPr lang="en-US" dirty="0"/>
+            </a:fld>
+            <a:endParaRPr lang="en-US" dirty="0"/>
+          </a:p>
+        </p:txBody>
+      </p:sp>
+      <p:sp>
+        <p:nvSpPr>
+          <p:cNvPr id="5" name="Footer Placeholder 4"/>
+          <p:cNvSpPr>
+            <a:spLocks noGrp="1"/>
+          </p:cNvSpPr>
+          <p:nvPr>
+            <p:ph type="ftr" sz="quarter" idx="11"/>
+          </p:nvPr>
+        </p:nvSpPr>
+        <p:spPr/>
+        <p:txBody>
+          <a:bodyPr/>
+          <a:lstStyle/>
+          <a:p>
+            <a:endParaRPr lang="en-US" dirty="0"/>
+          </a:p>
+        </p:txBody>
+      </p:sp>
+      <p:sp>
+        <p:nvSpPr>
+          <p:cNvPr id="6" name="Slide Number Placeholder 5"/>
+          <p:cNvSpPr>
+            <a:spLocks noGrp="1"/>
+          </p:cNvSpPr>
+          <p:nvPr>
+            <p:ph type="sldNum" sz="quarter" idx="12"/>
+          </p:nvPr>
+        </p:nvSpPr>
+        <p:spPr/>
+        <p:txBody>
+          <a:bodyPr/>
+          <a:lstStyle/>
+          <a:p>
+            <a:fld id="{D57F1E4F-1CFF-5643-939E-217C01CDF565}" type="slidenum">
+              <a:rPr lang="en-US" dirty="0"/>
+            </a:fld>
+            <a:endParaRPr lang="en-US" dirty="0"/>
+          </a:p>
+        </p:txBody>
+      </p:sp>
+      <p:cxnSp>
+        <p:nvCxnSpPr>
+          <p:cNvPr id="15" name="Straight Connector 14"/>
+          <p:cNvCxnSpPr/>
+          <p:nvPr/>
+        </p:nvCxnSpPr>
+        <p:spPr>
+          <a:xfrm>
+            <a:off x="1396169" y="3429000"/>
+            <a:ext cx="9407298" cy="0"/>
+          </a:xfrm>
+          <a:prstGeom prst="line">
+            <a:avLst/>
+          </a:prstGeom>
+          <a:ln w="15875"/>
+        </p:spPr>
+        <p:style>
+          <a:lnRef idx="2">
+            <a:schemeClr val="accent1"/>
+          </a:lnRef>
+          <a:fillRef idx="0">
+            <a:schemeClr val="accent1"/>
+          </a:fillRef>
+          <a:effectRef idx="1">
+            <a:schemeClr val="accent1"/>
+          </a:effectRef>
+          <a:fontRef idx="minor">
+            <a:schemeClr val="tx1"/>
+          </a:fontRef>
+        </p:style>
+      </p:cxnSp>
+    </p:spTree>
+  </p:cSld>
+  <p:clrMapOvr>
+    <a:masterClrMapping/>
+  </p:clrMapOvr>
+</p:sldLayout>
+</file>
+
+<file path=ppt/slideLayouts/slideLayout16.xml><?xml version="1.0" encoding="utf-8"?>
 <p:sldLayout xmlns:a="http://schemas.openxmlformats.org/drawingml/2006/main" xmlns:r="http://schemas.openxmlformats.org/officeDocument/2006/relationships" xmlns:p="http://schemas.openxmlformats.org/presentationml/2006/main" type="vertTx" preserve="1">
   <p:cSld name="Title and Vertical Text">
     <p:spTree>
@@ -329,13 +2651,17 @@
         <p:spPr/>
         <p:txBody>
           <a:bodyPr/>
-          <a:lstStyle/>
+          <a:lstStyle>
+            <a:lvl1pPr algn="ctr">
+              <a:defRPr/>
+            </a:lvl1pPr>
+          </a:lstStyle>
           <a:p>
             <a:r>
               <a:rPr lang="en-US" smtClean="0"/>
               <a:t>Click to edit Master title style</a:t>
             </a:r>
-            <a:endParaRPr lang="en-US"/>
+            <a:endParaRPr lang="en-US" dirty="0"/>
           </a:p>
         </p:txBody>
       </p:sp>
@@ -351,7 +2677,7 @@
         </p:nvSpPr>
         <p:spPr/>
         <p:txBody>
-          <a:bodyPr vert="eaVert"/>
+          <a:bodyPr vert="eaVert" anchor="t"/>
           <a:lstStyle/>
           <a:p>
             <a:pPr lvl="0"/>
@@ -359,6 +2685,7 @@
               <a:rPr lang="en-US" smtClean="0"/>
               <a:t>Click to edit Master text styles</a:t>
             </a:r>
+            <a:endParaRPr lang="en-US" smtClean="0"/>
           </a:p>
           <a:p>
             <a:pPr lvl="1"/>
@@ -366,6 +2693,7 @@
               <a:rPr lang="en-US" smtClean="0"/>
               <a:t>Second level</a:t>
             </a:r>
+            <a:endParaRPr lang="en-US" smtClean="0"/>
           </a:p>
           <a:p>
             <a:pPr lvl="2"/>
@@ -373,6 +2701,7 @@
               <a:rPr lang="en-US" smtClean="0"/>
               <a:t>Third level</a:t>
             </a:r>
+            <a:endParaRPr lang="en-US" smtClean="0"/>
           </a:p>
           <a:p>
             <a:pPr lvl="3"/>
@@ -380,6 +2709,7 @@
               <a:rPr lang="en-US" smtClean="0"/>
               <a:t>Fourth level</a:t>
             </a:r>
+            <a:endParaRPr lang="en-US" smtClean="0"/>
           </a:p>
           <a:p>
             <a:pPr lvl="4"/>
@@ -387,7 +2717,7 @@
               <a:rPr lang="en-US" smtClean="0"/>
               <a:t>Fifth level</a:t>
             </a:r>
-            <a:endParaRPr lang="en-US"/>
+            <a:endParaRPr lang="en-US" dirty="0"/>
           </a:p>
         </p:txBody>
       </p:sp>
@@ -406,11 +2736,10 @@
           <a:bodyPr/>
           <a:lstStyle/>
           <a:p>
-            <a:fld id="{63A1C593-65D0-4073-BCC9-577B9352EA97}" type="datetimeFigureOut">
-              <a:rPr lang="en-US" smtClean="0"/>
-              <a:t>11/27/2015</a:t>
+            <a:fld id="{B61BEF0D-F0BB-DE4B-95CE-6DB70DBA9567}" type="datetimeFigureOut">
+              <a:rPr lang="en-US" dirty="0"/>
             </a:fld>
-            <a:endParaRPr lang="en-US"/>
+            <a:endParaRPr lang="en-US" dirty="0"/>
           </a:p>
         </p:txBody>
       </p:sp>
@@ -429,7 +2758,7 @@
           <a:bodyPr/>
           <a:lstStyle/>
           <a:p>
-            <a:endParaRPr lang="en-US"/>
+            <a:endParaRPr lang="en-US" dirty="0"/>
           </a:p>
         </p:txBody>
       </p:sp>
@@ -448,20 +2777,45 @@
           <a:bodyPr/>
           <a:lstStyle/>
           <a:p>
-            <a:fld id="{9B618960-8005-486C-9A75-10CB2AAC16F9}" type="slidenum">
-              <a:rPr lang="en-US" smtClean="0"/>
-              <a:t>‹#›</a:t>
+            <a:fld id="{D57F1E4F-1CFF-5643-939E-217C01CDF565}" type="slidenum">
+              <a:rPr lang="en-US" dirty="0"/>
             </a:fld>
-            <a:endParaRPr lang="en-US"/>
-          </a:p>
-        </p:txBody>
-      </p:sp>
+            <a:endParaRPr lang="en-US" dirty="0"/>
+          </a:p>
+        </p:txBody>
+      </p:sp>
+      <p:cxnSp>
+        <p:nvCxnSpPr>
+          <p:cNvPr id="14" name="Straight Connector 13"/>
+          <p:cNvCxnSpPr/>
+          <p:nvPr/>
+        </p:nvCxnSpPr>
+        <p:spPr>
+          <a:xfrm>
+            <a:off x="1396169" y="2421466"/>
+            <a:ext cx="9407298" cy="0"/>
+          </a:xfrm>
+          <a:prstGeom prst="line">
+            <a:avLst/>
+          </a:prstGeom>
+          <a:ln w="15875"/>
+        </p:spPr>
+        <p:style>
+          <a:lnRef idx="2">
+            <a:schemeClr val="accent1"/>
+          </a:lnRef>
+          <a:fillRef idx="0">
+            <a:schemeClr val="accent1"/>
+          </a:fillRef>
+          <a:effectRef idx="1">
+            <a:schemeClr val="accent1"/>
+          </a:effectRef>
+          <a:fontRef idx="minor">
+            <a:schemeClr val="tx1"/>
+          </a:fontRef>
+        </p:style>
+      </p:cxnSp>
     </p:spTree>
-    <p:extLst>
-      <p:ext uri="{BB962C8B-B14F-4D97-AF65-F5344CB8AC3E}">
-        <p14:creationId xmlns:p14="http://schemas.microsoft.com/office/powerpoint/2010/main" val="682560079"/>
-      </p:ext>
-    </p:extLst>
   </p:cSld>
   <p:clrMapOvr>
     <a:masterClrMapping/>
@@ -469,7 +2823,7 @@
 </p:sldLayout>
 </file>
 
-<file path=ppt/slideLayouts/slideLayout11.xml><?xml version="1.0" encoding="utf-8"?>
+<file path=ppt/slideLayouts/slideLayout17.xml><?xml version="1.0" encoding="utf-8"?>
 <p:sldLayout xmlns:a="http://schemas.openxmlformats.org/drawingml/2006/main" xmlns:r="http://schemas.openxmlformats.org/officeDocument/2006/relationships" xmlns:p="http://schemas.openxmlformats.org/presentationml/2006/main" type="vertTitleAndTx" preserve="1">
   <p:cSld name="Vertical Title and Text">
     <p:spTree>
@@ -498,8 +2852,8 @@
         </p:nvSpPr>
         <p:spPr>
           <a:xfrm>
-            <a:off x="8724900" y="365125"/>
-            <a:ext cx="2628900" cy="5811838"/>
+            <a:off x="8999356" y="982131"/>
+            <a:ext cx="1890895" cy="4893735"/>
           </a:xfrm>
         </p:spPr>
         <p:txBody>
@@ -510,7 +2864,7 @@
               <a:rPr lang="en-US" smtClean="0"/>
               <a:t>Click to edit Master title style</a:t>
             </a:r>
-            <a:endParaRPr lang="en-US"/>
+            <a:endParaRPr lang="en-US" dirty="0"/>
           </a:p>
         </p:txBody>
       </p:sp>
@@ -526,12 +2880,12 @@
         </p:nvSpPr>
         <p:spPr>
           <a:xfrm>
-            <a:off x="838200" y="365125"/>
-            <a:ext cx="7734300" cy="5811838"/>
+            <a:off x="1295398" y="982132"/>
+            <a:ext cx="7433025" cy="4893734"/>
           </a:xfrm>
         </p:spPr>
         <p:txBody>
-          <a:bodyPr vert="eaVert"/>
+          <a:bodyPr vert="eaVert" anchor="t"/>
           <a:lstStyle/>
           <a:p>
             <a:pPr lvl="0"/>
@@ -539,6 +2893,7 @@
               <a:rPr lang="en-US" smtClean="0"/>
               <a:t>Click to edit Master text styles</a:t>
             </a:r>
+            <a:endParaRPr lang="en-US" smtClean="0"/>
           </a:p>
           <a:p>
             <a:pPr lvl="1"/>
@@ -546,6 +2901,7 @@
               <a:rPr lang="en-US" smtClean="0"/>
               <a:t>Second level</a:t>
             </a:r>
+            <a:endParaRPr lang="en-US" smtClean="0"/>
           </a:p>
           <a:p>
             <a:pPr lvl="2"/>
@@ -553,6 +2909,7 @@
               <a:rPr lang="en-US" smtClean="0"/>
               <a:t>Third level</a:t>
             </a:r>
+            <a:endParaRPr lang="en-US" smtClean="0"/>
           </a:p>
           <a:p>
             <a:pPr lvl="3"/>
@@ -560,6 +2917,7 @@
               <a:rPr lang="en-US" smtClean="0"/>
               <a:t>Fourth level</a:t>
             </a:r>
+            <a:endParaRPr lang="en-US" smtClean="0"/>
           </a:p>
           <a:p>
             <a:pPr lvl="4"/>
@@ -567,7 +2925,7 @@
               <a:rPr lang="en-US" smtClean="0"/>
               <a:t>Fifth level</a:t>
             </a:r>
-            <a:endParaRPr lang="en-US"/>
+            <a:endParaRPr lang="en-US" dirty="0"/>
           </a:p>
         </p:txBody>
       </p:sp>
@@ -586,11 +2944,10 @@
           <a:bodyPr/>
           <a:lstStyle/>
           <a:p>
-            <a:fld id="{63A1C593-65D0-4073-BCC9-577B9352EA97}" type="datetimeFigureOut">
-              <a:rPr lang="en-US" smtClean="0"/>
-              <a:t>11/27/2015</a:t>
+            <a:fld id="{B61BEF0D-F0BB-DE4B-95CE-6DB70DBA9567}" type="datetimeFigureOut">
+              <a:rPr lang="en-US" dirty="0"/>
             </a:fld>
-            <a:endParaRPr lang="en-US"/>
+            <a:endParaRPr lang="en-US" dirty="0"/>
           </a:p>
         </p:txBody>
       </p:sp>
@@ -609,7 +2966,7 @@
           <a:bodyPr/>
           <a:lstStyle/>
           <a:p>
-            <a:endParaRPr lang="en-US"/>
+            <a:endParaRPr lang="en-US" dirty="0"/>
           </a:p>
         </p:txBody>
       </p:sp>
@@ -628,20 +2985,45 @@
           <a:bodyPr/>
           <a:lstStyle/>
           <a:p>
-            <a:fld id="{9B618960-8005-486C-9A75-10CB2AAC16F9}" type="slidenum">
-              <a:rPr lang="en-US" smtClean="0"/>
-              <a:t>‹#›</a:t>
+            <a:fld id="{D57F1E4F-1CFF-5643-939E-217C01CDF565}" type="slidenum">
+              <a:rPr lang="en-US" dirty="0"/>
             </a:fld>
-            <a:endParaRPr lang="en-US"/>
-          </a:p>
-        </p:txBody>
-      </p:sp>
+            <a:endParaRPr lang="en-US" dirty="0"/>
+          </a:p>
+        </p:txBody>
+      </p:sp>
+      <p:cxnSp>
+        <p:nvCxnSpPr>
+          <p:cNvPr id="14" name="Straight Connector 13"/>
+          <p:cNvCxnSpPr/>
+          <p:nvPr/>
+        </p:nvCxnSpPr>
+        <p:spPr>
+          <a:xfrm>
+            <a:off x="8863890" y="990600"/>
+            <a:ext cx="0" cy="4876800"/>
+          </a:xfrm>
+          <a:prstGeom prst="line">
+            <a:avLst/>
+          </a:prstGeom>
+          <a:ln w="15875"/>
+        </p:spPr>
+        <p:style>
+          <a:lnRef idx="2">
+            <a:schemeClr val="accent1"/>
+          </a:lnRef>
+          <a:fillRef idx="0">
+            <a:schemeClr val="accent1"/>
+          </a:fillRef>
+          <a:effectRef idx="1">
+            <a:schemeClr val="accent1"/>
+          </a:effectRef>
+          <a:fontRef idx="minor">
+            <a:schemeClr val="tx1"/>
+          </a:fontRef>
+        </p:style>
+      </p:cxnSp>
     </p:spTree>
-    <p:extLst>
-      <p:ext uri="{BB962C8B-B14F-4D97-AF65-F5344CB8AC3E}">
-        <p14:creationId xmlns:p14="http://schemas.microsoft.com/office/powerpoint/2010/main" val="3435286789"/>
-      </p:ext>
-    </p:extLst>
   </p:cSld>
   <p:clrMapOvr>
     <a:masterClrMapping/>
@@ -666,6 +3048,37 @@
           <a:chExt cx="0" cy="0"/>
         </a:xfrm>
       </p:grpSpPr>
+      <p:cxnSp>
+        <p:nvCxnSpPr>
+          <p:cNvPr id="7" name="Straight Connector 6"/>
+          <p:cNvCxnSpPr/>
+          <p:nvPr/>
+        </p:nvCxnSpPr>
+        <p:spPr>
+          <a:xfrm>
+            <a:off x="1396169" y="2421466"/>
+            <a:ext cx="9407298" cy="0"/>
+          </a:xfrm>
+          <a:prstGeom prst="line">
+            <a:avLst/>
+          </a:prstGeom>
+          <a:ln w="15875"/>
+        </p:spPr>
+        <p:style>
+          <a:lnRef idx="2">
+            <a:schemeClr val="accent1"/>
+          </a:lnRef>
+          <a:fillRef idx="0">
+            <a:schemeClr val="accent1"/>
+          </a:fillRef>
+          <a:effectRef idx="1">
+            <a:schemeClr val="accent1"/>
+          </a:effectRef>
+          <a:fontRef idx="minor">
+            <a:schemeClr val="tx1"/>
+          </a:fontRef>
+        </p:style>
+      </p:cxnSp>
       <p:sp>
         <p:nvSpPr>
           <p:cNvPr id="2" name="Title 1"/>
@@ -685,7 +3098,7 @@
               <a:rPr lang="en-US" smtClean="0"/>
               <a:t>Click to edit Master title style</a:t>
             </a:r>
-            <a:endParaRPr lang="en-US"/>
+            <a:endParaRPr lang="en-US" dirty="0"/>
           </a:p>
         </p:txBody>
       </p:sp>
@@ -709,6 +3122,7 @@
               <a:rPr lang="en-US" smtClean="0"/>
               <a:t>Click to edit Master text styles</a:t>
             </a:r>
+            <a:endParaRPr lang="en-US" smtClean="0"/>
           </a:p>
           <a:p>
             <a:pPr lvl="1"/>
@@ -716,6 +3130,7 @@
               <a:rPr lang="en-US" smtClean="0"/>
               <a:t>Second level</a:t>
             </a:r>
+            <a:endParaRPr lang="en-US" smtClean="0"/>
           </a:p>
           <a:p>
             <a:pPr lvl="2"/>
@@ -723,6 +3138,7 @@
               <a:rPr lang="en-US" smtClean="0"/>
               <a:t>Third level</a:t>
             </a:r>
+            <a:endParaRPr lang="en-US" smtClean="0"/>
           </a:p>
           <a:p>
             <a:pPr lvl="3"/>
@@ -730,6 +3146,7 @@
               <a:rPr lang="en-US" smtClean="0"/>
               <a:t>Fourth level</a:t>
             </a:r>
+            <a:endParaRPr lang="en-US" smtClean="0"/>
           </a:p>
           <a:p>
             <a:pPr lvl="4"/>
@@ -737,7 +3154,7 @@
               <a:rPr lang="en-US" smtClean="0"/>
               <a:t>Fifth level</a:t>
             </a:r>
-            <a:endParaRPr lang="en-US"/>
+            <a:endParaRPr lang="en-US" dirty="0"/>
           </a:p>
         </p:txBody>
       </p:sp>
@@ -756,11 +3173,10 @@
           <a:bodyPr/>
           <a:lstStyle/>
           <a:p>
-            <a:fld id="{63A1C593-65D0-4073-BCC9-577B9352EA97}" type="datetimeFigureOut">
-              <a:rPr lang="en-US" smtClean="0"/>
-              <a:t>11/27/2015</a:t>
+            <a:fld id="{05BFA754-D5C3-4E66-96A6-867B257F58DC}" type="datetimeFigureOut">
+              <a:rPr lang="en-US" dirty="0"/>
             </a:fld>
-            <a:endParaRPr lang="en-US"/>
+            <a:endParaRPr lang="en-US" dirty="0"/>
           </a:p>
         </p:txBody>
       </p:sp>
@@ -779,7 +3195,7 @@
           <a:bodyPr/>
           <a:lstStyle/>
           <a:p>
-            <a:endParaRPr lang="en-US"/>
+            <a:endParaRPr lang="en-US" dirty="0"/>
           </a:p>
         </p:txBody>
       </p:sp>
@@ -798,20 +3214,14 @@
           <a:bodyPr/>
           <a:lstStyle/>
           <a:p>
-            <a:fld id="{9B618960-8005-486C-9A75-10CB2AAC16F9}" type="slidenum">
-              <a:rPr lang="en-US" smtClean="0"/>
-              <a:t>‹#›</a:t>
+            <a:fld id="{5D84065D-F351-4B03-BD91-D8A6B8D4B362}" type="slidenum">
+              <a:rPr lang="en-US" dirty="0"/>
             </a:fld>
-            <a:endParaRPr lang="en-US"/>
+            <a:endParaRPr lang="en-US" dirty="0"/>
           </a:p>
         </p:txBody>
       </p:sp>
     </p:spTree>
-    <p:extLst>
-      <p:ext uri="{BB962C8B-B14F-4D97-AF65-F5344CB8AC3E}">
-        <p14:creationId xmlns:p14="http://schemas.microsoft.com/office/powerpoint/2010/main" val="140206455"/>
-      </p:ext>
-    </p:extLst>
   </p:cSld>
   <p:clrMapOvr>
     <a:masterClrMapping/>
@@ -848,15 +3258,17 @@
         </p:nvSpPr>
         <p:spPr>
           <a:xfrm>
-            <a:off x="831850" y="1709738"/>
-            <a:ext cx="10515600" cy="2852737"/>
+            <a:off x="2015069" y="1752606"/>
+            <a:ext cx="8158688" cy="1822514"/>
           </a:xfrm>
         </p:spPr>
         <p:txBody>
-          <a:bodyPr anchor="b"/>
+          <a:bodyPr anchor="b">
+            <a:normAutofit/>
+          </a:bodyPr>
           <a:lstStyle>
-            <a:lvl1pPr>
-              <a:defRPr sz="6000"/>
+            <a:lvl1pPr algn="ctr">
+              <a:defRPr sz="4400" b="0" cap="none"/>
             </a:lvl1pPr>
           </a:lstStyle>
           <a:p>
@@ -864,7 +3276,7 @@
               <a:rPr lang="en-US" smtClean="0"/>
               <a:t>Click to edit Master title style</a:t>
             </a:r>
-            <a:endParaRPr lang="en-US"/>
+            <a:endParaRPr lang="en-US" dirty="0"/>
           </a:p>
         </p:txBody>
       </p:sp>
@@ -880,26 +3292,26 @@
         </p:nvSpPr>
         <p:spPr>
           <a:xfrm>
-            <a:off x="831850" y="4589463"/>
-            <a:ext cx="10515600" cy="1500187"/>
+            <a:off x="2015067" y="3846051"/>
+            <a:ext cx="8158690" cy="954547"/>
           </a:xfrm>
         </p:spPr>
         <p:txBody>
-          <a:bodyPr/>
+          <a:bodyPr anchor="t">
+            <a:normAutofit/>
+          </a:bodyPr>
           <a:lstStyle>
-            <a:lvl1pPr marL="0" indent="0">
+            <a:lvl1pPr marL="0" indent="0" algn="ctr">
               <a:buNone/>
               <a:defRPr sz="2400">
                 <a:solidFill>
-                  <a:schemeClr val="tx1">
-                    <a:tint val="75000"/>
-                  </a:schemeClr>
+                  <a:schemeClr val="tx1"/>
                 </a:solidFill>
               </a:defRPr>
             </a:lvl1pPr>
             <a:lvl2pPr marL="457200" indent="0">
               <a:buNone/>
-              <a:defRPr sz="2000">
+              <a:defRPr sz="1800">
                 <a:solidFill>
                   <a:schemeClr val="tx1">
                     <a:tint val="75000"/>
@@ -909,7 +3321,7 @@
             </a:lvl2pPr>
             <a:lvl3pPr marL="914400" indent="0">
               <a:buNone/>
-              <a:defRPr sz="1800">
+              <a:defRPr sz="1600">
                 <a:solidFill>
                   <a:schemeClr val="tx1">
                     <a:tint val="75000"/>
@@ -919,7 +3331,7 @@
             </a:lvl3pPr>
             <a:lvl4pPr marL="1371600" indent="0">
               <a:buNone/>
-              <a:defRPr sz="1600">
+              <a:defRPr sz="1400">
                 <a:solidFill>
                   <a:schemeClr val="tx1">
                     <a:tint val="75000"/>
@@ -929,7 +3341,7 @@
             </a:lvl4pPr>
             <a:lvl5pPr marL="1828800" indent="0">
               <a:buNone/>
-              <a:defRPr sz="1600">
+              <a:defRPr sz="1400">
                 <a:solidFill>
                   <a:schemeClr val="tx1">
                     <a:tint val="75000"/>
@@ -939,7 +3351,7 @@
             </a:lvl5pPr>
             <a:lvl6pPr marL="2286000" indent="0">
               <a:buNone/>
-              <a:defRPr sz="1600">
+              <a:defRPr sz="1400">
                 <a:solidFill>
                   <a:schemeClr val="tx1">
                     <a:tint val="75000"/>
@@ -949,7 +3361,7 @@
             </a:lvl6pPr>
             <a:lvl7pPr marL="2743200" indent="0">
               <a:buNone/>
-              <a:defRPr sz="1600">
+              <a:defRPr sz="1400">
                 <a:solidFill>
                   <a:schemeClr val="tx1">
                     <a:tint val="75000"/>
@@ -959,7 +3371,7 @@
             </a:lvl7pPr>
             <a:lvl8pPr marL="3200400" indent="0">
               <a:buNone/>
-              <a:defRPr sz="1600">
+              <a:defRPr sz="1400">
                 <a:solidFill>
                   <a:schemeClr val="tx1">
                     <a:tint val="75000"/>
@@ -969,7 +3381,7 @@
             </a:lvl8pPr>
             <a:lvl9pPr marL="3657600" indent="0">
               <a:buNone/>
-              <a:defRPr sz="1600">
+              <a:defRPr sz="1400">
                 <a:solidFill>
                   <a:schemeClr val="tx1">
                     <a:tint val="75000"/>
@@ -984,6 +3396,7 @@
               <a:rPr lang="en-US" smtClean="0"/>
               <a:t>Click to edit Master text styles</a:t>
             </a:r>
+            <a:endParaRPr lang="en-US" smtClean="0"/>
           </a:p>
         </p:txBody>
       </p:sp>
@@ -1002,11 +3415,10 @@
           <a:bodyPr/>
           <a:lstStyle/>
           <a:p>
-            <a:fld id="{63A1C593-65D0-4073-BCC9-577B9352EA97}" type="datetimeFigureOut">
-              <a:rPr lang="en-US" smtClean="0"/>
-              <a:t>11/27/2015</a:t>
+            <a:fld id="{B61BEF0D-F0BB-DE4B-95CE-6DB70DBA9567}" type="datetimeFigureOut">
+              <a:rPr lang="en-US" dirty="0"/>
             </a:fld>
-            <a:endParaRPr lang="en-US"/>
+            <a:endParaRPr lang="en-US" dirty="0"/>
           </a:p>
         </p:txBody>
       </p:sp>
@@ -1025,7 +3437,7 @@
           <a:bodyPr/>
           <a:lstStyle/>
           <a:p>
-            <a:endParaRPr lang="en-US"/>
+            <a:endParaRPr lang="en-US" dirty="0"/>
           </a:p>
         </p:txBody>
       </p:sp>
@@ -1044,20 +3456,45 @@
           <a:bodyPr/>
           <a:lstStyle/>
           <a:p>
-            <a:fld id="{9B618960-8005-486C-9A75-10CB2AAC16F9}" type="slidenum">
-              <a:rPr lang="en-US" smtClean="0"/>
-              <a:t>‹#›</a:t>
+            <a:fld id="{D57F1E4F-1CFF-5643-939E-217C01CDF565}" type="slidenum">
+              <a:rPr lang="en-US" dirty="0"/>
             </a:fld>
-            <a:endParaRPr lang="en-US"/>
-          </a:p>
-        </p:txBody>
-      </p:sp>
+            <a:endParaRPr lang="en-US" dirty="0"/>
+          </a:p>
+        </p:txBody>
+      </p:sp>
+      <p:cxnSp>
+        <p:nvCxnSpPr>
+          <p:cNvPr id="16" name="Straight Connector 15"/>
+          <p:cNvCxnSpPr/>
+          <p:nvPr/>
+        </p:nvCxnSpPr>
+        <p:spPr>
+          <a:xfrm>
+            <a:off x="2012723" y="3710585"/>
+            <a:ext cx="8163380" cy="0"/>
+          </a:xfrm>
+          <a:prstGeom prst="line">
+            <a:avLst/>
+          </a:prstGeom>
+          <a:ln w="15875"/>
+        </p:spPr>
+        <p:style>
+          <a:lnRef idx="2">
+            <a:schemeClr val="accent1"/>
+          </a:lnRef>
+          <a:fillRef idx="0">
+            <a:schemeClr val="accent1"/>
+          </a:fillRef>
+          <a:effectRef idx="1">
+            <a:schemeClr val="accent1"/>
+          </a:effectRef>
+          <a:fontRef idx="minor">
+            <a:schemeClr val="tx1"/>
+          </a:fontRef>
+        </p:style>
+      </p:cxnSp>
     </p:spTree>
-    <p:extLst>
-      <p:ext uri="{BB962C8B-B14F-4D97-AF65-F5344CB8AC3E}">
-        <p14:creationId xmlns:p14="http://schemas.microsoft.com/office/powerpoint/2010/main" val="1965547352"/>
-      </p:ext>
-    </p:extLst>
   </p:cSld>
   <p:clrMapOvr>
     <a:masterClrMapping/>
@@ -1101,7 +3538,7 @@
               <a:rPr lang="en-US" smtClean="0"/>
               <a:t>Click to edit Master title style</a:t>
             </a:r>
-            <a:endParaRPr lang="en-US"/>
+            <a:endParaRPr lang="en-US" dirty="0"/>
           </a:p>
         </p:txBody>
       </p:sp>
@@ -1117,12 +3554,14 @@
         </p:nvSpPr>
         <p:spPr>
           <a:xfrm>
-            <a:off x="838200" y="1825625"/>
-            <a:ext cx="5181600" cy="4351338"/>
+            <a:off x="1298448" y="2560320"/>
+            <a:ext cx="4718304" cy="3310128"/>
           </a:xfrm>
         </p:spPr>
         <p:txBody>
-          <a:bodyPr/>
+          <a:bodyPr>
+            <a:normAutofit/>
+          </a:bodyPr>
           <a:lstStyle/>
           <a:p>
             <a:pPr lvl="0"/>
@@ -1130,6 +3569,7 @@
               <a:rPr lang="en-US" smtClean="0"/>
               <a:t>Click to edit Master text styles</a:t>
             </a:r>
+            <a:endParaRPr lang="en-US" smtClean="0"/>
           </a:p>
           <a:p>
             <a:pPr lvl="1"/>
@@ -1137,6 +3577,7 @@
               <a:rPr lang="en-US" smtClean="0"/>
               <a:t>Second level</a:t>
             </a:r>
+            <a:endParaRPr lang="en-US" smtClean="0"/>
           </a:p>
           <a:p>
             <a:pPr lvl="2"/>
@@ -1144,6 +3585,7 @@
               <a:rPr lang="en-US" smtClean="0"/>
               <a:t>Third level</a:t>
             </a:r>
+            <a:endParaRPr lang="en-US" smtClean="0"/>
           </a:p>
           <a:p>
             <a:pPr lvl="3"/>
@@ -1151,6 +3593,7 @@
               <a:rPr lang="en-US" smtClean="0"/>
               <a:t>Fourth level</a:t>
             </a:r>
+            <a:endParaRPr lang="en-US" smtClean="0"/>
           </a:p>
           <a:p>
             <a:pPr lvl="4"/>
@@ -1158,7 +3601,7 @@
               <a:rPr lang="en-US" smtClean="0"/>
               <a:t>Fifth level</a:t>
             </a:r>
-            <a:endParaRPr lang="en-US"/>
+            <a:endParaRPr lang="en-US" dirty="0"/>
           </a:p>
         </p:txBody>
       </p:sp>
@@ -1174,59 +3617,87 @@
         </p:nvSpPr>
         <p:spPr>
           <a:xfrm>
-            <a:off x="6172200" y="1825625"/>
-            <a:ext cx="5181600" cy="4351338"/>
+            <a:off x="6181344" y="2560320"/>
+            <a:ext cx="4718304" cy="3310128"/>
           </a:xfrm>
         </p:spPr>
         <p:txBody>
+          <a:bodyPr>
+            <a:normAutofit/>
+          </a:bodyPr>
+          <a:lstStyle/>
+          <a:p>
+            <a:pPr lvl="0"/>
+            <a:r>
+              <a:rPr lang="en-US" smtClean="0"/>
+              <a:t>Click to edit Master text styles</a:t>
+            </a:r>
+            <a:endParaRPr lang="en-US" smtClean="0"/>
+          </a:p>
+          <a:p>
+            <a:pPr lvl="1"/>
+            <a:r>
+              <a:rPr lang="en-US" smtClean="0"/>
+              <a:t>Second level</a:t>
+            </a:r>
+            <a:endParaRPr lang="en-US" smtClean="0"/>
+          </a:p>
+          <a:p>
+            <a:pPr lvl="2"/>
+            <a:r>
+              <a:rPr lang="en-US" smtClean="0"/>
+              <a:t>Third level</a:t>
+            </a:r>
+            <a:endParaRPr lang="en-US" smtClean="0"/>
+          </a:p>
+          <a:p>
+            <a:pPr lvl="3"/>
+            <a:r>
+              <a:rPr lang="en-US" smtClean="0"/>
+              <a:t>Fourth level</a:t>
+            </a:r>
+            <a:endParaRPr lang="en-US" smtClean="0"/>
+          </a:p>
+          <a:p>
+            <a:pPr lvl="4"/>
+            <a:r>
+              <a:rPr lang="en-US" smtClean="0"/>
+              <a:t>Fifth level</a:t>
+            </a:r>
+            <a:endParaRPr lang="en-US" dirty="0"/>
+          </a:p>
+        </p:txBody>
+      </p:sp>
+      <p:sp>
+        <p:nvSpPr>
+          <p:cNvPr id="5" name="Date Placeholder 4"/>
+          <p:cNvSpPr>
+            <a:spLocks noGrp="1"/>
+          </p:cNvSpPr>
+          <p:nvPr>
+            <p:ph type="dt" sz="half" idx="10"/>
+          </p:nvPr>
+        </p:nvSpPr>
+        <p:spPr/>
+        <p:txBody>
           <a:bodyPr/>
           <a:lstStyle/>
           <a:p>
-            <a:pPr lvl="0"/>
-            <a:r>
-              <a:rPr lang="en-US" smtClean="0"/>
-              <a:t>Click to edit Master text styles</a:t>
-            </a:r>
-          </a:p>
-          <a:p>
-            <a:pPr lvl="1"/>
-            <a:r>
-              <a:rPr lang="en-US" smtClean="0"/>
-              <a:t>Second level</a:t>
-            </a:r>
-          </a:p>
-          <a:p>
-            <a:pPr lvl="2"/>
-            <a:r>
-              <a:rPr lang="en-US" smtClean="0"/>
-              <a:t>Third level</a:t>
-            </a:r>
-          </a:p>
-          <a:p>
-            <a:pPr lvl="3"/>
-            <a:r>
-              <a:rPr lang="en-US" smtClean="0"/>
-              <a:t>Fourth level</a:t>
-            </a:r>
-          </a:p>
-          <a:p>
-            <a:pPr lvl="4"/>
-            <a:r>
-              <a:rPr lang="en-US" smtClean="0"/>
-              <a:t>Fifth level</a:t>
-            </a:r>
-            <a:endParaRPr lang="en-US"/>
-          </a:p>
-        </p:txBody>
-      </p:sp>
-      <p:sp>
-        <p:nvSpPr>
-          <p:cNvPr id="5" name="Date Placeholder 4"/>
-          <p:cNvSpPr>
-            <a:spLocks noGrp="1"/>
-          </p:cNvSpPr>
-          <p:nvPr>
-            <p:ph type="dt" sz="half" idx="10"/>
+            <a:fld id="{05BFA754-D5C3-4E66-96A6-867B257F58DC}" type="datetimeFigureOut">
+              <a:rPr lang="en-US" dirty="0"/>
+            </a:fld>
+            <a:endParaRPr lang="en-US" dirty="0"/>
+          </a:p>
+        </p:txBody>
+      </p:sp>
+      <p:sp>
+        <p:nvSpPr>
+          <p:cNvPr id="6" name="Footer Placeholder 5"/>
+          <p:cNvSpPr>
+            <a:spLocks noGrp="1"/>
+          </p:cNvSpPr>
+          <p:nvPr>
+            <p:ph type="ftr" sz="quarter" idx="11"/>
           </p:nvPr>
         </p:nvSpPr>
         <p:spPr/>
@@ -1234,62 +3705,64 @@
           <a:bodyPr/>
           <a:lstStyle/>
           <a:p>
-            <a:fld id="{63A1C593-65D0-4073-BCC9-577B9352EA97}" type="datetimeFigureOut">
-              <a:rPr lang="en-US" smtClean="0"/>
-              <a:t>11/27/2015</a:t>
+            <a:endParaRPr lang="en-US" dirty="0"/>
+          </a:p>
+        </p:txBody>
+      </p:sp>
+      <p:sp>
+        <p:nvSpPr>
+          <p:cNvPr id="7" name="Slide Number Placeholder 6"/>
+          <p:cNvSpPr>
+            <a:spLocks noGrp="1"/>
+          </p:cNvSpPr>
+          <p:nvPr>
+            <p:ph type="sldNum" sz="quarter" idx="12"/>
+          </p:nvPr>
+        </p:nvSpPr>
+        <p:spPr/>
+        <p:txBody>
+          <a:bodyPr/>
+          <a:lstStyle/>
+          <a:p>
+            <a:fld id="{5D84065D-F351-4B03-BD91-D8A6B8D4B362}" type="slidenum">
+              <a:rPr lang="en-US" dirty="0"/>
             </a:fld>
-            <a:endParaRPr lang="en-US"/>
-          </a:p>
-        </p:txBody>
-      </p:sp>
-      <p:sp>
-        <p:nvSpPr>
-          <p:cNvPr id="6" name="Footer Placeholder 5"/>
-          <p:cNvSpPr>
-            <a:spLocks noGrp="1"/>
-          </p:cNvSpPr>
-          <p:nvPr>
-            <p:ph type="ftr" sz="quarter" idx="11"/>
-          </p:nvPr>
-        </p:nvSpPr>
-        <p:spPr/>
-        <p:txBody>
-          <a:bodyPr/>
-          <a:lstStyle/>
-          <a:p>
-            <a:endParaRPr lang="en-US"/>
-          </a:p>
-        </p:txBody>
-      </p:sp>
-      <p:sp>
-        <p:nvSpPr>
-          <p:cNvPr id="7" name="Slide Number Placeholder 6"/>
-          <p:cNvSpPr>
-            <a:spLocks noGrp="1"/>
-          </p:cNvSpPr>
-          <p:nvPr>
-            <p:ph type="sldNum" sz="quarter" idx="12"/>
-          </p:nvPr>
-        </p:nvSpPr>
-        <p:spPr/>
-        <p:txBody>
-          <a:bodyPr/>
-          <a:lstStyle/>
-          <a:p>
-            <a:fld id="{9B618960-8005-486C-9A75-10CB2AAC16F9}" type="slidenum">
-              <a:rPr lang="en-US" smtClean="0"/>
-              <a:t>‹#›</a:t>
-            </a:fld>
-            <a:endParaRPr lang="en-US"/>
-          </a:p>
-        </p:txBody>
-      </p:sp>
+            <a:endParaRPr lang="en-US" dirty="0"/>
+          </a:p>
+        </p:txBody>
+      </p:sp>
+      <p:cxnSp>
+        <p:nvCxnSpPr>
+          <p:cNvPr id="8" name="Straight Connector 7"/>
+          <p:cNvCxnSpPr/>
+          <p:nvPr/>
+        </p:nvCxnSpPr>
+        <p:spPr>
+          <a:xfrm>
+            <a:off x="1396169" y="2421466"/>
+            <a:ext cx="9407298" cy="0"/>
+          </a:xfrm>
+          <a:prstGeom prst="line">
+            <a:avLst/>
+          </a:prstGeom>
+          <a:ln w="15875"/>
+        </p:spPr>
+        <p:style>
+          <a:lnRef idx="2">
+            <a:schemeClr val="accent1"/>
+          </a:lnRef>
+          <a:fillRef idx="0">
+            <a:schemeClr val="accent1"/>
+          </a:fillRef>
+          <a:effectRef idx="1">
+            <a:schemeClr val="accent1"/>
+          </a:effectRef>
+          <a:fontRef idx="minor">
+            <a:schemeClr val="tx1"/>
+          </a:fontRef>
+        </p:style>
+      </p:cxnSp>
     </p:spTree>
-    <p:extLst>
-      <p:ext uri="{BB962C8B-B14F-4D97-AF65-F5344CB8AC3E}">
-        <p14:creationId xmlns:p14="http://schemas.microsoft.com/office/powerpoint/2010/main" val="2375149612"/>
-      </p:ext>
-    </p:extLst>
   </p:cSld>
   <p:clrMapOvr>
     <a:masterClrMapping/>
@@ -1324,46 +3797,51 @@
             <p:ph type="title"/>
           </p:nvPr>
         </p:nvSpPr>
+        <p:spPr/>
+        <p:txBody>
+          <a:bodyPr/>
+          <a:lstStyle>
+            <a:lvl1pPr>
+              <a:defRPr/>
+            </a:lvl1pPr>
+          </a:lstStyle>
+          <a:p>
+            <a:r>
+              <a:rPr lang="en-US" smtClean="0"/>
+              <a:t>Click to edit Master title style</a:t>
+            </a:r>
+            <a:endParaRPr lang="en-US" dirty="0"/>
+          </a:p>
+        </p:txBody>
+      </p:sp>
+      <p:sp>
+        <p:nvSpPr>
+          <p:cNvPr id="3" name="Text Placeholder 2"/>
+          <p:cNvSpPr>
+            <a:spLocks noGrp="1"/>
+          </p:cNvSpPr>
+          <p:nvPr>
+            <p:ph type="body" idx="1"/>
+          </p:nvPr>
+        </p:nvSpPr>
         <p:spPr>
           <a:xfrm>
-            <a:off x="839788" y="365125"/>
-            <a:ext cx="10515600" cy="1325563"/>
+            <a:off x="1295400" y="2658533"/>
+            <a:ext cx="4718304" cy="576262"/>
           </a:xfrm>
         </p:spPr>
         <p:txBody>
-          <a:bodyPr/>
-          <a:lstStyle/>
-          <a:p>
-            <a:r>
-              <a:rPr lang="en-US" smtClean="0"/>
-              <a:t>Click to edit Master title style</a:t>
-            </a:r>
-            <a:endParaRPr lang="en-US"/>
-          </a:p>
-        </p:txBody>
-      </p:sp>
-      <p:sp>
-        <p:nvSpPr>
-          <p:cNvPr id="3" name="Text Placeholder 2"/>
-          <p:cNvSpPr>
-            <a:spLocks noGrp="1"/>
-          </p:cNvSpPr>
-          <p:nvPr>
-            <p:ph type="body" idx="1"/>
-          </p:nvPr>
-        </p:nvSpPr>
-        <p:spPr>
-          <a:xfrm>
-            <a:off x="839788" y="1681163"/>
-            <a:ext cx="5157787" cy="823912"/>
-          </a:xfrm>
-        </p:spPr>
-        <p:txBody>
-          <a:bodyPr anchor="b"/>
+          <a:bodyPr anchor="b">
+            <a:noAutofit/>
+          </a:bodyPr>
           <a:lstStyle>
             <a:lvl1pPr marL="0" indent="0">
               <a:buNone/>
-              <a:defRPr sz="2400" b="1"/>
+              <a:defRPr sz="2800" b="0">
+                <a:solidFill>
+                  <a:schemeClr val="accent1"/>
+                </a:solidFill>
+              </a:defRPr>
             </a:lvl1pPr>
             <a:lvl2pPr marL="457200" indent="0">
               <a:buNone/>
@@ -1404,6 +3882,7 @@
               <a:rPr lang="en-US" smtClean="0"/>
               <a:t>Click to edit Master text styles</a:t>
             </a:r>
+            <a:endParaRPr lang="en-US" smtClean="0"/>
           </a:p>
         </p:txBody>
       </p:sp>
@@ -1419,12 +3898,14 @@
         </p:nvSpPr>
         <p:spPr>
           <a:xfrm>
-            <a:off x="839788" y="2505075"/>
-            <a:ext cx="5157787" cy="3684588"/>
+            <a:off x="1295400" y="3243262"/>
+            <a:ext cx="4718304" cy="2632605"/>
           </a:xfrm>
         </p:spPr>
         <p:txBody>
-          <a:bodyPr/>
+          <a:bodyPr anchor="t">
+            <a:normAutofit/>
+          </a:bodyPr>
           <a:lstStyle/>
           <a:p>
             <a:pPr lvl="0"/>
@@ -1432,6 +3913,7 @@
               <a:rPr lang="en-US" smtClean="0"/>
               <a:t>Click to edit Master text styles</a:t>
             </a:r>
+            <a:endParaRPr lang="en-US" smtClean="0"/>
           </a:p>
           <a:p>
             <a:pPr lvl="1"/>
@@ -1439,6 +3921,7 @@
               <a:rPr lang="en-US" smtClean="0"/>
               <a:t>Second level</a:t>
             </a:r>
+            <a:endParaRPr lang="en-US" smtClean="0"/>
           </a:p>
           <a:p>
             <a:pPr lvl="2"/>
@@ -1446,6 +3929,7 @@
               <a:rPr lang="en-US" smtClean="0"/>
               <a:t>Third level</a:t>
             </a:r>
+            <a:endParaRPr lang="en-US" smtClean="0"/>
           </a:p>
           <a:p>
             <a:pPr lvl="3"/>
@@ -1453,6 +3937,7 @@
               <a:rPr lang="en-US" smtClean="0"/>
               <a:t>Fourth level</a:t>
             </a:r>
+            <a:endParaRPr lang="en-US" smtClean="0"/>
           </a:p>
           <a:p>
             <a:pPr lvl="4"/>
@@ -1460,7 +3945,7 @@
               <a:rPr lang="en-US" smtClean="0"/>
               <a:t>Fifth level</a:t>
             </a:r>
-            <a:endParaRPr lang="en-US"/>
+            <a:endParaRPr lang="en-US" dirty="0"/>
           </a:p>
         </p:txBody>
       </p:sp>
@@ -1476,16 +3961,22 @@
         </p:nvSpPr>
         <p:spPr>
           <a:xfrm>
-            <a:off x="6172200" y="1681163"/>
-            <a:ext cx="5183188" cy="823912"/>
+            <a:off x="6180671" y="2658533"/>
+            <a:ext cx="4718304" cy="576262"/>
           </a:xfrm>
         </p:spPr>
         <p:txBody>
-          <a:bodyPr anchor="b"/>
+          <a:bodyPr anchor="b">
+            <a:noAutofit/>
+          </a:bodyPr>
           <a:lstStyle>
             <a:lvl1pPr marL="0" indent="0">
               <a:buNone/>
-              <a:defRPr sz="2400" b="1"/>
+              <a:defRPr sz="2800" b="0">
+                <a:solidFill>
+                  <a:schemeClr val="accent1"/>
+                </a:solidFill>
+              </a:defRPr>
             </a:lvl1pPr>
             <a:lvl2pPr marL="457200" indent="0">
               <a:buNone/>
@@ -1526,6 +4017,7 @@
               <a:rPr lang="en-US" smtClean="0"/>
               <a:t>Click to edit Master text styles</a:t>
             </a:r>
+            <a:endParaRPr lang="en-US" smtClean="0"/>
           </a:p>
         </p:txBody>
       </p:sp>
@@ -1541,59 +4033,87 @@
         </p:nvSpPr>
         <p:spPr>
           <a:xfrm>
-            <a:off x="6172200" y="2505075"/>
-            <a:ext cx="5183188" cy="3684588"/>
+            <a:off x="6180671" y="3243262"/>
+            <a:ext cx="4718304" cy="2632605"/>
           </a:xfrm>
         </p:spPr>
         <p:txBody>
+          <a:bodyPr anchor="t">
+            <a:normAutofit/>
+          </a:bodyPr>
+          <a:lstStyle/>
+          <a:p>
+            <a:pPr lvl="0"/>
+            <a:r>
+              <a:rPr lang="en-US" smtClean="0"/>
+              <a:t>Click to edit Master text styles</a:t>
+            </a:r>
+            <a:endParaRPr lang="en-US" smtClean="0"/>
+          </a:p>
+          <a:p>
+            <a:pPr lvl="1"/>
+            <a:r>
+              <a:rPr lang="en-US" smtClean="0"/>
+              <a:t>Second level</a:t>
+            </a:r>
+            <a:endParaRPr lang="en-US" smtClean="0"/>
+          </a:p>
+          <a:p>
+            <a:pPr lvl="2"/>
+            <a:r>
+              <a:rPr lang="en-US" smtClean="0"/>
+              <a:t>Third level</a:t>
+            </a:r>
+            <a:endParaRPr lang="en-US" smtClean="0"/>
+          </a:p>
+          <a:p>
+            <a:pPr lvl="3"/>
+            <a:r>
+              <a:rPr lang="en-US" smtClean="0"/>
+              <a:t>Fourth level</a:t>
+            </a:r>
+            <a:endParaRPr lang="en-US" smtClean="0"/>
+          </a:p>
+          <a:p>
+            <a:pPr lvl="4"/>
+            <a:r>
+              <a:rPr lang="en-US" smtClean="0"/>
+              <a:t>Fifth level</a:t>
+            </a:r>
+            <a:endParaRPr lang="en-US" dirty="0"/>
+          </a:p>
+        </p:txBody>
+      </p:sp>
+      <p:sp>
+        <p:nvSpPr>
+          <p:cNvPr id="7" name="Date Placeholder 6"/>
+          <p:cNvSpPr>
+            <a:spLocks noGrp="1"/>
+          </p:cNvSpPr>
+          <p:nvPr>
+            <p:ph type="dt" sz="half" idx="10"/>
+          </p:nvPr>
+        </p:nvSpPr>
+        <p:spPr/>
+        <p:txBody>
           <a:bodyPr/>
           <a:lstStyle/>
           <a:p>
-            <a:pPr lvl="0"/>
-            <a:r>
-              <a:rPr lang="en-US" smtClean="0"/>
-              <a:t>Click to edit Master text styles</a:t>
-            </a:r>
-          </a:p>
-          <a:p>
-            <a:pPr lvl="1"/>
-            <a:r>
-              <a:rPr lang="en-US" smtClean="0"/>
-              <a:t>Second level</a:t>
-            </a:r>
-          </a:p>
-          <a:p>
-            <a:pPr lvl="2"/>
-            <a:r>
-              <a:rPr lang="en-US" smtClean="0"/>
-              <a:t>Third level</a:t>
-            </a:r>
-          </a:p>
-          <a:p>
-            <a:pPr lvl="3"/>
-            <a:r>
-              <a:rPr lang="en-US" smtClean="0"/>
-              <a:t>Fourth level</a:t>
-            </a:r>
-          </a:p>
-          <a:p>
-            <a:pPr lvl="4"/>
-            <a:r>
-              <a:rPr lang="en-US" smtClean="0"/>
-              <a:t>Fifth level</a:t>
-            </a:r>
-            <a:endParaRPr lang="en-US"/>
-          </a:p>
-        </p:txBody>
-      </p:sp>
-      <p:sp>
-        <p:nvSpPr>
-          <p:cNvPr id="7" name="Date Placeholder 6"/>
-          <p:cNvSpPr>
-            <a:spLocks noGrp="1"/>
-          </p:cNvSpPr>
-          <p:nvPr>
-            <p:ph type="dt" sz="half" idx="10"/>
+            <a:fld id="{B61BEF0D-F0BB-DE4B-95CE-6DB70DBA9567}" type="datetimeFigureOut">
+              <a:rPr lang="en-US" dirty="0"/>
+            </a:fld>
+            <a:endParaRPr lang="en-US" dirty="0"/>
+          </a:p>
+        </p:txBody>
+      </p:sp>
+      <p:sp>
+        <p:nvSpPr>
+          <p:cNvPr id="8" name="Footer Placeholder 7"/>
+          <p:cNvSpPr>
+            <a:spLocks noGrp="1"/>
+          </p:cNvSpPr>
+          <p:nvPr>
+            <p:ph type="ftr" sz="quarter" idx="11"/>
           </p:nvPr>
         </p:nvSpPr>
         <p:spPr/>
@@ -1601,62 +4121,64 @@
           <a:bodyPr/>
           <a:lstStyle/>
           <a:p>
-            <a:fld id="{63A1C593-65D0-4073-BCC9-577B9352EA97}" type="datetimeFigureOut">
-              <a:rPr lang="en-US" smtClean="0"/>
-              <a:t>11/27/2015</a:t>
+            <a:endParaRPr lang="en-US" dirty="0"/>
+          </a:p>
+        </p:txBody>
+      </p:sp>
+      <p:sp>
+        <p:nvSpPr>
+          <p:cNvPr id="9" name="Slide Number Placeholder 8"/>
+          <p:cNvSpPr>
+            <a:spLocks noGrp="1"/>
+          </p:cNvSpPr>
+          <p:nvPr>
+            <p:ph type="sldNum" sz="quarter" idx="12"/>
+          </p:nvPr>
+        </p:nvSpPr>
+        <p:spPr/>
+        <p:txBody>
+          <a:bodyPr/>
+          <a:lstStyle/>
+          <a:p>
+            <a:fld id="{D57F1E4F-1CFF-5643-939E-217C01CDF565}" type="slidenum">
+              <a:rPr lang="en-US" dirty="0"/>
             </a:fld>
-            <a:endParaRPr lang="en-US"/>
-          </a:p>
-        </p:txBody>
-      </p:sp>
-      <p:sp>
-        <p:nvSpPr>
-          <p:cNvPr id="8" name="Footer Placeholder 7"/>
-          <p:cNvSpPr>
-            <a:spLocks noGrp="1"/>
-          </p:cNvSpPr>
-          <p:nvPr>
-            <p:ph type="ftr" sz="quarter" idx="11"/>
-          </p:nvPr>
-        </p:nvSpPr>
-        <p:spPr/>
-        <p:txBody>
-          <a:bodyPr/>
-          <a:lstStyle/>
-          <a:p>
-            <a:endParaRPr lang="en-US"/>
-          </a:p>
-        </p:txBody>
-      </p:sp>
-      <p:sp>
-        <p:nvSpPr>
-          <p:cNvPr id="9" name="Slide Number Placeholder 8"/>
-          <p:cNvSpPr>
-            <a:spLocks noGrp="1"/>
-          </p:cNvSpPr>
-          <p:nvPr>
-            <p:ph type="sldNum" sz="quarter" idx="12"/>
-          </p:nvPr>
-        </p:nvSpPr>
-        <p:spPr/>
-        <p:txBody>
-          <a:bodyPr/>
-          <a:lstStyle/>
-          <a:p>
-            <a:fld id="{9B618960-8005-486C-9A75-10CB2AAC16F9}" type="slidenum">
-              <a:rPr lang="en-US" smtClean="0"/>
-              <a:t>‹#›</a:t>
-            </a:fld>
-            <a:endParaRPr lang="en-US"/>
-          </a:p>
-        </p:txBody>
-      </p:sp>
+            <a:endParaRPr lang="en-US" dirty="0"/>
+          </a:p>
+        </p:txBody>
+      </p:sp>
+      <p:cxnSp>
+        <p:nvCxnSpPr>
+          <p:cNvPr id="18" name="Straight Connector 17"/>
+          <p:cNvCxnSpPr/>
+          <p:nvPr/>
+        </p:nvCxnSpPr>
+        <p:spPr>
+          <a:xfrm>
+            <a:off x="1396169" y="2421466"/>
+            <a:ext cx="9407298" cy="0"/>
+          </a:xfrm>
+          <a:prstGeom prst="line">
+            <a:avLst/>
+          </a:prstGeom>
+          <a:ln w="15875"/>
+        </p:spPr>
+        <p:style>
+          <a:lnRef idx="2">
+            <a:schemeClr val="accent1"/>
+          </a:lnRef>
+          <a:fillRef idx="0">
+            <a:schemeClr val="accent1"/>
+          </a:fillRef>
+          <a:effectRef idx="1">
+            <a:schemeClr val="accent1"/>
+          </a:effectRef>
+          <a:fontRef idx="minor">
+            <a:schemeClr val="tx1"/>
+          </a:fontRef>
+        </p:style>
+      </p:cxnSp>
     </p:spTree>
-    <p:extLst>
-      <p:ext uri="{BB962C8B-B14F-4D97-AF65-F5344CB8AC3E}">
-        <p14:creationId xmlns:p14="http://schemas.microsoft.com/office/powerpoint/2010/main" val="412943597"/>
-      </p:ext>
-    </p:extLst>
   </p:cSld>
   <p:clrMapOvr>
     <a:masterClrMapping/>
@@ -1700,7 +4222,7 @@
               <a:rPr lang="en-US" smtClean="0"/>
               <a:t>Click to edit Master title style</a:t>
             </a:r>
-            <a:endParaRPr lang="en-US"/>
+            <a:endParaRPr lang="en-US" dirty="0"/>
           </a:p>
         </p:txBody>
       </p:sp>
@@ -1719,11 +4241,10 @@
           <a:bodyPr/>
           <a:lstStyle/>
           <a:p>
-            <a:fld id="{63A1C593-65D0-4073-BCC9-577B9352EA97}" type="datetimeFigureOut">
-              <a:rPr lang="en-US" smtClean="0"/>
-              <a:t>11/27/2015</a:t>
+            <a:fld id="{B61BEF0D-F0BB-DE4B-95CE-6DB70DBA9567}" type="datetimeFigureOut">
+              <a:rPr lang="en-US" dirty="0"/>
             </a:fld>
-            <a:endParaRPr lang="en-US"/>
+            <a:endParaRPr lang="en-US" dirty="0"/>
           </a:p>
         </p:txBody>
       </p:sp>
@@ -1742,7 +4263,7 @@
           <a:bodyPr/>
           <a:lstStyle/>
           <a:p>
-            <a:endParaRPr lang="en-US"/>
+            <a:endParaRPr lang="en-US" dirty="0"/>
           </a:p>
         </p:txBody>
       </p:sp>
@@ -1761,20 +4282,45 @@
           <a:bodyPr/>
           <a:lstStyle/>
           <a:p>
-            <a:fld id="{9B618960-8005-486C-9A75-10CB2AAC16F9}" type="slidenum">
-              <a:rPr lang="en-US" smtClean="0"/>
-              <a:t>‹#›</a:t>
+            <a:fld id="{D57F1E4F-1CFF-5643-939E-217C01CDF565}" type="slidenum">
+              <a:rPr lang="en-US" dirty="0"/>
             </a:fld>
-            <a:endParaRPr lang="en-US"/>
-          </a:p>
-        </p:txBody>
-      </p:sp>
+            <a:endParaRPr lang="en-US" dirty="0"/>
+          </a:p>
+        </p:txBody>
+      </p:sp>
+      <p:cxnSp>
+        <p:nvCxnSpPr>
+          <p:cNvPr id="14" name="Straight Connector 13"/>
+          <p:cNvCxnSpPr/>
+          <p:nvPr/>
+        </p:nvCxnSpPr>
+        <p:spPr>
+          <a:xfrm>
+            <a:off x="1396169" y="2421466"/>
+            <a:ext cx="9407298" cy="0"/>
+          </a:xfrm>
+          <a:prstGeom prst="line">
+            <a:avLst/>
+          </a:prstGeom>
+          <a:ln w="15875"/>
+        </p:spPr>
+        <p:style>
+          <a:lnRef idx="2">
+            <a:schemeClr val="accent1"/>
+          </a:lnRef>
+          <a:fillRef idx="0">
+            <a:schemeClr val="accent1"/>
+          </a:fillRef>
+          <a:effectRef idx="1">
+            <a:schemeClr val="accent1"/>
+          </a:effectRef>
+          <a:fontRef idx="minor">
+            <a:schemeClr val="tx1"/>
+          </a:fontRef>
+        </p:style>
+      </p:cxnSp>
     </p:spTree>
-    <p:extLst>
-      <p:ext uri="{BB962C8B-B14F-4D97-AF65-F5344CB8AC3E}">
-        <p14:creationId xmlns:p14="http://schemas.microsoft.com/office/powerpoint/2010/main" val="3558084423"/>
-      </p:ext>
-    </p:extLst>
   </p:cSld>
   <p:clrMapOvr>
     <a:masterClrMapping/>
@@ -1814,11 +4360,10 @@
           <a:bodyPr/>
           <a:lstStyle/>
           <a:p>
-            <a:fld id="{63A1C593-65D0-4073-BCC9-577B9352EA97}" type="datetimeFigureOut">
-              <a:rPr lang="en-US" smtClean="0"/>
-              <a:t>11/27/2015</a:t>
+            <a:fld id="{B61BEF0D-F0BB-DE4B-95CE-6DB70DBA9567}" type="datetimeFigureOut">
+              <a:rPr lang="en-US" dirty="0"/>
             </a:fld>
-            <a:endParaRPr lang="en-US"/>
+            <a:endParaRPr lang="en-US" dirty="0"/>
           </a:p>
         </p:txBody>
       </p:sp>
@@ -1837,7 +4382,7 @@
           <a:bodyPr/>
           <a:lstStyle/>
           <a:p>
-            <a:endParaRPr lang="en-US"/>
+            <a:endParaRPr lang="en-US" dirty="0"/>
           </a:p>
         </p:txBody>
       </p:sp>
@@ -1856,20 +4401,14 @@
           <a:bodyPr/>
           <a:lstStyle/>
           <a:p>
-            <a:fld id="{9B618960-8005-486C-9A75-10CB2AAC16F9}" type="slidenum">
-              <a:rPr lang="en-US" smtClean="0"/>
-              <a:t>‹#›</a:t>
+            <a:fld id="{D57F1E4F-1CFF-5643-939E-217C01CDF565}" type="slidenum">
+              <a:rPr lang="en-US" dirty="0"/>
             </a:fld>
-            <a:endParaRPr lang="en-US"/>
+            <a:endParaRPr lang="en-US" dirty="0"/>
           </a:p>
         </p:txBody>
       </p:sp>
     </p:spTree>
-    <p:extLst>
-      <p:ext uri="{BB962C8B-B14F-4D97-AF65-F5344CB8AC3E}">
-        <p14:creationId xmlns:p14="http://schemas.microsoft.com/office/powerpoint/2010/main" val="2454063194"/>
-      </p:ext>
-    </p:extLst>
   </p:cSld>
   <p:clrMapOvr>
     <a:masterClrMapping/>
@@ -1906,15 +4445,17 @@
         </p:nvSpPr>
         <p:spPr>
           <a:xfrm>
-            <a:off x="839788" y="457200"/>
-            <a:ext cx="3932237" cy="1600200"/>
+            <a:off x="1293811" y="1388534"/>
+            <a:ext cx="3718455" cy="1371600"/>
           </a:xfrm>
         </p:spPr>
         <p:txBody>
-          <a:bodyPr anchor="b"/>
+          <a:bodyPr anchor="b">
+            <a:normAutofit/>
+          </a:bodyPr>
           <a:lstStyle>
-            <a:lvl1pPr>
-              <a:defRPr sz="3200"/>
+            <a:lvl1pPr algn="ctr">
+              <a:defRPr sz="2400" b="0"/>
             </a:lvl1pPr>
           </a:lstStyle>
           <a:p>
@@ -1922,7 +4463,7 @@
               <a:rPr lang="en-US" smtClean="0"/>
               <a:t>Click to edit Master title style</a:t>
             </a:r>
-            <a:endParaRPr lang="en-US"/>
+            <a:endParaRPr lang="en-US" dirty="0"/>
           </a:p>
         </p:txBody>
       </p:sp>
@@ -1938,47 +4479,22 @@
         </p:nvSpPr>
         <p:spPr>
           <a:xfrm>
-            <a:off x="5183188" y="987425"/>
-            <a:ext cx="6172200" cy="4873625"/>
+            <a:off x="5418668" y="982131"/>
+            <a:ext cx="5469466" cy="4893735"/>
           </a:xfrm>
         </p:spPr>
         <p:txBody>
-          <a:bodyPr/>
-          <a:lstStyle>
-            <a:lvl1pPr>
-              <a:defRPr sz="3200"/>
-            </a:lvl1pPr>
-            <a:lvl2pPr>
-              <a:defRPr sz="2800"/>
-            </a:lvl2pPr>
-            <a:lvl3pPr>
-              <a:defRPr sz="2400"/>
-            </a:lvl3pPr>
-            <a:lvl4pPr>
-              <a:defRPr sz="2000"/>
-            </a:lvl4pPr>
-            <a:lvl5pPr>
-              <a:defRPr sz="2000"/>
-            </a:lvl5pPr>
-            <a:lvl6pPr>
-              <a:defRPr sz="2000"/>
-            </a:lvl6pPr>
-            <a:lvl7pPr>
-              <a:defRPr sz="2000"/>
-            </a:lvl7pPr>
-            <a:lvl8pPr>
-              <a:defRPr sz="2000"/>
-            </a:lvl8pPr>
-            <a:lvl9pPr>
-              <a:defRPr sz="2000"/>
-            </a:lvl9pPr>
-          </a:lstStyle>
+          <a:bodyPr anchor="ctr">
+            <a:normAutofit/>
+          </a:bodyPr>
+          <a:lstStyle/>
           <a:p>
             <a:pPr lvl="0"/>
             <a:r>
               <a:rPr lang="en-US" smtClean="0"/>
               <a:t>Click to edit Master text styles</a:t>
             </a:r>
+            <a:endParaRPr lang="en-US" smtClean="0"/>
           </a:p>
           <a:p>
             <a:pPr lvl="1"/>
@@ -1986,6 +4502,7 @@
               <a:rPr lang="en-US" smtClean="0"/>
               <a:t>Second level</a:t>
             </a:r>
+            <a:endParaRPr lang="en-US" smtClean="0"/>
           </a:p>
           <a:p>
             <a:pPr lvl="2"/>
@@ -1993,6 +4510,7 @@
               <a:rPr lang="en-US" smtClean="0"/>
               <a:t>Third level</a:t>
             </a:r>
+            <a:endParaRPr lang="en-US" smtClean="0"/>
           </a:p>
           <a:p>
             <a:pPr lvl="3"/>
@@ -2000,6 +4518,7 @@
               <a:rPr lang="en-US" smtClean="0"/>
               <a:t>Fourth level</a:t>
             </a:r>
+            <a:endParaRPr lang="en-US" smtClean="0"/>
           </a:p>
           <a:p>
             <a:pPr lvl="4"/>
@@ -2007,7 +4526,7 @@
               <a:rPr lang="en-US" smtClean="0"/>
               <a:t>Fifth level</a:t>
             </a:r>
-            <a:endParaRPr lang="en-US"/>
+            <a:endParaRPr lang="en-US" dirty="0"/>
           </a:p>
         </p:txBody>
       </p:sp>
@@ -2023,48 +4542,50 @@
         </p:nvSpPr>
         <p:spPr>
           <a:xfrm>
-            <a:off x="839788" y="2057400"/>
-            <a:ext cx="3932237" cy="3811588"/>
+            <a:off x="1293811" y="3031065"/>
+            <a:ext cx="3718455" cy="2438404"/>
           </a:xfrm>
         </p:spPr>
         <p:txBody>
-          <a:bodyPr/>
+          <a:bodyPr anchor="t">
+            <a:normAutofit/>
+          </a:bodyPr>
           <a:lstStyle>
-            <a:lvl1pPr marL="0" indent="0">
+            <a:lvl1pPr marL="0" indent="0" algn="ctr">
               <a:buNone/>
               <a:defRPr sz="1600"/>
             </a:lvl1pPr>
             <a:lvl2pPr marL="457200" indent="0">
               <a:buNone/>
-              <a:defRPr sz="1400"/>
+              <a:defRPr sz="1200"/>
             </a:lvl2pPr>
             <a:lvl3pPr marL="914400" indent="0">
               <a:buNone/>
-              <a:defRPr sz="1200"/>
+              <a:defRPr sz="1000"/>
             </a:lvl3pPr>
             <a:lvl4pPr marL="1371600" indent="0">
               <a:buNone/>
-              <a:defRPr sz="1000"/>
+              <a:defRPr sz="900"/>
             </a:lvl4pPr>
             <a:lvl5pPr marL="1828800" indent="0">
               <a:buNone/>
-              <a:defRPr sz="1000"/>
+              <a:defRPr sz="900"/>
             </a:lvl5pPr>
             <a:lvl6pPr marL="2286000" indent="0">
               <a:buNone/>
-              <a:defRPr sz="1000"/>
+              <a:defRPr sz="900"/>
             </a:lvl6pPr>
             <a:lvl7pPr marL="2743200" indent="0">
               <a:buNone/>
-              <a:defRPr sz="1000"/>
+              <a:defRPr sz="900"/>
             </a:lvl7pPr>
             <a:lvl8pPr marL="3200400" indent="0">
               <a:buNone/>
-              <a:defRPr sz="1000"/>
+              <a:defRPr sz="900"/>
             </a:lvl8pPr>
             <a:lvl9pPr marL="3657600" indent="0">
               <a:buNone/>
-              <a:defRPr sz="1000"/>
+              <a:defRPr sz="900"/>
             </a:lvl9pPr>
           </a:lstStyle>
           <a:p>
@@ -2073,6 +4594,7 @@
               <a:rPr lang="en-US" smtClean="0"/>
               <a:t>Click to edit Master text styles</a:t>
             </a:r>
+            <a:endParaRPr lang="en-US" smtClean="0"/>
           </a:p>
         </p:txBody>
       </p:sp>
@@ -2091,11 +4613,10 @@
           <a:bodyPr/>
           <a:lstStyle/>
           <a:p>
-            <a:fld id="{63A1C593-65D0-4073-BCC9-577B9352EA97}" type="datetimeFigureOut">
-              <a:rPr lang="en-US" smtClean="0"/>
-              <a:t>11/27/2015</a:t>
+            <a:fld id="{B61BEF0D-F0BB-DE4B-95CE-6DB70DBA9567}" type="datetimeFigureOut">
+              <a:rPr lang="en-US" dirty="0"/>
             </a:fld>
-            <a:endParaRPr lang="en-US"/>
+            <a:endParaRPr lang="en-US" dirty="0"/>
           </a:p>
         </p:txBody>
       </p:sp>
@@ -2114,7 +4635,7 @@
           <a:bodyPr/>
           <a:lstStyle/>
           <a:p>
-            <a:endParaRPr lang="en-US"/>
+            <a:endParaRPr lang="en-US" dirty="0"/>
           </a:p>
         </p:txBody>
       </p:sp>
@@ -2133,20 +4654,45 @@
           <a:bodyPr/>
           <a:lstStyle/>
           <a:p>
-            <a:fld id="{9B618960-8005-486C-9A75-10CB2AAC16F9}" type="slidenum">
-              <a:rPr lang="en-US" smtClean="0"/>
-              <a:t>‹#›</a:t>
+            <a:fld id="{D57F1E4F-1CFF-5643-939E-217C01CDF565}" type="slidenum">
+              <a:rPr lang="en-US" dirty="0"/>
             </a:fld>
-            <a:endParaRPr lang="en-US"/>
-          </a:p>
-        </p:txBody>
-      </p:sp>
+            <a:endParaRPr lang="en-US" dirty="0"/>
+          </a:p>
+        </p:txBody>
+      </p:sp>
+      <p:cxnSp>
+        <p:nvCxnSpPr>
+          <p:cNvPr id="16" name="Straight Connector 15"/>
+          <p:cNvCxnSpPr/>
+          <p:nvPr/>
+        </p:nvCxnSpPr>
+        <p:spPr>
+          <a:xfrm>
+            <a:off x="1396169" y="2912533"/>
+            <a:ext cx="3514498" cy="0"/>
+          </a:xfrm>
+          <a:prstGeom prst="line">
+            <a:avLst/>
+          </a:prstGeom>
+          <a:ln w="15875"/>
+        </p:spPr>
+        <p:style>
+          <a:lnRef idx="2">
+            <a:schemeClr val="accent1"/>
+          </a:lnRef>
+          <a:fillRef idx="0">
+            <a:schemeClr val="accent1"/>
+          </a:fillRef>
+          <a:effectRef idx="1">
+            <a:schemeClr val="accent1"/>
+          </a:effectRef>
+          <a:fontRef idx="minor">
+            <a:schemeClr val="tx1"/>
+          </a:fontRef>
+        </p:style>
+      </p:cxnSp>
     </p:spTree>
-    <p:extLst>
-      <p:ext uri="{BB962C8B-B14F-4D97-AF65-F5344CB8AC3E}">
-        <p14:creationId xmlns:p14="http://schemas.microsoft.com/office/powerpoint/2010/main" val="3300537932"/>
-      </p:ext>
-    </p:extLst>
   </p:cSld>
   <p:clrMapOvr>
     <a:masterClrMapping/>
@@ -2183,15 +4729,17 @@
         </p:nvSpPr>
         <p:spPr>
           <a:xfrm>
-            <a:off x="839788" y="457200"/>
-            <a:ext cx="3932237" cy="1600200"/>
+            <a:off x="1295399" y="1883832"/>
+            <a:ext cx="6241816" cy="1371600"/>
           </a:xfrm>
         </p:spPr>
         <p:txBody>
-          <a:bodyPr anchor="b"/>
+          <a:bodyPr anchor="b">
+            <a:normAutofit/>
+          </a:bodyPr>
           <a:lstStyle>
-            <a:lvl1pPr>
-              <a:defRPr sz="3200"/>
+            <a:lvl1pPr algn="ctr">
+              <a:defRPr sz="2800" b="0"/>
             </a:lvl1pPr>
           </a:lstStyle>
           <a:p>
@@ -2199,15 +4747,15 @@
               <a:rPr lang="en-US" smtClean="0"/>
               <a:t>Click to edit Master title style</a:t>
             </a:r>
-            <a:endParaRPr lang="en-US"/>
-          </a:p>
-        </p:txBody>
-      </p:sp>
-      <p:sp>
-        <p:nvSpPr>
-          <p:cNvPr id="3" name="Picture Placeholder 2"/>
-          <p:cNvSpPr>
-            <a:spLocks noGrp="1"/>
+            <a:endParaRPr lang="en-US" dirty="0"/>
+          </a:p>
+        </p:txBody>
+      </p:sp>
+      <p:sp>
+        <p:nvSpPr>
+          <p:cNvPr id="17" name="Picture Placeholder 2"/>
+          <p:cNvSpPr>
+            <a:spLocks noGrp="1" noChangeAspect="1"/>
           </p:cNvSpPr>
           <p:nvPr>
             <p:ph type="pic" idx="1"/>
@@ -2215,117 +4763,147 @@
         </p:nvSpPr>
         <p:spPr>
           <a:xfrm>
-            <a:off x="5183188" y="987425"/>
-            <a:ext cx="6172200" cy="4873625"/>
+            <a:off x="8094831" y="1041400"/>
+            <a:ext cx="3063347" cy="4775200"/>
           </a:xfrm>
+          <a:prstGeom prst="roundRect">
+            <a:avLst>
+              <a:gd name="adj" fmla="val 0"/>
+            </a:avLst>
+          </a:prstGeom>
+          <a:ln w="57150" cmpd="thickThin">
+            <a:solidFill>
+              <a:schemeClr val="tx1">
+                <a:lumMod val="50000"/>
+                <a:lumOff val="50000"/>
+              </a:schemeClr>
+            </a:solidFill>
+            <a:miter lim="800000"/>
+          </a:ln>
+          <a:effectLst>
+            <a:innerShdw blurRad="57150" dist="38100" dir="14460000">
+              <a:srgbClr val="000000">
+                <a:alpha val="70000"/>
+              </a:srgbClr>
+            </a:innerShdw>
+          </a:effectLst>
         </p:spPr>
         <p:txBody>
-          <a:bodyPr/>
+          <a:bodyPr anchor="t">
+            <a:normAutofit/>
+          </a:bodyPr>
           <a:lstStyle>
-            <a:lvl1pPr marL="0" indent="0">
-              <a:buNone/>
-              <a:defRPr sz="3200"/>
-            </a:lvl1pPr>
-            <a:lvl2pPr marL="457200" indent="0">
-              <a:buNone/>
-              <a:defRPr sz="2800"/>
-            </a:lvl2pPr>
-            <a:lvl3pPr marL="914400" indent="0">
-              <a:buNone/>
-              <a:defRPr sz="2400"/>
-            </a:lvl3pPr>
-            <a:lvl4pPr marL="1371600" indent="0">
-              <a:buNone/>
-              <a:defRPr sz="2000"/>
-            </a:lvl4pPr>
-            <a:lvl5pPr marL="1828800" indent="0">
-              <a:buNone/>
-              <a:defRPr sz="2000"/>
-            </a:lvl5pPr>
-            <a:lvl6pPr marL="2286000" indent="0">
-              <a:buNone/>
-              <a:defRPr sz="2000"/>
-            </a:lvl6pPr>
-            <a:lvl7pPr marL="2743200" indent="0">
-              <a:buNone/>
-              <a:defRPr sz="2000"/>
-            </a:lvl7pPr>
-            <a:lvl8pPr marL="3200400" indent="0">
-              <a:buNone/>
-              <a:defRPr sz="2000"/>
-            </a:lvl8pPr>
-            <a:lvl9pPr marL="3657600" indent="0">
-              <a:buNone/>
-              <a:defRPr sz="2000"/>
-            </a:lvl9pPr>
-          </a:lstStyle>
-          <a:p>
-            <a:endParaRPr lang="en-US"/>
-          </a:p>
-        </p:txBody>
-      </p:sp>
-      <p:sp>
-        <p:nvSpPr>
-          <p:cNvPr id="4" name="Text Placeholder 3"/>
-          <p:cNvSpPr>
-            <a:spLocks noGrp="1"/>
-          </p:cNvSpPr>
-          <p:nvPr>
-            <p:ph type="body" sz="half" idx="2"/>
-          </p:nvPr>
-        </p:nvSpPr>
-        <p:spPr>
-          <a:xfrm>
-            <a:off x="839788" y="2057400"/>
-            <a:ext cx="3932237" cy="3811588"/>
-          </a:xfrm>
-        </p:spPr>
-        <p:txBody>
-          <a:bodyPr/>
-          <a:lstStyle>
-            <a:lvl1pPr marL="0" indent="0">
+            <a:lvl1pPr marL="0" indent="0" algn="ctr">
               <a:buNone/>
               <a:defRPr sz="1600"/>
             </a:lvl1pPr>
             <a:lvl2pPr marL="457200" indent="0">
               <a:buNone/>
-              <a:defRPr sz="1400"/>
+              <a:defRPr sz="1600"/>
             </a:lvl2pPr>
             <a:lvl3pPr marL="914400" indent="0">
               <a:buNone/>
-              <a:defRPr sz="1200"/>
+              <a:defRPr sz="1600"/>
             </a:lvl3pPr>
             <a:lvl4pPr marL="1371600" indent="0">
               <a:buNone/>
-              <a:defRPr sz="1000"/>
+              <a:defRPr sz="1600"/>
             </a:lvl4pPr>
             <a:lvl5pPr marL="1828800" indent="0">
               <a:buNone/>
-              <a:defRPr sz="1000"/>
+              <a:defRPr sz="1600"/>
             </a:lvl5pPr>
             <a:lvl6pPr marL="2286000" indent="0">
               <a:buNone/>
-              <a:defRPr sz="1000"/>
+              <a:defRPr sz="1600"/>
             </a:lvl6pPr>
             <a:lvl7pPr marL="2743200" indent="0">
               <a:buNone/>
-              <a:defRPr sz="1000"/>
+              <a:defRPr sz="1600"/>
             </a:lvl7pPr>
             <a:lvl8pPr marL="3200400" indent="0">
               <a:buNone/>
-              <a:defRPr sz="1000"/>
+              <a:defRPr sz="1600"/>
             </a:lvl8pPr>
             <a:lvl9pPr marL="3657600" indent="0">
               <a:buNone/>
-              <a:defRPr sz="1000"/>
+              <a:defRPr sz="1600"/>
             </a:lvl9pPr>
           </a:lstStyle>
           <a:p>
+            <a:r>
+              <a:rPr lang="en-US" smtClean="0"/>
+              <a:t>Click icon to add picture</a:t>
+            </a:r>
+            <a:endParaRPr lang="en-US" dirty="0"/>
+          </a:p>
+        </p:txBody>
+      </p:sp>
+      <p:sp>
+        <p:nvSpPr>
+          <p:cNvPr id="4" name="Text Placeholder 3"/>
+          <p:cNvSpPr>
+            <a:spLocks noGrp="1"/>
+          </p:cNvSpPr>
+          <p:nvPr>
+            <p:ph type="body" sz="half" idx="2"/>
+          </p:nvPr>
+        </p:nvSpPr>
+        <p:spPr>
+          <a:xfrm>
+            <a:off x="1295399" y="3255432"/>
+            <a:ext cx="6241816" cy="1828800"/>
+          </a:xfrm>
+        </p:spPr>
+        <p:txBody>
+          <a:bodyPr anchor="t">
+            <a:normAutofit/>
+          </a:bodyPr>
+          <a:lstStyle>
+            <a:lvl1pPr marL="0" indent="0" algn="ctr">
+              <a:buNone/>
+              <a:defRPr sz="1800"/>
+            </a:lvl1pPr>
+            <a:lvl2pPr marL="457200" indent="0">
+              <a:buNone/>
+              <a:defRPr sz="1200"/>
+            </a:lvl2pPr>
+            <a:lvl3pPr marL="914400" indent="0">
+              <a:buNone/>
+              <a:defRPr sz="1000"/>
+            </a:lvl3pPr>
+            <a:lvl4pPr marL="1371600" indent="0">
+              <a:buNone/>
+              <a:defRPr sz="900"/>
+            </a:lvl4pPr>
+            <a:lvl5pPr marL="1828800" indent="0">
+              <a:buNone/>
+              <a:defRPr sz="900"/>
+            </a:lvl5pPr>
+            <a:lvl6pPr marL="2286000" indent="0">
+              <a:buNone/>
+              <a:defRPr sz="900"/>
+            </a:lvl6pPr>
+            <a:lvl7pPr marL="2743200" indent="0">
+              <a:buNone/>
+              <a:defRPr sz="900"/>
+            </a:lvl7pPr>
+            <a:lvl8pPr marL="3200400" indent="0">
+              <a:buNone/>
+              <a:defRPr sz="900"/>
+            </a:lvl8pPr>
+            <a:lvl9pPr marL="3657600" indent="0">
+              <a:buNone/>
+              <a:defRPr sz="900"/>
+            </a:lvl9pPr>
+          </a:lstStyle>
+          <a:p>
             <a:pPr lvl="0"/>
             <a:r>
               <a:rPr lang="en-US" smtClean="0"/>
               <a:t>Click to edit Master text styles</a:t>
             </a:r>
+            <a:endParaRPr lang="en-US" smtClean="0"/>
           </a:p>
         </p:txBody>
       </p:sp>
@@ -2344,11 +4922,10 @@
           <a:bodyPr/>
           <a:lstStyle/>
           <a:p>
-            <a:fld id="{63A1C593-65D0-4073-BCC9-577B9352EA97}" type="datetimeFigureOut">
-              <a:rPr lang="en-US" smtClean="0"/>
-              <a:t>11/27/2015</a:t>
+            <a:fld id="{B61BEF0D-F0BB-DE4B-95CE-6DB70DBA9567}" type="datetimeFigureOut">
+              <a:rPr lang="en-US" dirty="0"/>
             </a:fld>
-            <a:endParaRPr lang="en-US"/>
+            <a:endParaRPr lang="en-US" dirty="0"/>
           </a:p>
         </p:txBody>
       </p:sp>
@@ -2367,7 +4944,7 @@
           <a:bodyPr/>
           <a:lstStyle/>
           <a:p>
-            <a:endParaRPr lang="en-US"/>
+            <a:endParaRPr lang="en-US" dirty="0"/>
           </a:p>
         </p:txBody>
       </p:sp>
@@ -2386,20 +4963,14 @@
           <a:bodyPr/>
           <a:lstStyle/>
           <a:p>
-            <a:fld id="{9B618960-8005-486C-9A75-10CB2AAC16F9}" type="slidenum">
-              <a:rPr lang="en-US" smtClean="0"/>
-              <a:t>‹#›</a:t>
+            <a:fld id="{D57F1E4F-1CFF-5643-939E-217C01CDF565}" type="slidenum">
+              <a:rPr lang="en-US" dirty="0"/>
             </a:fld>
-            <a:endParaRPr lang="en-US"/>
+            <a:endParaRPr lang="en-US" dirty="0"/>
           </a:p>
         </p:txBody>
       </p:sp>
     </p:spTree>
-    <p:extLst>
-      <p:ext uri="{BB962C8B-B14F-4D97-AF65-F5344CB8AC3E}">
-        <p14:creationId xmlns:p14="http://schemas.microsoft.com/office/powerpoint/2010/main" val="585876398"/>
-      </p:ext>
-    </p:extLst>
   </p:cSld>
   <p:clrMapOvr>
     <a:masterClrMapping/>
@@ -2411,7 +4982,7 @@
 <p:sldMaster xmlns:a="http://schemas.openxmlformats.org/drawingml/2006/main" xmlns:r="http://schemas.openxmlformats.org/officeDocument/2006/relationships" xmlns:p="http://schemas.openxmlformats.org/presentationml/2006/main">
   <p:cSld>
     <p:bg>
-      <p:bgRef idx="1001">
+      <p:bgRef idx="1003">
         <a:schemeClr val="bg1"/>
       </p:bgRef>
     </p:bg>
@@ -2429,6 +5000,147 @@
           <a:chExt cx="0" cy="0"/>
         </a:xfrm>
       </p:grpSpPr>
+      <p:grpSp>
+        <p:nvGrpSpPr>
+          <p:cNvPr id="7" name="Group 6"/>
+          <p:cNvGrpSpPr/>
+          <p:nvPr/>
+        </p:nvGrpSpPr>
+        <p:grpSpPr>
+          <a:xfrm>
+            <a:off x="0" y="0"/>
+            <a:ext cx="12188825" cy="6856215"/>
+            <a:chOff x="0" y="0"/>
+            <a:chExt cx="12188825" cy="6856215"/>
+          </a:xfrm>
+        </p:grpSpPr>
+        <p:pic>
+          <p:nvPicPr>
+            <p:cNvPr id="8" name="Picture 7" descr="HD-PanelContent-V.png"/>
+            <p:cNvPicPr>
+              <a:picLocks noChangeAspect="1"/>
+            </p:cNvPicPr>
+            <p:nvPr/>
+          </p:nvPicPr>
+          <p:blipFill>
+            <a:blip r:embed="rId18">
+              <a:extLst>
+                <a:ext uri="{28A0092B-C50C-407E-A947-70E740481C1C}">
+                  <a14:useLocalDpi xmlns:a14="http://schemas.microsoft.com/office/drawing/2010/main" val="0"/>
+                </a:ext>
+              </a:extLst>
+            </a:blip>
+            <a:stretch>
+              <a:fillRect/>
+            </a:stretch>
+          </p:blipFill>
+          <p:spPr>
+            <a:xfrm>
+              <a:off x="0" y="0"/>
+              <a:ext cx="12188825" cy="6856214"/>
+            </a:xfrm>
+            <a:prstGeom prst="rect">
+              <a:avLst/>
+            </a:prstGeom>
+          </p:spPr>
+        </p:pic>
+        <p:sp>
+          <p:nvSpPr>
+            <p:cNvPr id="9" name="Rectangle 8"/>
+            <p:cNvSpPr/>
+            <p:nvPr/>
+          </p:nvSpPr>
+          <p:spPr>
+            <a:xfrm>
+              <a:off x="608012" y="609600"/>
+              <a:ext cx="10972800" cy="5638800"/>
+            </a:xfrm>
+            <a:prstGeom prst="rect">
+              <a:avLst/>
+            </a:prstGeom>
+            <a:noFill/>
+            <a:ln w="15875" cap="flat">
+              <a:miter lim="800000"/>
+            </a:ln>
+          </p:spPr>
+          <p:style>
+            <a:lnRef idx="1">
+              <a:schemeClr val="accent1"/>
+            </a:lnRef>
+            <a:fillRef idx="3">
+              <a:schemeClr val="accent1"/>
+            </a:fillRef>
+            <a:effectRef idx="2">
+              <a:schemeClr val="accent1"/>
+            </a:effectRef>
+            <a:fontRef idx="minor">
+              <a:schemeClr val="lt1"/>
+            </a:fontRef>
+          </p:style>
+        </p:sp>
+        <p:pic>
+          <p:nvPicPr>
+            <p:cNvPr id="10" name="Picture 9" descr="HDRibbonContent-UniformTrim.png"/>
+            <p:cNvPicPr>
+              <a:picLocks noChangeAspect="1"/>
+            </p:cNvPicPr>
+            <p:nvPr/>
+          </p:nvPicPr>
+          <p:blipFill rotWithShape="1">
+            <a:blip r:embed="rId19">
+              <a:extLst>
+                <a:ext uri="{28A0092B-C50C-407E-A947-70E740481C1C}">
+                  <a14:useLocalDpi xmlns:a14="http://schemas.microsoft.com/office/drawing/2010/main" val="0"/>
+                </a:ext>
+              </a:extLst>
+            </a:blip>
+            <a:srcRect/>
+            <a:stretch>
+              <a:fillRect/>
+            </a:stretch>
+          </p:blipFill>
+          <p:spPr>
+            <a:xfrm rot="5400000">
+              <a:off x="5706471" y="76265"/>
+              <a:ext cx="758952" cy="606425"/>
+            </a:xfrm>
+            <a:prstGeom prst="rect">
+              <a:avLst/>
+            </a:prstGeom>
+          </p:spPr>
+        </p:pic>
+        <p:pic>
+          <p:nvPicPr>
+            <p:cNvPr id="11" name="Picture 10" descr="HDRibbonContent-UniformTrim.png"/>
+            <p:cNvPicPr>
+              <a:picLocks noChangeAspect="1"/>
+            </p:cNvPicPr>
+            <p:nvPr/>
+          </p:nvPicPr>
+          <p:blipFill rotWithShape="1">
+            <a:blip r:embed="rId19">
+              <a:extLst>
+                <a:ext uri="{28A0092B-C50C-407E-A947-70E740481C1C}">
+                  <a14:useLocalDpi xmlns:a14="http://schemas.microsoft.com/office/drawing/2010/main" val="0"/>
+                </a:ext>
+              </a:extLst>
+            </a:blip>
+            <a:srcRect/>
+            <a:stretch>
+              <a:fillRect/>
+            </a:stretch>
+          </p:blipFill>
+          <p:spPr>
+            <a:xfrm rot="5400000">
+              <a:off x="5706470" y="6173526"/>
+              <a:ext cx="758952" cy="606425"/>
+            </a:xfrm>
+            <a:prstGeom prst="rect">
+              <a:avLst/>
+            </a:prstGeom>
+          </p:spPr>
+        </p:pic>
+      </p:grpSp>
       <p:sp>
         <p:nvSpPr>
           <p:cNvPr id="2" name="Title Placeholder 1"/>
@@ -2441,103 +5153,148 @@
         </p:nvSpPr>
         <p:spPr>
           <a:xfrm>
-            <a:off x="838200" y="365125"/>
-            <a:ext cx="10515600" cy="1325563"/>
+            <a:off x="1295402" y="982132"/>
+            <a:ext cx="9601196" cy="1303867"/>
+          </a:xfrm>
+          <a:prstGeom prst="rect">
+            <a:avLst/>
+          </a:prstGeom>
+          <a:effectLst/>
+        </p:spPr>
+        <p:txBody>
+          <a:bodyPr vert="horz" lIns="91440" tIns="45720" rIns="91440" bIns="45720" rtlCol="0" anchor="ctr">
+            <a:normAutofit/>
+          </a:bodyPr>
+          <a:lstStyle/>
+          <a:p>
+            <a:r>
+              <a:rPr lang="en-US" smtClean="0"/>
+              <a:t>Click to edit Master title style</a:t>
+            </a:r>
+            <a:endParaRPr lang="en-US" dirty="0"/>
+          </a:p>
+        </p:txBody>
+      </p:sp>
+      <p:sp>
+        <p:nvSpPr>
+          <p:cNvPr id="3" name="Text Placeholder 2"/>
+          <p:cNvSpPr>
+            <a:spLocks noGrp="1"/>
+          </p:cNvSpPr>
+          <p:nvPr>
+            <p:ph type="body" idx="1"/>
+          </p:nvPr>
+        </p:nvSpPr>
+        <p:spPr>
+          <a:xfrm>
+            <a:off x="1295401" y="2556932"/>
+            <a:ext cx="9601196" cy="3318936"/>
           </a:xfrm>
           <a:prstGeom prst="rect">
             <a:avLst/>
           </a:prstGeom>
         </p:spPr>
         <p:txBody>
-          <a:bodyPr vert="horz" lIns="91440" tIns="45720" rIns="91440" bIns="45720" rtlCol="0" anchor="ctr">
+          <a:bodyPr vert="horz" lIns="91440" tIns="45720" rIns="91440" bIns="45720" rtlCol="0" anchor="t">
             <a:normAutofit/>
           </a:bodyPr>
           <a:lstStyle/>
           <a:p>
-            <a:r>
-              <a:rPr lang="en-US" smtClean="0"/>
-              <a:t>Click to edit Master title style</a:t>
-            </a:r>
-            <a:endParaRPr lang="en-US"/>
-          </a:p>
-        </p:txBody>
-      </p:sp>
-      <p:sp>
-        <p:nvSpPr>
-          <p:cNvPr id="3" name="Text Placeholder 2"/>
-          <p:cNvSpPr>
-            <a:spLocks noGrp="1"/>
-          </p:cNvSpPr>
-          <p:nvPr>
-            <p:ph type="body" idx="1"/>
+            <a:pPr lvl="0"/>
+            <a:r>
+              <a:rPr lang="en-US" smtClean="0"/>
+              <a:t>Click to edit Master text styles</a:t>
+            </a:r>
+            <a:endParaRPr lang="en-US" smtClean="0"/>
+          </a:p>
+          <a:p>
+            <a:pPr lvl="1"/>
+            <a:r>
+              <a:rPr lang="en-US" smtClean="0"/>
+              <a:t>Second level</a:t>
+            </a:r>
+            <a:endParaRPr lang="en-US" smtClean="0"/>
+          </a:p>
+          <a:p>
+            <a:pPr lvl="2"/>
+            <a:r>
+              <a:rPr lang="en-US" smtClean="0"/>
+              <a:t>Third level</a:t>
+            </a:r>
+            <a:endParaRPr lang="en-US" smtClean="0"/>
+          </a:p>
+          <a:p>
+            <a:pPr lvl="3"/>
+            <a:r>
+              <a:rPr lang="en-US" smtClean="0"/>
+              <a:t>Fourth level</a:t>
+            </a:r>
+            <a:endParaRPr lang="en-US" smtClean="0"/>
+          </a:p>
+          <a:p>
+            <a:pPr lvl="4"/>
+            <a:r>
+              <a:rPr lang="en-US" smtClean="0"/>
+              <a:t>Fifth level</a:t>
+            </a:r>
+            <a:endParaRPr lang="en-US" dirty="0"/>
+          </a:p>
+        </p:txBody>
+      </p:sp>
+      <p:sp>
+        <p:nvSpPr>
+          <p:cNvPr id="4" name="Date Placeholder 3"/>
+          <p:cNvSpPr>
+            <a:spLocks noGrp="1"/>
+          </p:cNvSpPr>
+          <p:nvPr>
+            <p:ph type="dt" sz="half" idx="2"/>
           </p:nvPr>
         </p:nvSpPr>
         <p:spPr>
           <a:xfrm>
-            <a:off x="838200" y="1825625"/>
-            <a:ext cx="10515600" cy="4351338"/>
+            <a:off x="8677501" y="5969000"/>
+            <a:ext cx="1600200" cy="279400"/>
           </a:xfrm>
           <a:prstGeom prst="rect">
             <a:avLst/>
           </a:prstGeom>
         </p:spPr>
         <p:txBody>
-          <a:bodyPr vert="horz" lIns="91440" tIns="45720" rIns="91440" bIns="45720" rtlCol="0">
-            <a:normAutofit/>
-          </a:bodyPr>
-          <a:lstStyle/>
-          <a:p>
-            <a:pPr lvl="0"/>
-            <a:r>
-              <a:rPr lang="en-US" smtClean="0"/>
-              <a:t>Click to edit Master text styles</a:t>
-            </a:r>
-          </a:p>
-          <a:p>
-            <a:pPr lvl="1"/>
-            <a:r>
-              <a:rPr lang="en-US" smtClean="0"/>
-              <a:t>Second level</a:t>
-            </a:r>
-          </a:p>
-          <a:p>
-            <a:pPr lvl="2"/>
-            <a:r>
-              <a:rPr lang="en-US" smtClean="0"/>
-              <a:t>Third level</a:t>
-            </a:r>
-          </a:p>
-          <a:p>
-            <a:pPr lvl="3"/>
-            <a:r>
-              <a:rPr lang="en-US" smtClean="0"/>
-              <a:t>Fourth level</a:t>
-            </a:r>
-          </a:p>
-          <a:p>
-            <a:pPr lvl="4"/>
-            <a:r>
-              <a:rPr lang="en-US" smtClean="0"/>
-              <a:t>Fifth level</a:t>
-            </a:r>
-            <a:endParaRPr lang="en-US"/>
-          </a:p>
-        </p:txBody>
-      </p:sp>
-      <p:sp>
-        <p:nvSpPr>
-          <p:cNvPr id="4" name="Date Placeholder 3"/>
-          <p:cNvSpPr>
-            <a:spLocks noGrp="1"/>
-          </p:cNvSpPr>
-          <p:nvPr>
-            <p:ph type="dt" sz="half" idx="2"/>
+          <a:bodyPr vert="horz" lIns="91440" tIns="45720" rIns="91440" bIns="45720" rtlCol="0" anchor="ctr"/>
+          <a:lstStyle>
+            <a:lvl1pPr algn="r">
+              <a:defRPr sz="1000" b="0" i="0">
+                <a:solidFill>
+                  <a:schemeClr val="tx1"/>
+                </a:solidFill>
+                <a:effectLst/>
+                <a:latin typeface="+mn-lt"/>
+              </a:defRPr>
+            </a:lvl1pPr>
+          </a:lstStyle>
+          <a:p>
+            <a:fld id="{B61BEF0D-F0BB-DE4B-95CE-6DB70DBA9567}" type="datetimeFigureOut">
+              <a:rPr lang="en-US" dirty="0"/>
+            </a:fld>
+            <a:endParaRPr lang="en-US" dirty="0"/>
+          </a:p>
+        </p:txBody>
+      </p:sp>
+      <p:sp>
+        <p:nvSpPr>
+          <p:cNvPr id="5" name="Footer Placeholder 4"/>
+          <p:cNvSpPr>
+            <a:spLocks noGrp="1"/>
+          </p:cNvSpPr>
+          <p:nvPr>
+            <p:ph type="ftr" sz="quarter" idx="3"/>
           </p:nvPr>
         </p:nvSpPr>
         <p:spPr>
           <a:xfrm>
-            <a:off x="838200" y="6356350"/>
-            <a:ext cx="2743200" cy="365125"/>
+            <a:off x="1295401" y="5969000"/>
+            <a:ext cx="7305900" cy="279400"/>
           </a:xfrm>
           <a:prstGeom prst="rect">
             <a:avLst/>
@@ -2547,38 +5304,34 @@
           <a:bodyPr vert="horz" lIns="91440" tIns="45720" rIns="91440" bIns="45720" rtlCol="0" anchor="ctr"/>
           <a:lstStyle>
             <a:lvl1pPr algn="l">
-              <a:defRPr sz="1200">
-                <a:solidFill>
-                  <a:schemeClr val="tx1">
-                    <a:tint val="75000"/>
-                  </a:schemeClr>
-                </a:solidFill>
+              <a:defRPr sz="1000" b="0" i="0">
+                <a:solidFill>
+                  <a:schemeClr val="tx1"/>
+                </a:solidFill>
+                <a:effectLst/>
+                <a:latin typeface="+mn-lt"/>
               </a:defRPr>
             </a:lvl1pPr>
           </a:lstStyle>
           <a:p>
-            <a:fld id="{63A1C593-65D0-4073-BCC9-577B9352EA97}" type="datetimeFigureOut">
-              <a:rPr lang="en-US" smtClean="0"/>
-              <a:t>11/27/2015</a:t>
-            </a:fld>
-            <a:endParaRPr lang="en-US"/>
-          </a:p>
-        </p:txBody>
-      </p:sp>
-      <p:sp>
-        <p:nvSpPr>
-          <p:cNvPr id="5" name="Footer Placeholder 4"/>
-          <p:cNvSpPr>
-            <a:spLocks noGrp="1"/>
-          </p:cNvSpPr>
-          <p:nvPr>
-            <p:ph type="ftr" sz="quarter" idx="3"/>
+            <a:endParaRPr lang="en-US" dirty="0"/>
+          </a:p>
+        </p:txBody>
+      </p:sp>
+      <p:sp>
+        <p:nvSpPr>
+          <p:cNvPr id="6" name="Slide Number Placeholder 5"/>
+          <p:cNvSpPr>
+            <a:spLocks noGrp="1"/>
+          </p:cNvSpPr>
+          <p:nvPr>
+            <p:ph type="sldNum" sz="quarter" idx="4"/>
           </p:nvPr>
         </p:nvSpPr>
         <p:spPr>
           <a:xfrm>
-            <a:off x="4038600" y="6356350"/>
-            <a:ext cx="4114800" cy="365125"/>
+            <a:off x="10353901" y="5969000"/>
+            <a:ext cx="542697" cy="279400"/>
           </a:xfrm>
           <a:prstGeom prst="rect">
             <a:avLst/>
@@ -2587,68 +5340,25 @@
         <p:txBody>
           <a:bodyPr vert="horz" lIns="91440" tIns="45720" rIns="91440" bIns="45720" rtlCol="0" anchor="ctr"/>
           <a:lstStyle>
-            <a:lvl1pPr algn="ctr">
-              <a:defRPr sz="1200">
-                <a:solidFill>
-                  <a:schemeClr val="tx1">
-                    <a:tint val="75000"/>
-                  </a:schemeClr>
-                </a:solidFill>
+            <a:lvl1pPr algn="r">
+              <a:defRPr sz="1000" b="0" i="0">
+                <a:solidFill>
+                  <a:schemeClr val="tx1"/>
+                </a:solidFill>
+                <a:effectLst/>
+                <a:latin typeface="+mn-lt"/>
               </a:defRPr>
             </a:lvl1pPr>
           </a:lstStyle>
           <a:p>
-            <a:endParaRPr lang="en-US"/>
-          </a:p>
-        </p:txBody>
-      </p:sp>
-      <p:sp>
-        <p:nvSpPr>
-          <p:cNvPr id="6" name="Slide Number Placeholder 5"/>
-          <p:cNvSpPr>
-            <a:spLocks noGrp="1"/>
-          </p:cNvSpPr>
-          <p:nvPr>
-            <p:ph type="sldNum" sz="quarter" idx="4"/>
-          </p:nvPr>
-        </p:nvSpPr>
-        <p:spPr>
-          <a:xfrm>
-            <a:off x="8610600" y="6356350"/>
-            <a:ext cx="2743200" cy="365125"/>
-          </a:xfrm>
-          <a:prstGeom prst="rect">
-            <a:avLst/>
-          </a:prstGeom>
-        </p:spPr>
-        <p:txBody>
-          <a:bodyPr vert="horz" lIns="91440" tIns="45720" rIns="91440" bIns="45720" rtlCol="0" anchor="ctr"/>
-          <a:lstStyle>
-            <a:lvl1pPr algn="r">
-              <a:defRPr sz="1200">
-                <a:solidFill>
-                  <a:schemeClr val="tx1">
-                    <a:tint val="75000"/>
-                  </a:schemeClr>
-                </a:solidFill>
-              </a:defRPr>
-            </a:lvl1pPr>
-          </a:lstStyle>
-          <a:p>
-            <a:fld id="{9B618960-8005-486C-9A75-10CB2AAC16F9}" type="slidenum">
-              <a:rPr lang="en-US" smtClean="0"/>
-              <a:t>‹#›</a:t>
+            <a:fld id="{D57F1E4F-1CFF-5643-939E-217C01CDF565}" type="slidenum">
+              <a:rPr lang="en-US" dirty="0"/>
             </a:fld>
-            <a:endParaRPr lang="en-US"/>
+            <a:endParaRPr lang="en-US" dirty="0"/>
           </a:p>
         </p:txBody>
       </p:sp>
     </p:spTree>
-    <p:extLst>
-      <p:ext uri="{BB962C8B-B14F-4D97-AF65-F5344CB8AC3E}">
-        <p14:creationId xmlns:p14="http://schemas.microsoft.com/office/powerpoint/2010/main" val="3597300896"/>
-      </p:ext>
-    </p:extLst>
   </p:cSld>
   <p:clrMap bg1="lt1" tx1="dk1" bg2="lt2" tx2="dk2" accent1="accent1" accent2="accent2" accent3="accent3" accent4="accent4" accent5="accent5" accent6="accent6" hlink="hlink" folHlink="folHlink"/>
   <p:sldLayoutIdLst>
@@ -2663,185 +5373,323 @@
     <p:sldLayoutId id="2147483657" r:id="rId9"/>
     <p:sldLayoutId id="2147483658" r:id="rId10"/>
     <p:sldLayoutId id="2147483659" r:id="rId11"/>
+    <p:sldLayoutId id="2147483660" r:id="rId12"/>
+    <p:sldLayoutId id="2147483661" r:id="rId13"/>
+    <p:sldLayoutId id="2147483662" r:id="rId14"/>
+    <p:sldLayoutId id="2147483663" r:id="rId15"/>
+    <p:sldLayoutId id="2147483664" r:id="rId16"/>
+    <p:sldLayoutId id="2147483665" r:id="rId17"/>
   </p:sldLayoutIdLst>
   <p:txStyles>
     <p:titleStyle>
-      <a:lvl1pPr algn="l" defTabSz="914400" rtl="0" eaLnBrk="1" latinLnBrk="0" hangingPunct="1">
-        <a:lnSpc>
-          <a:spcPct val="90000"/>
-        </a:lnSpc>
+      <a:lvl1pPr algn="ctr" defTabSz="457200" rtl="0" eaLnBrk="1" latinLnBrk="0" hangingPunct="1">
         <a:spcBef>
           <a:spcPct val="0"/>
         </a:spcBef>
         <a:buNone/>
-        <a:defRPr sz="4400" kern="1200">
+        <a:defRPr sz="4400" kern="1200" cap="none">
+          <a:ln w="3175" cmpd="sng">
+            <a:noFill/>
+          </a:ln>
           <a:solidFill>
-            <a:schemeClr val="tx1"/>
+            <a:schemeClr val="tx1">
+              <a:lumMod val="85000"/>
+              <a:lumOff val="15000"/>
+            </a:schemeClr>
           </a:solidFill>
+          <a:effectLst/>
           <a:latin typeface="+mj-lt"/>
           <a:ea typeface="+mj-ea"/>
           <a:cs typeface="+mj-cs"/>
         </a:defRPr>
       </a:lvl1pPr>
+      <a:lvl2pPr eaLnBrk="1" hangingPunct="1">
+        <a:defRPr>
+          <a:solidFill>
+            <a:schemeClr val="tx2"/>
+          </a:solidFill>
+        </a:defRPr>
+      </a:lvl2pPr>
+      <a:lvl3pPr eaLnBrk="1" hangingPunct="1">
+        <a:defRPr>
+          <a:solidFill>
+            <a:schemeClr val="tx2"/>
+          </a:solidFill>
+        </a:defRPr>
+      </a:lvl3pPr>
+      <a:lvl4pPr eaLnBrk="1" hangingPunct="1">
+        <a:defRPr>
+          <a:solidFill>
+            <a:schemeClr val="tx2"/>
+          </a:solidFill>
+        </a:defRPr>
+      </a:lvl4pPr>
+      <a:lvl5pPr eaLnBrk="1" hangingPunct="1">
+        <a:defRPr>
+          <a:solidFill>
+            <a:schemeClr val="tx2"/>
+          </a:solidFill>
+        </a:defRPr>
+      </a:lvl5pPr>
+      <a:lvl6pPr eaLnBrk="1" hangingPunct="1">
+        <a:defRPr>
+          <a:solidFill>
+            <a:schemeClr val="tx2"/>
+          </a:solidFill>
+        </a:defRPr>
+      </a:lvl6pPr>
+      <a:lvl7pPr eaLnBrk="1" hangingPunct="1">
+        <a:defRPr>
+          <a:solidFill>
+            <a:schemeClr val="tx2"/>
+          </a:solidFill>
+        </a:defRPr>
+      </a:lvl7pPr>
+      <a:lvl8pPr eaLnBrk="1" hangingPunct="1">
+        <a:defRPr>
+          <a:solidFill>
+            <a:schemeClr val="tx2"/>
+          </a:solidFill>
+        </a:defRPr>
+      </a:lvl8pPr>
+      <a:lvl9pPr eaLnBrk="1" hangingPunct="1">
+        <a:defRPr>
+          <a:solidFill>
+            <a:schemeClr val="tx2"/>
+          </a:solidFill>
+        </a:defRPr>
+      </a:lvl9pPr>
     </p:titleStyle>
     <p:bodyStyle>
-      <a:lvl1pPr marL="228600" indent="-228600" algn="l" defTabSz="914400" rtl="0" eaLnBrk="1" latinLnBrk="0" hangingPunct="1">
-        <a:lnSpc>
-          <a:spcPct val="90000"/>
-        </a:lnSpc>
+      <a:lvl1pPr marL="285750" indent="-285750" algn="l" defTabSz="457200" rtl="0" eaLnBrk="1" latinLnBrk="0" hangingPunct="1">
         <a:spcBef>
-          <a:spcPts val="1000"/>
+          <a:spcPct val="20000"/>
         </a:spcBef>
-        <a:buFont typeface="Arial" panose="020B0604020202020204" pitchFamily="34" charset="0"/>
+        <a:spcAft>
+          <a:spcPts val="600"/>
+        </a:spcAft>
+        <a:buClr>
+          <a:schemeClr val="accent1"/>
+        </a:buClr>
+        <a:buSzPct val="115000"/>
+        <a:buFont typeface="Arial" panose="020B0604020202020204"/>
         <a:buChar char="•"/>
-        <a:defRPr sz="2800" kern="1200">
+        <a:defRPr sz="2400" kern="1200" cap="none">
           <a:solidFill>
-            <a:schemeClr val="tx1"/>
+            <a:schemeClr val="tx1">
+              <a:lumMod val="85000"/>
+              <a:lumOff val="15000"/>
+            </a:schemeClr>
           </a:solidFill>
+          <a:effectLst/>
           <a:latin typeface="+mn-lt"/>
           <a:ea typeface="+mn-ea"/>
           <a:cs typeface="+mn-cs"/>
         </a:defRPr>
       </a:lvl1pPr>
-      <a:lvl2pPr marL="685800" indent="-228600" algn="l" defTabSz="914400" rtl="0" eaLnBrk="1" latinLnBrk="0" hangingPunct="1">
-        <a:lnSpc>
-          <a:spcPct val="90000"/>
-        </a:lnSpc>
+      <a:lvl2pPr marL="742950" indent="-285750" algn="l" defTabSz="457200" rtl="0" eaLnBrk="1" latinLnBrk="0" hangingPunct="1">
         <a:spcBef>
-          <a:spcPts val="500"/>
+          <a:spcPct val="20000"/>
         </a:spcBef>
-        <a:buFont typeface="Arial" panose="020B0604020202020204" pitchFamily="34" charset="0"/>
+        <a:spcAft>
+          <a:spcPts val="600"/>
+        </a:spcAft>
+        <a:buClr>
+          <a:schemeClr val="accent1"/>
+        </a:buClr>
+        <a:buSzPct val="115000"/>
+        <a:buFont typeface="Arial" panose="020B0604020202020204"/>
         <a:buChar char="•"/>
-        <a:defRPr sz="2400" kern="1200">
+        <a:defRPr sz="2000" kern="1200" cap="none">
           <a:solidFill>
-            <a:schemeClr val="tx1"/>
+            <a:schemeClr val="tx1">
+              <a:lumMod val="85000"/>
+              <a:lumOff val="15000"/>
+            </a:schemeClr>
           </a:solidFill>
+          <a:effectLst/>
           <a:latin typeface="+mn-lt"/>
           <a:ea typeface="+mn-ea"/>
           <a:cs typeface="+mn-cs"/>
         </a:defRPr>
       </a:lvl2pPr>
-      <a:lvl3pPr marL="1143000" indent="-228600" algn="l" defTabSz="914400" rtl="0" eaLnBrk="1" latinLnBrk="0" hangingPunct="1">
-        <a:lnSpc>
-          <a:spcPct val="90000"/>
-        </a:lnSpc>
+      <a:lvl3pPr marL="1200150" indent="-285750" algn="l" defTabSz="457200" rtl="0" eaLnBrk="1" latinLnBrk="0" hangingPunct="1">
         <a:spcBef>
-          <a:spcPts val="500"/>
+          <a:spcPct val="20000"/>
         </a:spcBef>
-        <a:buFont typeface="Arial" panose="020B0604020202020204" pitchFamily="34" charset="0"/>
+        <a:spcAft>
+          <a:spcPts val="600"/>
+        </a:spcAft>
+        <a:buClr>
+          <a:schemeClr val="accent1"/>
+        </a:buClr>
+        <a:buSzPct val="115000"/>
+        <a:buFont typeface="Arial" panose="020B0604020202020204"/>
         <a:buChar char="•"/>
-        <a:defRPr sz="2000" kern="1200">
+        <a:defRPr sz="1800" kern="1200" cap="none">
           <a:solidFill>
-            <a:schemeClr val="tx1"/>
+            <a:schemeClr val="tx1">
+              <a:lumMod val="85000"/>
+              <a:lumOff val="15000"/>
+            </a:schemeClr>
           </a:solidFill>
+          <a:effectLst/>
           <a:latin typeface="+mn-lt"/>
           <a:ea typeface="+mn-ea"/>
           <a:cs typeface="+mn-cs"/>
         </a:defRPr>
       </a:lvl3pPr>
-      <a:lvl4pPr marL="1600200" indent="-228600" algn="l" defTabSz="914400" rtl="0" eaLnBrk="1" latinLnBrk="0" hangingPunct="1">
-        <a:lnSpc>
-          <a:spcPct val="90000"/>
-        </a:lnSpc>
+      <a:lvl4pPr marL="1543050" indent="-171450" algn="l" defTabSz="457200" rtl="0" eaLnBrk="1" latinLnBrk="0" hangingPunct="1">
         <a:spcBef>
-          <a:spcPts val="500"/>
+          <a:spcPct val="20000"/>
         </a:spcBef>
-        <a:buFont typeface="Arial" panose="020B0604020202020204" pitchFamily="34" charset="0"/>
+        <a:spcAft>
+          <a:spcPts val="600"/>
+        </a:spcAft>
+        <a:buClr>
+          <a:schemeClr val="accent1"/>
+        </a:buClr>
+        <a:buSzPct val="115000"/>
+        <a:buFont typeface="Arial" panose="020B0604020202020204"/>
         <a:buChar char="•"/>
-        <a:defRPr sz="1800" kern="1200">
+        <a:defRPr sz="1600" kern="1200" cap="none">
           <a:solidFill>
-            <a:schemeClr val="tx1"/>
+            <a:schemeClr val="tx1">
+              <a:lumMod val="85000"/>
+              <a:lumOff val="15000"/>
+            </a:schemeClr>
           </a:solidFill>
+          <a:effectLst/>
           <a:latin typeface="+mn-lt"/>
           <a:ea typeface="+mn-ea"/>
           <a:cs typeface="+mn-cs"/>
         </a:defRPr>
       </a:lvl4pPr>
-      <a:lvl5pPr marL="2057400" indent="-228600" algn="l" defTabSz="914400" rtl="0" eaLnBrk="1" latinLnBrk="0" hangingPunct="1">
-        <a:lnSpc>
-          <a:spcPct val="90000"/>
-        </a:lnSpc>
+      <a:lvl5pPr marL="2000250" indent="-171450" algn="l" defTabSz="457200" rtl="0" eaLnBrk="1" latinLnBrk="0" hangingPunct="1">
         <a:spcBef>
-          <a:spcPts val="500"/>
+          <a:spcPct val="20000"/>
         </a:spcBef>
-        <a:buFont typeface="Arial" panose="020B0604020202020204" pitchFamily="34" charset="0"/>
+        <a:spcAft>
+          <a:spcPts val="600"/>
+        </a:spcAft>
+        <a:buClr>
+          <a:schemeClr val="accent1"/>
+        </a:buClr>
+        <a:buSzPct val="115000"/>
+        <a:buFont typeface="Arial" panose="020B0604020202020204"/>
         <a:buChar char="•"/>
-        <a:defRPr sz="1800" kern="1200">
+        <a:defRPr sz="1400" kern="1200" cap="none">
           <a:solidFill>
-            <a:schemeClr val="tx1"/>
+            <a:schemeClr val="tx1">
+              <a:lumMod val="85000"/>
+              <a:lumOff val="15000"/>
+            </a:schemeClr>
           </a:solidFill>
+          <a:effectLst/>
           <a:latin typeface="+mn-lt"/>
           <a:ea typeface="+mn-ea"/>
           <a:cs typeface="+mn-cs"/>
         </a:defRPr>
       </a:lvl5pPr>
-      <a:lvl6pPr marL="2514600" indent="-228600" algn="l" defTabSz="914400" rtl="0" eaLnBrk="1" latinLnBrk="0" hangingPunct="1">
-        <a:lnSpc>
-          <a:spcPct val="90000"/>
-        </a:lnSpc>
+      <a:lvl6pPr marL="2514600" indent="-228600" algn="l" defTabSz="457200" rtl="0" eaLnBrk="1" latinLnBrk="0" hangingPunct="1">
         <a:spcBef>
-          <a:spcPts val="500"/>
+          <a:spcPct val="20000"/>
         </a:spcBef>
-        <a:buFont typeface="Arial" panose="020B0604020202020204" pitchFamily="34" charset="0"/>
+        <a:spcAft>
+          <a:spcPts val="600"/>
+        </a:spcAft>
+        <a:buClr>
+          <a:schemeClr val="accent1"/>
+        </a:buClr>
+        <a:buSzPct val="115000"/>
+        <a:buFont typeface="Arial" panose="020B0604020202020204"/>
         <a:buChar char="•"/>
-        <a:defRPr sz="1800" kern="1200">
+        <a:defRPr sz="1400" kern="1200" cap="none">
           <a:solidFill>
-            <a:schemeClr val="tx1"/>
+            <a:schemeClr val="tx1">
+              <a:lumMod val="85000"/>
+              <a:lumOff val="15000"/>
+            </a:schemeClr>
           </a:solidFill>
+          <a:effectLst/>
           <a:latin typeface="+mn-lt"/>
           <a:ea typeface="+mn-ea"/>
           <a:cs typeface="+mn-cs"/>
         </a:defRPr>
       </a:lvl6pPr>
-      <a:lvl7pPr marL="2971800" indent="-228600" algn="l" defTabSz="914400" rtl="0" eaLnBrk="1" latinLnBrk="0" hangingPunct="1">
-        <a:lnSpc>
-          <a:spcPct val="90000"/>
-        </a:lnSpc>
+      <a:lvl7pPr marL="2971800" indent="-228600" algn="l" defTabSz="457200" rtl="0" eaLnBrk="1" latinLnBrk="0" hangingPunct="1">
         <a:spcBef>
-          <a:spcPts val="500"/>
+          <a:spcPct val="20000"/>
         </a:spcBef>
-        <a:buFont typeface="Arial" panose="020B0604020202020204" pitchFamily="34" charset="0"/>
+        <a:spcAft>
+          <a:spcPts val="600"/>
+        </a:spcAft>
+        <a:buClr>
+          <a:schemeClr val="accent1"/>
+        </a:buClr>
+        <a:buSzPct val="115000"/>
+        <a:buFont typeface="Arial" panose="020B0604020202020204"/>
         <a:buChar char="•"/>
-        <a:defRPr sz="1800" kern="1200">
+        <a:defRPr sz="1400" kern="1200" cap="none">
           <a:solidFill>
-            <a:schemeClr val="tx1"/>
+            <a:schemeClr val="tx1">
+              <a:lumMod val="85000"/>
+              <a:lumOff val="15000"/>
+            </a:schemeClr>
           </a:solidFill>
+          <a:effectLst/>
           <a:latin typeface="+mn-lt"/>
           <a:ea typeface="+mn-ea"/>
           <a:cs typeface="+mn-cs"/>
         </a:defRPr>
       </a:lvl7pPr>
-      <a:lvl8pPr marL="3429000" indent="-228600" algn="l" defTabSz="914400" rtl="0" eaLnBrk="1" latinLnBrk="0" hangingPunct="1">
-        <a:lnSpc>
-          <a:spcPct val="90000"/>
-        </a:lnSpc>
+      <a:lvl8pPr marL="3429000" indent="-228600" algn="l" defTabSz="457200" rtl="0" eaLnBrk="1" latinLnBrk="0" hangingPunct="1">
         <a:spcBef>
-          <a:spcPts val="500"/>
+          <a:spcPct val="20000"/>
         </a:spcBef>
-        <a:buFont typeface="Arial" panose="020B0604020202020204" pitchFamily="34" charset="0"/>
+        <a:spcAft>
+          <a:spcPts val="600"/>
+        </a:spcAft>
+        <a:buClr>
+          <a:schemeClr val="accent1"/>
+        </a:buClr>
+        <a:buSzPct val="115000"/>
+        <a:buFont typeface="Arial" panose="020B0604020202020204"/>
         <a:buChar char="•"/>
-        <a:defRPr sz="1800" kern="1200">
+        <a:defRPr sz="1400" kern="1200" cap="none">
           <a:solidFill>
-            <a:schemeClr val="tx1"/>
+            <a:schemeClr val="tx1">
+              <a:lumMod val="85000"/>
+              <a:lumOff val="15000"/>
+            </a:schemeClr>
           </a:solidFill>
+          <a:effectLst/>
           <a:latin typeface="+mn-lt"/>
           <a:ea typeface="+mn-ea"/>
           <a:cs typeface="+mn-cs"/>
         </a:defRPr>
       </a:lvl8pPr>
-      <a:lvl9pPr marL="3886200" indent="-228600" algn="l" defTabSz="914400" rtl="0" eaLnBrk="1" latinLnBrk="0" hangingPunct="1">
-        <a:lnSpc>
-          <a:spcPct val="90000"/>
-        </a:lnSpc>
+      <a:lvl9pPr marL="3886200" indent="-228600" algn="l" defTabSz="457200" rtl="0" eaLnBrk="1" latinLnBrk="0" hangingPunct="1">
         <a:spcBef>
-          <a:spcPts val="500"/>
+          <a:spcPct val="20000"/>
         </a:spcBef>
-        <a:buFont typeface="Arial" panose="020B0604020202020204" pitchFamily="34" charset="0"/>
+        <a:spcAft>
+          <a:spcPts val="600"/>
+        </a:spcAft>
+        <a:buClr>
+          <a:schemeClr val="accent1"/>
+        </a:buClr>
+        <a:buSzPct val="115000"/>
+        <a:buFont typeface="Arial" panose="020B0604020202020204"/>
         <a:buChar char="•"/>
-        <a:defRPr sz="1800" kern="1200">
+        <a:defRPr sz="1400" kern="1200" cap="none">
           <a:solidFill>
-            <a:schemeClr val="tx1"/>
+            <a:schemeClr val="tx1">
+              <a:lumMod val="85000"/>
+              <a:lumOff val="15000"/>
+            </a:schemeClr>
           </a:solidFill>
+          <a:effectLst/>
           <a:latin typeface="+mn-lt"/>
           <a:ea typeface="+mn-ea"/>
           <a:cs typeface="+mn-cs"/>
@@ -2852,7 +5700,7 @@
       <a:defPPr>
         <a:defRPr lang="en-US"/>
       </a:defPPr>
-      <a:lvl1pPr marL="0" algn="l" defTabSz="914400" rtl="0" eaLnBrk="1" latinLnBrk="0" hangingPunct="1">
+      <a:lvl1pPr marL="0" algn="l" defTabSz="457200" rtl="0" eaLnBrk="1" latinLnBrk="0" hangingPunct="1">
         <a:defRPr sz="1800" kern="1200">
           <a:solidFill>
             <a:schemeClr val="tx1"/>
@@ -2862,7 +5710,7 @@
           <a:cs typeface="+mn-cs"/>
         </a:defRPr>
       </a:lvl1pPr>
-      <a:lvl2pPr marL="457200" algn="l" defTabSz="914400" rtl="0" eaLnBrk="1" latinLnBrk="0" hangingPunct="1">
+      <a:lvl2pPr marL="457200" algn="l" defTabSz="457200" rtl="0" eaLnBrk="1" latinLnBrk="0" hangingPunct="1">
         <a:defRPr sz="1800" kern="1200">
           <a:solidFill>
             <a:schemeClr val="tx1"/>
@@ -2872,7 +5720,7 @@
           <a:cs typeface="+mn-cs"/>
         </a:defRPr>
       </a:lvl2pPr>
-      <a:lvl3pPr marL="914400" algn="l" defTabSz="914400" rtl="0" eaLnBrk="1" latinLnBrk="0" hangingPunct="1">
+      <a:lvl3pPr marL="914400" algn="l" defTabSz="457200" rtl="0" eaLnBrk="1" latinLnBrk="0" hangingPunct="1">
         <a:defRPr sz="1800" kern="1200">
           <a:solidFill>
             <a:schemeClr val="tx1"/>
@@ -2882,7 +5730,7 @@
           <a:cs typeface="+mn-cs"/>
         </a:defRPr>
       </a:lvl3pPr>
-      <a:lvl4pPr marL="1371600" algn="l" defTabSz="914400" rtl="0" eaLnBrk="1" latinLnBrk="0" hangingPunct="1">
+      <a:lvl4pPr marL="1371600" algn="l" defTabSz="457200" rtl="0" eaLnBrk="1" latinLnBrk="0" hangingPunct="1">
         <a:defRPr sz="1800" kern="1200">
           <a:solidFill>
             <a:schemeClr val="tx1"/>
@@ -2892,7 +5740,7 @@
           <a:cs typeface="+mn-cs"/>
         </a:defRPr>
       </a:lvl4pPr>
-      <a:lvl5pPr marL="1828800" algn="l" defTabSz="914400" rtl="0" eaLnBrk="1" latinLnBrk="0" hangingPunct="1">
+      <a:lvl5pPr marL="1828800" algn="l" defTabSz="457200" rtl="0" eaLnBrk="1" latinLnBrk="0" hangingPunct="1">
         <a:defRPr sz="1800" kern="1200">
           <a:solidFill>
             <a:schemeClr val="tx1"/>
@@ -2902,7 +5750,7 @@
           <a:cs typeface="+mn-cs"/>
         </a:defRPr>
       </a:lvl5pPr>
-      <a:lvl6pPr marL="2286000" algn="l" defTabSz="914400" rtl="0" eaLnBrk="1" latinLnBrk="0" hangingPunct="1">
+      <a:lvl6pPr marL="2286000" algn="l" defTabSz="457200" rtl="0" eaLnBrk="1" latinLnBrk="0" hangingPunct="1">
         <a:defRPr sz="1800" kern="1200">
           <a:solidFill>
             <a:schemeClr val="tx1"/>
@@ -2912,7 +5760,7 @@
           <a:cs typeface="+mn-cs"/>
         </a:defRPr>
       </a:lvl6pPr>
-      <a:lvl7pPr marL="2743200" algn="l" defTabSz="914400" rtl="0" eaLnBrk="1" latinLnBrk="0" hangingPunct="1">
+      <a:lvl7pPr marL="2743200" algn="l" defTabSz="457200" rtl="0" eaLnBrk="1" latinLnBrk="0" hangingPunct="1">
         <a:defRPr sz="1800" kern="1200">
           <a:solidFill>
             <a:schemeClr val="tx1"/>
@@ -2922,7 +5770,7 @@
           <a:cs typeface="+mn-cs"/>
         </a:defRPr>
       </a:lvl7pPr>
-      <a:lvl8pPr marL="3200400" algn="l" defTabSz="914400" rtl="0" eaLnBrk="1" latinLnBrk="0" hangingPunct="1">
+      <a:lvl8pPr marL="3200400" algn="l" defTabSz="457200" rtl="0" eaLnBrk="1" latinLnBrk="0" hangingPunct="1">
         <a:defRPr sz="1800" kern="1200">
           <a:solidFill>
             <a:schemeClr val="tx1"/>
@@ -2932,7 +5780,7 @@
           <a:cs typeface="+mn-cs"/>
         </a:defRPr>
       </a:lvl8pPr>
-      <a:lvl9pPr marL="3657600" algn="l" defTabSz="914400" rtl="0" eaLnBrk="1" latinLnBrk="0" hangingPunct="1">
+      <a:lvl9pPr marL="3657600" algn="l" defTabSz="457200" rtl="0" eaLnBrk="1" latinLnBrk="0" hangingPunct="1">
         <a:defRPr sz="1800" kern="1200">
           <a:solidFill>
             <a:schemeClr val="tx1"/>
@@ -2979,7 +5827,11 @@
           <a:bodyPr/>
           <a:lstStyle/>
           <a:p>
-            <a:endParaRPr lang="en-US" dirty="0"/>
+            <a:r>
+              <a:rPr lang="en-US" sz="6600" b="1"/>
+              <a:t>sigslot</a:t>
+            </a:r>
+            <a:endParaRPr lang="en-US" sz="6600" b="1"/>
           </a:p>
         </p:txBody>
       </p:sp>
@@ -2998,16 +5850,93 @@
           <a:bodyPr/>
           <a:lstStyle/>
           <a:p>
+            <a:r>
+              <a:rPr lang="en-US" sz="3200"/>
+              <a:t>a lightweight C++ Signals/Slots library</a:t>
+            </a:r>
+            <a:endParaRPr lang="en-US" sz="3200"/>
+          </a:p>
+        </p:txBody>
+      </p:sp>
+      <p:pic>
+        <p:nvPicPr>
+          <p:cNvPr id="11" name="Picture 10" descr="49220145-5d275600-f3fb-11e8-9b96-c5940696931d"/>
+          <p:cNvPicPr>
+            <a:picLocks noChangeAspect="1"/>
+          </p:cNvPicPr>
+          <p:nvPr/>
+        </p:nvPicPr>
+        <p:blipFill>
+          <a:blip r:embed="rId1"/>
+          <a:stretch>
+            <a:fillRect/>
+          </a:stretch>
+        </p:blipFill>
+        <p:spPr>
+          <a:xfrm>
+            <a:off x="2692400" y="1572260"/>
+            <a:ext cx="1814830" cy="1814830"/>
+          </a:xfrm>
+          <a:prstGeom prst="rect">
+            <a:avLst/>
+          </a:prstGeom>
+        </p:spPr>
+      </p:pic>
+    </p:spTree>
+  </p:cSld>
+  <p:clrMapOvr>
+    <a:masterClrMapping/>
+  </p:clrMapOvr>
+</p:sld>
+</file>
+
+<file path=ppt/slides/slide2.xml><?xml version="1.0" encoding="utf-8"?>
+<p:sld xmlns:a="http://schemas.openxmlformats.org/drawingml/2006/main" xmlns:r="http://schemas.openxmlformats.org/officeDocument/2006/relationships" xmlns:p="http://schemas.openxmlformats.org/presentationml/2006/main">
+  <p:cSld>
+    <p:spTree>
+      <p:nvGrpSpPr>
+        <p:cNvPr id="1" name=""/>
+        <p:cNvGrpSpPr/>
+        <p:nvPr/>
+      </p:nvGrpSpPr>
+      <p:grpSpPr/>
+      <p:sp>
+        <p:nvSpPr>
+          <p:cNvPr id="2" name="Title 1"/>
+          <p:cNvSpPr>
+            <a:spLocks noGrp="1"/>
+          </p:cNvSpPr>
+          <p:nvPr>
+            <p:ph type="title"/>
+          </p:nvPr>
+        </p:nvSpPr>
+        <p:spPr/>
+        <p:txBody>
+          <a:bodyPr/>
+          <a:p>
             <a:endParaRPr lang="en-US"/>
           </a:p>
         </p:txBody>
       </p:sp>
+      <p:sp>
+        <p:nvSpPr>
+          <p:cNvPr id="3" name="Content Placeholder 2"/>
+          <p:cNvSpPr>
+            <a:spLocks noGrp="1"/>
+          </p:cNvSpPr>
+          <p:nvPr>
+            <p:ph idx="1"/>
+          </p:nvPr>
+        </p:nvSpPr>
+        <p:spPr/>
+        <p:txBody>
+          <a:bodyPr/>
+          <a:p>
+            <a:endParaRPr lang="en-US"/>
+          </a:p>
+        </p:txBody>
+      </p:sp>
     </p:spTree>
-    <p:extLst>
-      <p:ext uri="{BB962C8B-B14F-4D97-AF65-F5344CB8AC3E}">
-        <p14:creationId xmlns:p14="http://schemas.microsoft.com/office/powerpoint/2010/main" val="3072013332"/>
-      </p:ext>
-    </p:extLst>
   </p:cSld>
   <p:clrMapOvr>
     <a:masterClrMapping/>
@@ -3016,9 +5945,9 @@
 </file>
 
 <file path=ppt/theme/theme1.xml><?xml version="1.0" encoding="utf-8"?>
-<a:theme xmlns:a="http://schemas.openxmlformats.org/drawingml/2006/main" name="Office Theme">
+<a:theme xmlns:a="http://schemas.openxmlformats.org/drawingml/2006/main" name="Organic">
   <a:themeElements>
-    <a:clrScheme name="Office">
+    <a:clrScheme name="Organic">
       <a:dk1>
         <a:sysClr val="windowText" lastClr="000000"/>
       </a:dk1>
@@ -3026,44 +5955,79 @@
         <a:sysClr val="window" lastClr="FFFFFF"/>
       </a:lt1>
       <a:dk2>
-        <a:srgbClr val="44546A"/>
+        <a:srgbClr val="212121"/>
       </a:dk2>
       <a:lt2>
-        <a:srgbClr val="E7E6E6"/>
+        <a:srgbClr val="DADADA"/>
       </a:lt2>
       <a:accent1>
-        <a:srgbClr val="5B9BD5"/>
+        <a:srgbClr val="B15E28"/>
       </a:accent1>
       <a:accent2>
-        <a:srgbClr val="ED7D31"/>
+        <a:srgbClr val="B13228"/>
       </a:accent2>
       <a:accent3>
-        <a:srgbClr val="A5A5A5"/>
+        <a:srgbClr val="8B7B56"/>
       </a:accent3>
       <a:accent4>
-        <a:srgbClr val="FFC000"/>
+        <a:srgbClr val="E09C41"/>
       </a:accent4>
       <a:accent5>
-        <a:srgbClr val="4472C4"/>
+        <a:srgbClr val="9EAE51"/>
       </a:accent5>
       <a:accent6>
-        <a:srgbClr val="70AD47"/>
+        <a:srgbClr val="6E7355"/>
       </a:accent6>
       <a:hlink>
-        <a:srgbClr val="0563C1"/>
+        <a:srgbClr val="D37A21"/>
       </a:hlink>
       <a:folHlink>
-        <a:srgbClr val="954F72"/>
+        <a:srgbClr val="CA8F55"/>
       </a:folHlink>
     </a:clrScheme>
-    <a:fontScheme name="Office">
+    <a:fontScheme name="Organic">
       <a:majorFont>
-        <a:latin typeface="Calibri Light" panose="020F0302020204030204"/>
+        <a:latin typeface="Garamond"/>
         <a:ea typeface=""/>
         <a:cs typeface=""/>
         <a:font script="Jpan" typeface="ＭＳ Ｐゴシック"/>
-        <a:font script="Hang" typeface="맑은 고딕"/>
-        <a:font script="Hans" typeface="宋体"/>
+        <a:font script="Hang" typeface="돋움"/>
+        <a:font script="Hans" typeface="方正舒体"/>
+        <a:font script="Hant" typeface="微軟正黑體"/>
+        <a:font script="Arab" typeface="Arial"/>
+        <a:font script="Hebr" typeface="Arial"/>
+        <a:font script="Thai" typeface="Cordia New"/>
+        <a:font script="Ethi" typeface="Nyala"/>
+        <a:font script="Beng" typeface="Vrinda"/>
+        <a:font script="Gujr" typeface="Shruti"/>
+        <a:font script="Khmr" typeface="DaunPenh"/>
+        <a:font script="Knda" typeface="Tunga"/>
+        <a:font script="Guru" typeface="Raavi"/>
+        <a:font script="Cans" typeface="Euphemia"/>
+        <a:font script="Cher" typeface="Plantagenet Cherokee"/>
+        <a:font script="Yiii" typeface="Microsoft Yi Baiti"/>
+        <a:font script="Tibt" typeface="Microsoft Himalaya"/>
+        <a:font script="Thaa" typeface="MV Boli"/>
+        <a:font script="Deva" typeface="Mangal"/>
+        <a:font script="Telu" typeface="Gautami"/>
+        <a:font script="Taml" typeface="Latha"/>
+        <a:font script="Syrc" typeface="Estrangelo Edessa"/>
+        <a:font script="Orya" typeface="Kalinga"/>
+        <a:font script="Mlym" typeface="Kartika"/>
+        <a:font script="Laoo" typeface="DokChampa"/>
+        <a:font script="Sinh" typeface="Iskoola Pota"/>
+        <a:font script="Mong" typeface="Mongolian Baiti"/>
+        <a:font script="Viet" typeface="Arial"/>
+        <a:font script="Uigh" typeface="Microsoft Uighur"/>
+        <a:font script="Geor" typeface="Sylfaen"/>
+      </a:majorFont>
+      <a:minorFont>
+        <a:latin typeface="Garamond"/>
+        <a:ea typeface=""/>
+        <a:cs typeface=""/>
+        <a:font script="Jpan" typeface="ＭＳ Ｐ明朝"/>
+        <a:font script="Hang" typeface="바탕"/>
+        <a:font script="Hans" typeface="方正舒体"/>
         <a:font script="Hant" typeface="新細明體"/>
         <a:font script="Arab" typeface="Times New Roman"/>
         <a:font script="Hebr" typeface="Times New Roman"/>
@@ -3091,44 +6055,9 @@
         <a:font script="Viet" typeface="Times New Roman"/>
         <a:font script="Uigh" typeface="Microsoft Uighur"/>
         <a:font script="Geor" typeface="Sylfaen"/>
-      </a:majorFont>
-      <a:minorFont>
-        <a:latin typeface="Calibri" panose="020F0502020204030204"/>
-        <a:ea typeface=""/>
-        <a:cs typeface=""/>
-        <a:font script="Jpan" typeface="ＭＳ Ｐゴシック"/>
-        <a:font script="Hang" typeface="맑은 고딕"/>
-        <a:font script="Hans" typeface="宋体"/>
-        <a:font script="Hant" typeface="新細明體"/>
-        <a:font script="Arab" typeface="Arial"/>
-        <a:font script="Hebr" typeface="Arial"/>
-        <a:font script="Thai" typeface="Cordia New"/>
-        <a:font script="Ethi" typeface="Nyala"/>
-        <a:font script="Beng" typeface="Vrinda"/>
-        <a:font script="Gujr" typeface="Shruti"/>
-        <a:font script="Khmr" typeface="DaunPenh"/>
-        <a:font script="Knda" typeface="Tunga"/>
-        <a:font script="Guru" typeface="Raavi"/>
-        <a:font script="Cans" typeface="Euphemia"/>
-        <a:font script="Cher" typeface="Plantagenet Cherokee"/>
-        <a:font script="Yiii" typeface="Microsoft Yi Baiti"/>
-        <a:font script="Tibt" typeface="Microsoft Himalaya"/>
-        <a:font script="Thaa" typeface="MV Boli"/>
-        <a:font script="Deva" typeface="Mangal"/>
-        <a:font script="Telu" typeface="Gautami"/>
-        <a:font script="Taml" typeface="Latha"/>
-        <a:font script="Syrc" typeface="Estrangelo Edessa"/>
-        <a:font script="Orya" typeface="Kalinga"/>
-        <a:font script="Mlym" typeface="Kartika"/>
-        <a:font script="Laoo" typeface="DokChampa"/>
-        <a:font script="Sinh" typeface="Iskoola Pota"/>
-        <a:font script="Mong" typeface="Mongolian Baiti"/>
-        <a:font script="Viet" typeface="Arial"/>
-        <a:font script="Uigh" typeface="Microsoft Uighur"/>
-        <a:font script="Geor" typeface="Sylfaen"/>
       </a:minorFont>
     </a:fontScheme>
-    <a:fmtScheme name="Office">
+    <a:fmtScheme name="Organic">
       <a:fillStyleLst>
         <a:solidFill>
           <a:schemeClr val="phClr"/>
@@ -3137,76 +6066,54 @@
           <a:gsLst>
             <a:gs pos="0">
               <a:schemeClr val="phClr">
+                <a:tint val="60000"/>
                 <a:lumMod val="110000"/>
-                <a:satMod val="105000"/>
-                <a:tint val="67000"/>
-              </a:schemeClr>
-            </a:gs>
-            <a:gs pos="50000">
-              <a:schemeClr val="phClr">
-                <a:lumMod val="105000"/>
-                <a:satMod val="103000"/>
-                <a:tint val="73000"/>
               </a:schemeClr>
             </a:gs>
             <a:gs pos="100000">
               <a:schemeClr val="phClr">
-                <a:lumMod val="105000"/>
-                <a:satMod val="109000"/>
-                <a:tint val="81000"/>
+                <a:tint val="82000"/>
               </a:schemeClr>
             </a:gs>
           </a:gsLst>
           <a:lin ang="5400000" scaled="0"/>
         </a:gradFill>
-        <a:gradFill rotWithShape="1">
-          <a:gsLst>
-            <a:gs pos="0">
+        <a:blipFill>
+          <a:blip xmlns:r="http://schemas.openxmlformats.org/officeDocument/2006/relationships" r:embed="rId1">
+            <a:duotone>
               <a:schemeClr val="phClr">
-                <a:satMod val="103000"/>
-                <a:lumMod val="102000"/>
+                <a:shade val="74000"/>
+                <a:satMod val="130000"/>
+                <a:lumMod val="90000"/>
+              </a:schemeClr>
+              <a:schemeClr val="phClr">
                 <a:tint val="94000"/>
+                <a:satMod val="120000"/>
+                <a:lumMod val="104000"/>
               </a:schemeClr>
-            </a:gs>
-            <a:gs pos="50000">
-              <a:schemeClr val="phClr">
-                <a:satMod val="110000"/>
-                <a:lumMod val="100000"/>
-                <a:shade val="100000"/>
-              </a:schemeClr>
-            </a:gs>
-            <a:gs pos="100000">
-              <a:schemeClr val="phClr">
-                <a:lumMod val="99000"/>
-                <a:satMod val="120000"/>
-                <a:shade val="78000"/>
-              </a:schemeClr>
-            </a:gs>
-          </a:gsLst>
-          <a:lin ang="5400000" scaled="0"/>
-        </a:gradFill>
+            </a:duotone>
+          </a:blip>
+          <a:tile tx="0" ty="0" sx="100000" sy="100000" flip="none" algn="tl"/>
+        </a:blipFill>
       </a:fillStyleLst>
       <a:lnStyleLst>
-        <a:ln w="6350" cap="flat" cmpd="sng" algn="ctr">
+        <a:ln w="9525" cap="flat" cmpd="sng" algn="ctr">
           <a:solidFill>
             <a:schemeClr val="phClr"/>
           </a:solidFill>
           <a:prstDash val="solid"/>
-          <a:miter lim="800000"/>
         </a:ln>
-        <a:ln w="12700" cap="flat" cmpd="sng" algn="ctr">
+        <a:ln w="15875" cap="flat" cmpd="sng" algn="ctr">
           <a:solidFill>
             <a:schemeClr val="phClr"/>
           </a:solidFill>
           <a:prstDash val="solid"/>
-          <a:miter lim="800000"/>
         </a:ln>
-        <a:ln w="19050" cap="flat" cmpd="sng" algn="ctr">
+        <a:ln w="25400" cap="flat" cmpd="sng" algn="ctr">
           <a:solidFill>
             <a:schemeClr val="phClr"/>
           </a:solidFill>
           <a:prstDash val="solid"/>
-          <a:miter lim="800000"/>
         </a:ln>
       </a:lnStyleLst>
       <a:effectStyleLst>
@@ -3214,13 +6121,19 @@
           <a:effectLst/>
         </a:effectStyle>
         <a:effectStyle>
-          <a:effectLst/>
+          <a:effectLst>
+            <a:innerShdw blurRad="25400" dist="12700" dir="13500000">
+              <a:srgbClr val="000000">
+                <a:alpha val="45000"/>
+              </a:srgbClr>
+            </a:innerShdw>
+          </a:effectLst>
         </a:effectStyle>
         <a:effectStyle>
           <a:effectLst>
-            <a:outerShdw blurRad="57150" dist="19050" dir="5400000" algn="ctr" rotWithShape="0">
+            <a:outerShdw blurRad="38100" dist="25400" dir="5400000" rotWithShape="0">
               <a:srgbClr val="000000">
-                <a:alpha val="63000"/>
+                <a:alpha val="60000"/>
               </a:srgbClr>
             </a:outerShdw>
           </a:effectLst>
@@ -3230,44 +6143,32 @@
         <a:solidFill>
           <a:schemeClr val="phClr"/>
         </a:solidFill>
-        <a:solidFill>
-          <a:schemeClr val="phClr">
-            <a:tint val="95000"/>
-            <a:satMod val="170000"/>
-          </a:schemeClr>
-        </a:solidFill>
         <a:gradFill rotWithShape="1">
           <a:gsLst>
             <a:gs pos="0">
               <a:schemeClr val="phClr">
-                <a:tint val="93000"/>
-                <a:satMod val="150000"/>
-                <a:shade val="98000"/>
-                <a:lumMod val="102000"/>
-              </a:schemeClr>
-            </a:gs>
-            <a:gs pos="50000">
-              <a:schemeClr val="phClr">
-                <a:tint val="98000"/>
-                <a:satMod val="130000"/>
-                <a:shade val="90000"/>
-                <a:lumMod val="103000"/>
+                <a:tint val="90000"/>
+                <a:lumMod val="110000"/>
               </a:schemeClr>
             </a:gs>
             <a:gs pos="100000">
               <a:schemeClr val="phClr">
-                <a:shade val="63000"/>
-                <a:satMod val="120000"/>
+                <a:shade val="88000"/>
+                <a:lumMod val="98000"/>
               </a:schemeClr>
             </a:gs>
           </a:gsLst>
           <a:lin ang="5400000" scaled="0"/>
         </a:gradFill>
+        <a:blipFill>
+          <a:blip xmlns:r="http://schemas.openxmlformats.org/officeDocument/2006/relationships" r:embed="rId2"/>
+          <a:stretch>
+            <a:fillRect/>
+          </a:stretch>
+        </a:blipFill>
       </a:bgFillStyleLst>
     </a:fmtScheme>
   </a:themeElements>
-  <a:objectDefaults/>
-  <a:extraClrSchemeLst/>
   <a:extLst>
     <a:ext uri="{05A4C25C-085E-4340-85A3-A5531E510DB2}">
       <thm15:themeFamily xmlns:thm15="http://schemas.microsoft.com/office/thememl/2012/main" name="Office Theme" id="{62F939B6-93AF-4DB8-9C6B-D6C7DFDC589F}" vid="{4A3C46E8-61CC-4603-A589-7422A47A8E4A}"/>

--- a/sigslot.pptx
+++ b/sigslot.pptx
@@ -5,8 +5,14 @@
     <p:sldMasterId id="2147483648" r:id="rId1"/>
   </p:sldMasterIdLst>
   <p:sldIdLst>
-    <p:sldId id="256" r:id="rId3"/>
-    <p:sldId id="257" r:id="rId4"/>
+    <p:sldId id="256" r:id="rId2"/>
+    <p:sldId id="257" r:id="rId3"/>
+    <p:sldId id="258" r:id="rId4"/>
+    <p:sldId id="259" r:id="rId5"/>
+    <p:sldId id="260" r:id="rId6"/>
+    <p:sldId id="261" r:id="rId7"/>
+    <p:sldId id="262" r:id="rId8"/>
+    <p:sldId id="263" r:id="rId9"/>
   </p:sldIdLst>
   <p:sldSz cx="12192000" cy="6858000"/>
   <p:notesSz cx="6858000" cy="9144000"/>
@@ -109,7 +115,7 @@
 </file>
 
 <file path=ppt/slideLayouts/slideLayout1.xml><?xml version="1.0" encoding="utf-8"?>
-<p:sldLayout xmlns:a="http://schemas.openxmlformats.org/drawingml/2006/main" xmlns:r="http://schemas.openxmlformats.org/officeDocument/2006/relationships" xmlns:p="http://schemas.openxmlformats.org/presentationml/2006/main" type="title" preserve="1" showMasterSp="0">
+<p:sldLayout xmlns:a="http://schemas.openxmlformats.org/drawingml/2006/main" xmlns:r="http://schemas.openxmlformats.org/officeDocument/2006/relationships" xmlns:p="http://schemas.openxmlformats.org/presentationml/2006/main" showMasterSp="0" type="title" preserve="1">
   <p:cSld name="Title Slide">
     <p:spTree>
       <p:nvGrpSpPr>
@@ -443,6 +449,7 @@
           <a:p>
             <a:fld id="{B61BEF0D-F0BB-DE4B-95CE-6DB70DBA9567}" type="datetimeFigureOut">
               <a:rPr lang="en-US" dirty="0"/>
+              <a:t>3/11/2019</a:t>
             </a:fld>
             <a:endParaRPr lang="en-US" dirty="0"/>
           </a:p>
@@ -494,6 +501,7 @@
           <a:p>
             <a:fld id="{D57F1E4F-1CFF-5643-939E-217C01CDF565}" type="slidenum">
               <a:rPr lang="en-US" dirty="0"/>
+              <a:t>‹#›</a:t>
             </a:fld>
             <a:endParaRPr lang="en-US" dirty="0"/>
           </a:p>
@@ -740,7 +748,6 @@
               <a:rPr lang="en-US" smtClean="0"/>
               <a:t>Click to edit Master text styles</a:t>
             </a:r>
-            <a:endParaRPr lang="en-US" smtClean="0"/>
           </a:p>
         </p:txBody>
       </p:sp>
@@ -761,6 +768,7 @@
           <a:p>
             <a:fld id="{B61BEF0D-F0BB-DE4B-95CE-6DB70DBA9567}" type="datetimeFigureOut">
               <a:rPr lang="en-US" dirty="0"/>
+              <a:t>3/11/2019</a:t>
             </a:fld>
             <a:endParaRPr lang="en-US" dirty="0"/>
           </a:p>
@@ -802,6 +810,7 @@
           <a:p>
             <a:fld id="{D57F1E4F-1CFF-5643-939E-217C01CDF565}" type="slidenum">
               <a:rPr lang="en-US" dirty="0"/>
+              <a:t>‹#›</a:t>
             </a:fld>
             <a:endParaRPr lang="en-US" dirty="0"/>
           </a:p>
@@ -982,7 +991,6 @@
               <a:rPr lang="en-US" smtClean="0"/>
               <a:t>Click to edit Master text styles</a:t>
             </a:r>
-            <a:endParaRPr lang="en-US" smtClean="0"/>
           </a:p>
         </p:txBody>
       </p:sp>
@@ -1003,6 +1011,7 @@
           <a:p>
             <a:fld id="{B61BEF0D-F0BB-DE4B-95CE-6DB70DBA9567}" type="datetimeFigureOut">
               <a:rPr lang="en-US" dirty="0"/>
+              <a:t>3/11/2019</a:t>
             </a:fld>
             <a:endParaRPr lang="en-US" dirty="0"/>
           </a:p>
@@ -1044,6 +1053,7 @@
           <a:p>
             <a:fld id="{D57F1E4F-1CFF-5643-939E-217C01CDF565}" type="slidenum">
               <a:rPr lang="en-US" dirty="0"/>
+              <a:t>‹#›</a:t>
             </a:fld>
             <a:endParaRPr lang="en-US" dirty="0"/>
           </a:p>
@@ -1196,7 +1206,6 @@
               <a:rPr lang="en-US" smtClean="0"/>
               <a:t>Click to edit Master text styles</a:t>
             </a:r>
-            <a:endParaRPr lang="en-US" smtClean="0"/>
           </a:p>
         </p:txBody>
       </p:sp>
@@ -1316,7 +1325,6 @@
               <a:rPr lang="en-US" smtClean="0"/>
               <a:t>Click to edit Master text styles</a:t>
             </a:r>
-            <a:endParaRPr lang="en-US" smtClean="0"/>
           </a:p>
         </p:txBody>
       </p:sp>
@@ -1337,6 +1345,7 @@
           <a:p>
             <a:fld id="{B61BEF0D-F0BB-DE4B-95CE-6DB70DBA9567}" type="datetimeFigureOut">
               <a:rPr lang="en-US" dirty="0"/>
+              <a:t>3/11/2019</a:t>
             </a:fld>
             <a:endParaRPr lang="en-US" dirty="0"/>
           </a:p>
@@ -1378,6 +1387,7 @@
           <a:p>
             <a:fld id="{D57F1E4F-1CFF-5643-939E-217C01CDF565}" type="slidenum">
               <a:rPr lang="en-US" dirty="0"/>
+              <a:t>‹#›</a:t>
             </a:fld>
             <a:endParaRPr lang="en-US" dirty="0"/>
           </a:p>
@@ -1414,12 +1424,6 @@
               </a:rPr>
               <a:t>“</a:t>
             </a:r>
-            <a:endParaRPr lang="en-US" sz="8000" dirty="0">
-              <a:solidFill>
-                <a:schemeClr val="tx1"/>
-              </a:solidFill>
-              <a:effectLst/>
-            </a:endParaRPr>
           </a:p>
         </p:txBody>
       </p:sp>
@@ -1454,12 +1458,6 @@
               </a:rPr>
               <a:t>”</a:t>
             </a:r>
-            <a:endParaRPr lang="en-US" sz="8000" dirty="0">
-              <a:solidFill>
-                <a:schemeClr val="tx1"/>
-              </a:solidFill>
-              <a:effectLst/>
-            </a:endParaRPr>
           </a:p>
         </p:txBody>
       </p:sp>
@@ -1669,7 +1667,6 @@
               <a:rPr lang="en-US" smtClean="0"/>
               <a:t>Click to edit Master text styles</a:t>
             </a:r>
-            <a:endParaRPr lang="en-US" smtClean="0"/>
           </a:p>
         </p:txBody>
       </p:sp>
@@ -1690,6 +1687,7 @@
           <a:p>
             <a:fld id="{B61BEF0D-F0BB-DE4B-95CE-6DB70DBA9567}" type="datetimeFigureOut">
               <a:rPr lang="en-US" dirty="0"/>
+              <a:t>3/11/2019</a:t>
             </a:fld>
             <a:endParaRPr lang="en-US" dirty="0"/>
           </a:p>
@@ -1731,6 +1729,7 @@
           <a:p>
             <a:fld id="{D57F1E4F-1CFF-5643-939E-217C01CDF565}" type="slidenum">
               <a:rPr lang="en-US" dirty="0"/>
+              <a:t>‹#›</a:t>
             </a:fld>
             <a:endParaRPr lang="en-US" dirty="0"/>
           </a:p>
@@ -1918,7 +1917,6 @@
               <a:rPr lang="en-US" smtClean="0"/>
               <a:t>Click to edit Master text styles</a:t>
             </a:r>
-            <a:endParaRPr lang="en-US" smtClean="0"/>
           </a:p>
         </p:txBody>
       </p:sp>
@@ -2038,7 +2036,6 @@
               <a:rPr lang="en-US" smtClean="0"/>
               <a:t>Click to edit Master text styles</a:t>
             </a:r>
-            <a:endParaRPr lang="en-US" smtClean="0"/>
           </a:p>
         </p:txBody>
       </p:sp>
@@ -2059,6 +2056,7 @@
           <a:p>
             <a:fld id="{B61BEF0D-F0BB-DE4B-95CE-6DB70DBA9567}" type="datetimeFigureOut">
               <a:rPr lang="en-US" dirty="0"/>
+              <a:t>3/11/2019</a:t>
             </a:fld>
             <a:endParaRPr lang="en-US" dirty="0"/>
           </a:p>
@@ -2100,6 +2098,7 @@
           <a:p>
             <a:fld id="{D57F1E4F-1CFF-5643-939E-217C01CDF565}" type="slidenum">
               <a:rPr lang="en-US" dirty="0"/>
+              <a:t>‹#›</a:t>
             </a:fld>
             <a:endParaRPr lang="en-US" dirty="0"/>
           </a:p>
@@ -2136,12 +2135,6 @@
               </a:rPr>
               <a:t>“</a:t>
             </a:r>
-            <a:endParaRPr lang="en-US" sz="8000" dirty="0">
-              <a:solidFill>
-                <a:schemeClr val="tx1"/>
-              </a:solidFill>
-              <a:effectLst/>
-            </a:endParaRPr>
           </a:p>
         </p:txBody>
       </p:sp>
@@ -2176,12 +2169,6 @@
               </a:rPr>
               <a:t>”</a:t>
             </a:r>
-            <a:endParaRPr lang="en-US" sz="8000" dirty="0">
-              <a:solidFill>
-                <a:schemeClr val="tx1"/>
-              </a:solidFill>
-              <a:effectLst/>
-            </a:endParaRPr>
           </a:p>
         </p:txBody>
       </p:sp>
@@ -2395,7 +2382,6 @@
               <a:rPr lang="en-US" smtClean="0"/>
               <a:t>Click to edit Master text styles</a:t>
             </a:r>
-            <a:endParaRPr lang="en-US" smtClean="0"/>
           </a:p>
         </p:txBody>
       </p:sp>
@@ -2515,7 +2501,6 @@
               <a:rPr lang="en-US" smtClean="0"/>
               <a:t>Click to edit Master text styles</a:t>
             </a:r>
-            <a:endParaRPr lang="en-US" smtClean="0"/>
           </a:p>
         </p:txBody>
       </p:sp>
@@ -2536,6 +2521,7 @@
           <a:p>
             <a:fld id="{B61BEF0D-F0BB-DE4B-95CE-6DB70DBA9567}" type="datetimeFigureOut">
               <a:rPr lang="en-US" dirty="0"/>
+              <a:t>3/11/2019</a:t>
             </a:fld>
             <a:endParaRPr lang="en-US" dirty="0"/>
           </a:p>
@@ -2577,6 +2563,7 @@
           <a:p>
             <a:fld id="{D57F1E4F-1CFF-5643-939E-217C01CDF565}" type="slidenum">
               <a:rPr lang="en-US" dirty="0"/>
+              <a:t>‹#›</a:t>
             </a:fld>
             <a:endParaRPr lang="en-US" dirty="0"/>
           </a:p>
@@ -2685,7 +2672,6 @@
               <a:rPr lang="en-US" smtClean="0"/>
               <a:t>Click to edit Master text styles</a:t>
             </a:r>
-            <a:endParaRPr lang="en-US" smtClean="0"/>
           </a:p>
           <a:p>
             <a:pPr lvl="1"/>
@@ -2693,7 +2679,6 @@
               <a:rPr lang="en-US" smtClean="0"/>
               <a:t>Second level</a:t>
             </a:r>
-            <a:endParaRPr lang="en-US" smtClean="0"/>
           </a:p>
           <a:p>
             <a:pPr lvl="2"/>
@@ -2701,7 +2686,6 @@
               <a:rPr lang="en-US" smtClean="0"/>
               <a:t>Third level</a:t>
             </a:r>
-            <a:endParaRPr lang="en-US" smtClean="0"/>
           </a:p>
           <a:p>
             <a:pPr lvl="3"/>
@@ -2709,7 +2693,6 @@
               <a:rPr lang="en-US" smtClean="0"/>
               <a:t>Fourth level</a:t>
             </a:r>
-            <a:endParaRPr lang="en-US" smtClean="0"/>
           </a:p>
           <a:p>
             <a:pPr lvl="4"/>
@@ -2738,6 +2721,7 @@
           <a:p>
             <a:fld id="{B61BEF0D-F0BB-DE4B-95CE-6DB70DBA9567}" type="datetimeFigureOut">
               <a:rPr lang="en-US" dirty="0"/>
+              <a:t>3/11/2019</a:t>
             </a:fld>
             <a:endParaRPr lang="en-US" dirty="0"/>
           </a:p>
@@ -2779,6 +2763,7 @@
           <a:p>
             <a:fld id="{D57F1E4F-1CFF-5643-939E-217C01CDF565}" type="slidenum">
               <a:rPr lang="en-US" dirty="0"/>
+              <a:t>‹#›</a:t>
             </a:fld>
             <a:endParaRPr lang="en-US" dirty="0"/>
           </a:p>
@@ -2893,7 +2878,6 @@
               <a:rPr lang="en-US" smtClean="0"/>
               <a:t>Click to edit Master text styles</a:t>
             </a:r>
-            <a:endParaRPr lang="en-US" smtClean="0"/>
           </a:p>
           <a:p>
             <a:pPr lvl="1"/>
@@ -2901,7 +2885,6 @@
               <a:rPr lang="en-US" smtClean="0"/>
               <a:t>Second level</a:t>
             </a:r>
-            <a:endParaRPr lang="en-US" smtClean="0"/>
           </a:p>
           <a:p>
             <a:pPr lvl="2"/>
@@ -2909,7 +2892,6 @@
               <a:rPr lang="en-US" smtClean="0"/>
               <a:t>Third level</a:t>
             </a:r>
-            <a:endParaRPr lang="en-US" smtClean="0"/>
           </a:p>
           <a:p>
             <a:pPr lvl="3"/>
@@ -2917,7 +2899,6 @@
               <a:rPr lang="en-US" smtClean="0"/>
               <a:t>Fourth level</a:t>
             </a:r>
-            <a:endParaRPr lang="en-US" smtClean="0"/>
           </a:p>
           <a:p>
             <a:pPr lvl="4"/>
@@ -2946,6 +2927,7 @@
           <a:p>
             <a:fld id="{B61BEF0D-F0BB-DE4B-95CE-6DB70DBA9567}" type="datetimeFigureOut">
               <a:rPr lang="en-US" dirty="0"/>
+              <a:t>3/11/2019</a:t>
             </a:fld>
             <a:endParaRPr lang="en-US" dirty="0"/>
           </a:p>
@@ -2987,6 +2969,7 @@
           <a:p>
             <a:fld id="{D57F1E4F-1CFF-5643-939E-217C01CDF565}" type="slidenum">
               <a:rPr lang="en-US" dirty="0"/>
+              <a:t>‹#›</a:t>
             </a:fld>
             <a:endParaRPr lang="en-US" dirty="0"/>
           </a:p>
@@ -3122,7 +3105,6 @@
               <a:rPr lang="en-US" smtClean="0"/>
               <a:t>Click to edit Master text styles</a:t>
             </a:r>
-            <a:endParaRPr lang="en-US" smtClean="0"/>
           </a:p>
           <a:p>
             <a:pPr lvl="1"/>
@@ -3130,7 +3112,6 @@
               <a:rPr lang="en-US" smtClean="0"/>
               <a:t>Second level</a:t>
             </a:r>
-            <a:endParaRPr lang="en-US" smtClean="0"/>
           </a:p>
           <a:p>
             <a:pPr lvl="2"/>
@@ -3138,7 +3119,6 @@
               <a:rPr lang="en-US" smtClean="0"/>
               <a:t>Third level</a:t>
             </a:r>
-            <a:endParaRPr lang="en-US" smtClean="0"/>
           </a:p>
           <a:p>
             <a:pPr lvl="3"/>
@@ -3146,7 +3126,6 @@
               <a:rPr lang="en-US" smtClean="0"/>
               <a:t>Fourth level</a:t>
             </a:r>
-            <a:endParaRPr lang="en-US" smtClean="0"/>
           </a:p>
           <a:p>
             <a:pPr lvl="4"/>
@@ -3175,6 +3154,7 @@
           <a:p>
             <a:fld id="{05BFA754-D5C3-4E66-96A6-867B257F58DC}" type="datetimeFigureOut">
               <a:rPr lang="en-US" dirty="0"/>
+              <a:t>3/11/2019</a:t>
             </a:fld>
             <a:endParaRPr lang="en-US" dirty="0"/>
           </a:p>
@@ -3216,6 +3196,7 @@
           <a:p>
             <a:fld id="{5D84065D-F351-4B03-BD91-D8A6B8D4B362}" type="slidenum">
               <a:rPr lang="en-US" dirty="0"/>
+              <a:t>‹#›</a:t>
             </a:fld>
             <a:endParaRPr lang="en-US" dirty="0"/>
           </a:p>
@@ -3396,7 +3377,6 @@
               <a:rPr lang="en-US" smtClean="0"/>
               <a:t>Click to edit Master text styles</a:t>
             </a:r>
-            <a:endParaRPr lang="en-US" smtClean="0"/>
           </a:p>
         </p:txBody>
       </p:sp>
@@ -3417,6 +3397,7 @@
           <a:p>
             <a:fld id="{B61BEF0D-F0BB-DE4B-95CE-6DB70DBA9567}" type="datetimeFigureOut">
               <a:rPr lang="en-US" dirty="0"/>
+              <a:t>3/11/2019</a:t>
             </a:fld>
             <a:endParaRPr lang="en-US" dirty="0"/>
           </a:p>
@@ -3458,6 +3439,7 @@
           <a:p>
             <a:fld id="{D57F1E4F-1CFF-5643-939E-217C01CDF565}" type="slidenum">
               <a:rPr lang="en-US" dirty="0"/>
+              <a:t>‹#›</a:t>
             </a:fld>
             <a:endParaRPr lang="en-US" dirty="0"/>
           </a:p>
@@ -3569,7 +3551,6 @@
               <a:rPr lang="en-US" smtClean="0"/>
               <a:t>Click to edit Master text styles</a:t>
             </a:r>
-            <a:endParaRPr lang="en-US" smtClean="0"/>
           </a:p>
           <a:p>
             <a:pPr lvl="1"/>
@@ -3577,7 +3558,6 @@
               <a:rPr lang="en-US" smtClean="0"/>
               <a:t>Second level</a:t>
             </a:r>
-            <a:endParaRPr lang="en-US" smtClean="0"/>
           </a:p>
           <a:p>
             <a:pPr lvl="2"/>
@@ -3585,7 +3565,6 @@
               <a:rPr lang="en-US" smtClean="0"/>
               <a:t>Third level</a:t>
             </a:r>
-            <a:endParaRPr lang="en-US" smtClean="0"/>
           </a:p>
           <a:p>
             <a:pPr lvl="3"/>
@@ -3593,7 +3572,6 @@
               <a:rPr lang="en-US" smtClean="0"/>
               <a:t>Fourth level</a:t>
             </a:r>
-            <a:endParaRPr lang="en-US" smtClean="0"/>
           </a:p>
           <a:p>
             <a:pPr lvl="4"/>
@@ -3632,7 +3610,6 @@
               <a:rPr lang="en-US" smtClean="0"/>
               <a:t>Click to edit Master text styles</a:t>
             </a:r>
-            <a:endParaRPr lang="en-US" smtClean="0"/>
           </a:p>
           <a:p>
             <a:pPr lvl="1"/>
@@ -3640,7 +3617,6 @@
               <a:rPr lang="en-US" smtClean="0"/>
               <a:t>Second level</a:t>
             </a:r>
-            <a:endParaRPr lang="en-US" smtClean="0"/>
           </a:p>
           <a:p>
             <a:pPr lvl="2"/>
@@ -3648,7 +3624,6 @@
               <a:rPr lang="en-US" smtClean="0"/>
               <a:t>Third level</a:t>
             </a:r>
-            <a:endParaRPr lang="en-US" smtClean="0"/>
           </a:p>
           <a:p>
             <a:pPr lvl="3"/>
@@ -3656,7 +3631,6 @@
               <a:rPr lang="en-US" smtClean="0"/>
               <a:t>Fourth level</a:t>
             </a:r>
-            <a:endParaRPr lang="en-US" smtClean="0"/>
           </a:p>
           <a:p>
             <a:pPr lvl="4"/>
@@ -3685,6 +3659,7 @@
           <a:p>
             <a:fld id="{05BFA754-D5C3-4E66-96A6-867B257F58DC}" type="datetimeFigureOut">
               <a:rPr lang="en-US" dirty="0"/>
+              <a:t>3/11/2019</a:t>
             </a:fld>
             <a:endParaRPr lang="en-US" dirty="0"/>
           </a:p>
@@ -3726,6 +3701,7 @@
           <a:p>
             <a:fld id="{5D84065D-F351-4B03-BD91-D8A6B8D4B362}" type="slidenum">
               <a:rPr lang="en-US" dirty="0"/>
+              <a:t>‹#›</a:t>
             </a:fld>
             <a:endParaRPr lang="en-US" dirty="0"/>
           </a:p>
@@ -3882,7 +3858,6 @@
               <a:rPr lang="en-US" smtClean="0"/>
               <a:t>Click to edit Master text styles</a:t>
             </a:r>
-            <a:endParaRPr lang="en-US" smtClean="0"/>
           </a:p>
         </p:txBody>
       </p:sp>
@@ -3913,7 +3888,6 @@
               <a:rPr lang="en-US" smtClean="0"/>
               <a:t>Click to edit Master text styles</a:t>
             </a:r>
-            <a:endParaRPr lang="en-US" smtClean="0"/>
           </a:p>
           <a:p>
             <a:pPr lvl="1"/>
@@ -3921,7 +3895,6 @@
               <a:rPr lang="en-US" smtClean="0"/>
               <a:t>Second level</a:t>
             </a:r>
-            <a:endParaRPr lang="en-US" smtClean="0"/>
           </a:p>
           <a:p>
             <a:pPr lvl="2"/>
@@ -3929,7 +3902,6 @@
               <a:rPr lang="en-US" smtClean="0"/>
               <a:t>Third level</a:t>
             </a:r>
-            <a:endParaRPr lang="en-US" smtClean="0"/>
           </a:p>
           <a:p>
             <a:pPr lvl="3"/>
@@ -3937,7 +3909,6 @@
               <a:rPr lang="en-US" smtClean="0"/>
               <a:t>Fourth level</a:t>
             </a:r>
-            <a:endParaRPr lang="en-US" smtClean="0"/>
           </a:p>
           <a:p>
             <a:pPr lvl="4"/>
@@ -4017,7 +3988,6 @@
               <a:rPr lang="en-US" smtClean="0"/>
               <a:t>Click to edit Master text styles</a:t>
             </a:r>
-            <a:endParaRPr lang="en-US" smtClean="0"/>
           </a:p>
         </p:txBody>
       </p:sp>
@@ -4048,7 +4018,6 @@
               <a:rPr lang="en-US" smtClean="0"/>
               <a:t>Click to edit Master text styles</a:t>
             </a:r>
-            <a:endParaRPr lang="en-US" smtClean="0"/>
           </a:p>
           <a:p>
             <a:pPr lvl="1"/>
@@ -4056,7 +4025,6 @@
               <a:rPr lang="en-US" smtClean="0"/>
               <a:t>Second level</a:t>
             </a:r>
-            <a:endParaRPr lang="en-US" smtClean="0"/>
           </a:p>
           <a:p>
             <a:pPr lvl="2"/>
@@ -4064,7 +4032,6 @@
               <a:rPr lang="en-US" smtClean="0"/>
               <a:t>Third level</a:t>
             </a:r>
-            <a:endParaRPr lang="en-US" smtClean="0"/>
           </a:p>
           <a:p>
             <a:pPr lvl="3"/>
@@ -4072,7 +4039,6 @@
               <a:rPr lang="en-US" smtClean="0"/>
               <a:t>Fourth level</a:t>
             </a:r>
-            <a:endParaRPr lang="en-US" smtClean="0"/>
           </a:p>
           <a:p>
             <a:pPr lvl="4"/>
@@ -4101,6 +4067,7 @@
           <a:p>
             <a:fld id="{B61BEF0D-F0BB-DE4B-95CE-6DB70DBA9567}" type="datetimeFigureOut">
               <a:rPr lang="en-US" dirty="0"/>
+              <a:t>3/11/2019</a:t>
             </a:fld>
             <a:endParaRPr lang="en-US" dirty="0"/>
           </a:p>
@@ -4142,6 +4109,7 @@
           <a:p>
             <a:fld id="{D57F1E4F-1CFF-5643-939E-217C01CDF565}" type="slidenum">
               <a:rPr lang="en-US" dirty="0"/>
+              <a:t>‹#›</a:t>
             </a:fld>
             <a:endParaRPr lang="en-US" dirty="0"/>
           </a:p>
@@ -4243,6 +4211,7 @@
           <a:p>
             <a:fld id="{B61BEF0D-F0BB-DE4B-95CE-6DB70DBA9567}" type="datetimeFigureOut">
               <a:rPr lang="en-US" dirty="0"/>
+              <a:t>3/11/2019</a:t>
             </a:fld>
             <a:endParaRPr lang="en-US" dirty="0"/>
           </a:p>
@@ -4284,6 +4253,7 @@
           <a:p>
             <a:fld id="{D57F1E4F-1CFF-5643-939E-217C01CDF565}" type="slidenum">
               <a:rPr lang="en-US" dirty="0"/>
+              <a:t>‹#›</a:t>
             </a:fld>
             <a:endParaRPr lang="en-US" dirty="0"/>
           </a:p>
@@ -4362,6 +4332,7 @@
           <a:p>
             <a:fld id="{B61BEF0D-F0BB-DE4B-95CE-6DB70DBA9567}" type="datetimeFigureOut">
               <a:rPr lang="en-US" dirty="0"/>
+              <a:t>3/11/2019</a:t>
             </a:fld>
             <a:endParaRPr lang="en-US" dirty="0"/>
           </a:p>
@@ -4403,6 +4374,7 @@
           <a:p>
             <a:fld id="{D57F1E4F-1CFF-5643-939E-217C01CDF565}" type="slidenum">
               <a:rPr lang="en-US" dirty="0"/>
+              <a:t>‹#›</a:t>
             </a:fld>
             <a:endParaRPr lang="en-US" dirty="0"/>
           </a:p>
@@ -4494,7 +4466,6 @@
               <a:rPr lang="en-US" smtClean="0"/>
               <a:t>Click to edit Master text styles</a:t>
             </a:r>
-            <a:endParaRPr lang="en-US" smtClean="0"/>
           </a:p>
           <a:p>
             <a:pPr lvl="1"/>
@@ -4502,7 +4473,6 @@
               <a:rPr lang="en-US" smtClean="0"/>
               <a:t>Second level</a:t>
             </a:r>
-            <a:endParaRPr lang="en-US" smtClean="0"/>
           </a:p>
           <a:p>
             <a:pPr lvl="2"/>
@@ -4510,7 +4480,6 @@
               <a:rPr lang="en-US" smtClean="0"/>
               <a:t>Third level</a:t>
             </a:r>
-            <a:endParaRPr lang="en-US" smtClean="0"/>
           </a:p>
           <a:p>
             <a:pPr lvl="3"/>
@@ -4518,7 +4487,6 @@
               <a:rPr lang="en-US" smtClean="0"/>
               <a:t>Fourth level</a:t>
             </a:r>
-            <a:endParaRPr lang="en-US" smtClean="0"/>
           </a:p>
           <a:p>
             <a:pPr lvl="4"/>
@@ -4594,7 +4562,6 @@
               <a:rPr lang="en-US" smtClean="0"/>
               <a:t>Click to edit Master text styles</a:t>
             </a:r>
-            <a:endParaRPr lang="en-US" smtClean="0"/>
           </a:p>
         </p:txBody>
       </p:sp>
@@ -4615,6 +4582,7 @@
           <a:p>
             <a:fld id="{B61BEF0D-F0BB-DE4B-95CE-6DB70DBA9567}" type="datetimeFigureOut">
               <a:rPr lang="en-US" dirty="0"/>
+              <a:t>3/11/2019</a:t>
             </a:fld>
             <a:endParaRPr lang="en-US" dirty="0"/>
           </a:p>
@@ -4656,6 +4624,7 @@
           <a:p>
             <a:fld id="{D57F1E4F-1CFF-5643-939E-217C01CDF565}" type="slidenum">
               <a:rPr lang="en-US" dirty="0"/>
+              <a:t>‹#›</a:t>
             </a:fld>
             <a:endParaRPr lang="en-US" dirty="0"/>
           </a:p>
@@ -4903,7 +4872,6 @@
               <a:rPr lang="en-US" smtClean="0"/>
               <a:t>Click to edit Master text styles</a:t>
             </a:r>
-            <a:endParaRPr lang="en-US" smtClean="0"/>
           </a:p>
         </p:txBody>
       </p:sp>
@@ -4924,6 +4892,7 @@
           <a:p>
             <a:fld id="{B61BEF0D-F0BB-DE4B-95CE-6DB70DBA9567}" type="datetimeFigureOut">
               <a:rPr lang="en-US" dirty="0"/>
+              <a:t>3/11/2019</a:t>
             </a:fld>
             <a:endParaRPr lang="en-US" dirty="0"/>
           </a:p>
@@ -4965,6 +4934,7 @@
           <a:p>
             <a:fld id="{D57F1E4F-1CFF-5643-939E-217C01CDF565}" type="slidenum">
               <a:rPr lang="en-US" dirty="0"/>
+              <a:t>‹#›</a:t>
             </a:fld>
             <a:endParaRPr lang="en-US" dirty="0"/>
           </a:p>
@@ -5023,7 +4993,7 @@
             <p:nvPr/>
           </p:nvPicPr>
           <p:blipFill>
-            <a:blip r:embed="rId18">
+            <a:blip r:embed="rId19">
               <a:extLst>
                 <a:ext uri="{28A0092B-C50C-407E-A947-70E740481C1C}">
                   <a14:useLocalDpi xmlns:a14="http://schemas.microsoft.com/office/drawing/2010/main" val="0"/>
@@ -5087,7 +5057,7 @@
             <p:nvPr/>
           </p:nvPicPr>
           <p:blipFill rotWithShape="1">
-            <a:blip r:embed="rId19">
+            <a:blip r:embed="rId20">
               <a:extLst>
                 <a:ext uri="{28A0092B-C50C-407E-A947-70E740481C1C}">
                   <a14:useLocalDpi xmlns:a14="http://schemas.microsoft.com/office/drawing/2010/main" val="0"/>
@@ -5118,7 +5088,7 @@
             <p:nvPr/>
           </p:nvPicPr>
           <p:blipFill rotWithShape="1">
-            <a:blip r:embed="rId19">
+            <a:blip r:embed="rId20">
               <a:extLst>
                 <a:ext uri="{28A0092B-C50C-407E-A947-70E740481C1C}">
                   <a14:useLocalDpi xmlns:a14="http://schemas.microsoft.com/office/drawing/2010/main" val="0"/>
@@ -5205,7 +5175,6 @@
               <a:rPr lang="en-US" smtClean="0"/>
               <a:t>Click to edit Master text styles</a:t>
             </a:r>
-            <a:endParaRPr lang="en-US" smtClean="0"/>
           </a:p>
           <a:p>
             <a:pPr lvl="1"/>
@@ -5213,7 +5182,6 @@
               <a:rPr lang="en-US" smtClean="0"/>
               <a:t>Second level</a:t>
             </a:r>
-            <a:endParaRPr lang="en-US" smtClean="0"/>
           </a:p>
           <a:p>
             <a:pPr lvl="2"/>
@@ -5221,7 +5189,6 @@
               <a:rPr lang="en-US" smtClean="0"/>
               <a:t>Third level</a:t>
             </a:r>
-            <a:endParaRPr lang="en-US" smtClean="0"/>
           </a:p>
           <a:p>
             <a:pPr lvl="3"/>
@@ -5229,7 +5196,6 @@
               <a:rPr lang="en-US" smtClean="0"/>
               <a:t>Fourth level</a:t>
             </a:r>
-            <a:endParaRPr lang="en-US" smtClean="0"/>
           </a:p>
           <a:p>
             <a:pPr lvl="4"/>
@@ -5276,6 +5242,7 @@
           <a:p>
             <a:fld id="{B61BEF0D-F0BB-DE4B-95CE-6DB70DBA9567}" type="datetimeFigureOut">
               <a:rPr lang="en-US" dirty="0"/>
+              <a:t>3/11/2019</a:t>
             </a:fld>
             <a:endParaRPr lang="en-US" dirty="0"/>
           </a:p>
@@ -5353,6 +5320,7 @@
           <a:p>
             <a:fld id="{D57F1E4F-1CFF-5643-939E-217C01CDF565}" type="slidenum">
               <a:rPr lang="en-US" dirty="0"/>
+              <a:t>‹#›</a:t>
             </a:fld>
             <a:endParaRPr lang="en-US" dirty="0"/>
           </a:p>
@@ -5831,7 +5799,6 @@
               <a:rPr lang="en-US" sz="6600" b="1"/>
               <a:t>sigslot</a:t>
             </a:r>
-            <a:endParaRPr lang="en-US" sz="6600" b="1"/>
           </a:p>
         </p:txBody>
       </p:sp>
@@ -5854,7 +5821,6 @@
               <a:rPr lang="en-US" sz="3200"/>
               <a:t>a lightweight C++ Signals/Slots library</a:t>
             </a:r>
-            <a:endParaRPr lang="en-US" sz="3200"/>
           </a:p>
         </p:txBody>
       </p:sp>
@@ -5867,7 +5833,7 @@
           <p:nvPr/>
         </p:nvPicPr>
         <p:blipFill>
-          <a:blip r:embed="rId1"/>
+          <a:blip r:embed="rId2"/>
           <a:stretch>
             <a:fillRect/>
           </a:stretch>
@@ -5899,7 +5865,14 @@
         <p:cNvGrpSpPr/>
         <p:nvPr/>
       </p:nvGrpSpPr>
-      <p:grpSpPr/>
+      <p:grpSpPr>
+        <a:xfrm>
+          <a:off x="0" y="0"/>
+          <a:ext cx="0" cy="0"/>
+          <a:chOff x="0" y="0"/>
+          <a:chExt cx="0" cy="0"/>
+        </a:xfrm>
+      </p:grpSpPr>
       <p:sp>
         <p:nvSpPr>
           <p:cNvPr id="2" name="Title 1"/>
@@ -5913,8 +5886,10 @@
         <p:spPr/>
         <p:txBody>
           <a:bodyPr/>
-          <a:p>
-            <a:endParaRPr lang="en-US"/>
+          <a:lstStyle/>
+          <a:p>
+            <a:pPr algn="l"/>
+            <a:endParaRPr lang="en-US" dirty="0"/>
           </a:p>
         </p:txBody>
       </p:sp>
@@ -5931,12 +5906,427 @@
         <p:spPr/>
         <p:txBody>
           <a:bodyPr/>
-          <a:p>
-            <a:endParaRPr lang="en-US"/>
+          <a:lstStyle/>
+          <a:p>
+            <a:endParaRPr lang="en-US" dirty="0"/>
           </a:p>
         </p:txBody>
       </p:sp>
     </p:spTree>
+  </p:cSld>
+  <p:clrMapOvr>
+    <a:masterClrMapping/>
+  </p:clrMapOvr>
+</p:sld>
+</file>
+
+<file path=ppt/slides/slide3.xml><?xml version="1.0" encoding="utf-8"?>
+<p:sld xmlns:a="http://schemas.openxmlformats.org/drawingml/2006/main" xmlns:r="http://schemas.openxmlformats.org/officeDocument/2006/relationships" xmlns:p="http://schemas.openxmlformats.org/presentationml/2006/main">
+  <p:cSld>
+    <p:spTree>
+      <p:nvGrpSpPr>
+        <p:cNvPr id="1" name=""/>
+        <p:cNvGrpSpPr/>
+        <p:nvPr/>
+      </p:nvGrpSpPr>
+      <p:grpSpPr>
+        <a:xfrm>
+          <a:off x="0" y="0"/>
+          <a:ext cx="0" cy="0"/>
+          <a:chOff x="0" y="0"/>
+          <a:chExt cx="0" cy="0"/>
+        </a:xfrm>
+      </p:grpSpPr>
+      <p:sp>
+        <p:nvSpPr>
+          <p:cNvPr id="2" name="Title 1"/>
+          <p:cNvSpPr>
+            <a:spLocks noGrp="1"/>
+          </p:cNvSpPr>
+          <p:nvPr>
+            <p:ph type="title"/>
+          </p:nvPr>
+        </p:nvSpPr>
+        <p:spPr/>
+        <p:txBody>
+          <a:bodyPr/>
+          <a:lstStyle/>
+          <a:p>
+            <a:pPr algn="l"/>
+            <a:endParaRPr lang="en-US" dirty="0"/>
+          </a:p>
+        </p:txBody>
+      </p:sp>
+      <p:sp>
+        <p:nvSpPr>
+          <p:cNvPr id="3" name="Content Placeholder 2"/>
+          <p:cNvSpPr>
+            <a:spLocks noGrp="1"/>
+          </p:cNvSpPr>
+          <p:nvPr>
+            <p:ph idx="1"/>
+          </p:nvPr>
+        </p:nvSpPr>
+        <p:spPr/>
+        <p:txBody>
+          <a:bodyPr/>
+          <a:lstStyle/>
+          <a:p>
+            <a:endParaRPr lang="en-US" dirty="0"/>
+          </a:p>
+        </p:txBody>
+      </p:sp>
+    </p:spTree>
+    <p:extLst>
+      <p:ext uri="{BB962C8B-B14F-4D97-AF65-F5344CB8AC3E}">
+        <p14:creationId xmlns:p14="http://schemas.microsoft.com/office/powerpoint/2010/main" val="1994424188"/>
+      </p:ext>
+    </p:extLst>
+  </p:cSld>
+  <p:clrMapOvr>
+    <a:masterClrMapping/>
+  </p:clrMapOvr>
+</p:sld>
+</file>
+
+<file path=ppt/slides/slide4.xml><?xml version="1.0" encoding="utf-8"?>
+<p:sld xmlns:a="http://schemas.openxmlformats.org/drawingml/2006/main" xmlns:r="http://schemas.openxmlformats.org/officeDocument/2006/relationships" xmlns:p="http://schemas.openxmlformats.org/presentationml/2006/main">
+  <p:cSld>
+    <p:spTree>
+      <p:nvGrpSpPr>
+        <p:cNvPr id="1" name=""/>
+        <p:cNvGrpSpPr/>
+        <p:nvPr/>
+      </p:nvGrpSpPr>
+      <p:grpSpPr>
+        <a:xfrm>
+          <a:off x="0" y="0"/>
+          <a:ext cx="0" cy="0"/>
+          <a:chOff x="0" y="0"/>
+          <a:chExt cx="0" cy="0"/>
+        </a:xfrm>
+      </p:grpSpPr>
+      <p:sp>
+        <p:nvSpPr>
+          <p:cNvPr id="2" name="Title 1"/>
+          <p:cNvSpPr>
+            <a:spLocks noGrp="1"/>
+          </p:cNvSpPr>
+          <p:nvPr>
+            <p:ph type="title"/>
+          </p:nvPr>
+        </p:nvSpPr>
+        <p:spPr/>
+        <p:txBody>
+          <a:bodyPr/>
+          <a:lstStyle/>
+          <a:p>
+            <a:pPr algn="l"/>
+            <a:endParaRPr lang="en-US" dirty="0"/>
+          </a:p>
+        </p:txBody>
+      </p:sp>
+      <p:sp>
+        <p:nvSpPr>
+          <p:cNvPr id="3" name="Content Placeholder 2"/>
+          <p:cNvSpPr>
+            <a:spLocks noGrp="1"/>
+          </p:cNvSpPr>
+          <p:nvPr>
+            <p:ph idx="1"/>
+          </p:nvPr>
+        </p:nvSpPr>
+        <p:spPr/>
+        <p:txBody>
+          <a:bodyPr/>
+          <a:lstStyle/>
+          <a:p>
+            <a:endParaRPr lang="en-US" dirty="0"/>
+          </a:p>
+        </p:txBody>
+      </p:sp>
+    </p:spTree>
+    <p:extLst>
+      <p:ext uri="{BB962C8B-B14F-4D97-AF65-F5344CB8AC3E}">
+        <p14:creationId xmlns:p14="http://schemas.microsoft.com/office/powerpoint/2010/main" val="1994424188"/>
+      </p:ext>
+    </p:extLst>
+  </p:cSld>
+  <p:clrMapOvr>
+    <a:masterClrMapping/>
+  </p:clrMapOvr>
+</p:sld>
+</file>
+
+<file path=ppt/slides/slide5.xml><?xml version="1.0" encoding="utf-8"?>
+<p:sld xmlns:a="http://schemas.openxmlformats.org/drawingml/2006/main" xmlns:r="http://schemas.openxmlformats.org/officeDocument/2006/relationships" xmlns:p="http://schemas.openxmlformats.org/presentationml/2006/main">
+  <p:cSld>
+    <p:spTree>
+      <p:nvGrpSpPr>
+        <p:cNvPr id="1" name=""/>
+        <p:cNvGrpSpPr/>
+        <p:nvPr/>
+      </p:nvGrpSpPr>
+      <p:grpSpPr>
+        <a:xfrm>
+          <a:off x="0" y="0"/>
+          <a:ext cx="0" cy="0"/>
+          <a:chOff x="0" y="0"/>
+          <a:chExt cx="0" cy="0"/>
+        </a:xfrm>
+      </p:grpSpPr>
+      <p:sp>
+        <p:nvSpPr>
+          <p:cNvPr id="2" name="Title 1"/>
+          <p:cNvSpPr>
+            <a:spLocks noGrp="1"/>
+          </p:cNvSpPr>
+          <p:nvPr>
+            <p:ph type="title"/>
+          </p:nvPr>
+        </p:nvSpPr>
+        <p:spPr/>
+        <p:txBody>
+          <a:bodyPr/>
+          <a:lstStyle/>
+          <a:p>
+            <a:pPr algn="l"/>
+            <a:endParaRPr lang="en-US" dirty="0"/>
+          </a:p>
+        </p:txBody>
+      </p:sp>
+      <p:sp>
+        <p:nvSpPr>
+          <p:cNvPr id="3" name="Content Placeholder 2"/>
+          <p:cNvSpPr>
+            <a:spLocks noGrp="1"/>
+          </p:cNvSpPr>
+          <p:nvPr>
+            <p:ph idx="1"/>
+          </p:nvPr>
+        </p:nvSpPr>
+        <p:spPr/>
+        <p:txBody>
+          <a:bodyPr/>
+          <a:lstStyle/>
+          <a:p>
+            <a:endParaRPr lang="en-US" dirty="0"/>
+          </a:p>
+        </p:txBody>
+      </p:sp>
+    </p:spTree>
+    <p:extLst>
+      <p:ext uri="{BB962C8B-B14F-4D97-AF65-F5344CB8AC3E}">
+        <p14:creationId xmlns:p14="http://schemas.microsoft.com/office/powerpoint/2010/main" val="1994424188"/>
+      </p:ext>
+    </p:extLst>
+  </p:cSld>
+  <p:clrMapOvr>
+    <a:masterClrMapping/>
+  </p:clrMapOvr>
+</p:sld>
+</file>
+
+<file path=ppt/slides/slide6.xml><?xml version="1.0" encoding="utf-8"?>
+<p:sld xmlns:a="http://schemas.openxmlformats.org/drawingml/2006/main" xmlns:r="http://schemas.openxmlformats.org/officeDocument/2006/relationships" xmlns:p="http://schemas.openxmlformats.org/presentationml/2006/main">
+  <p:cSld>
+    <p:spTree>
+      <p:nvGrpSpPr>
+        <p:cNvPr id="1" name=""/>
+        <p:cNvGrpSpPr/>
+        <p:nvPr/>
+      </p:nvGrpSpPr>
+      <p:grpSpPr>
+        <a:xfrm>
+          <a:off x="0" y="0"/>
+          <a:ext cx="0" cy="0"/>
+          <a:chOff x="0" y="0"/>
+          <a:chExt cx="0" cy="0"/>
+        </a:xfrm>
+      </p:grpSpPr>
+      <p:sp>
+        <p:nvSpPr>
+          <p:cNvPr id="2" name="Title 1"/>
+          <p:cNvSpPr>
+            <a:spLocks noGrp="1"/>
+          </p:cNvSpPr>
+          <p:nvPr>
+            <p:ph type="title"/>
+          </p:nvPr>
+        </p:nvSpPr>
+        <p:spPr/>
+        <p:txBody>
+          <a:bodyPr/>
+          <a:lstStyle/>
+          <a:p>
+            <a:pPr algn="l"/>
+            <a:endParaRPr lang="en-US" dirty="0"/>
+          </a:p>
+        </p:txBody>
+      </p:sp>
+      <p:sp>
+        <p:nvSpPr>
+          <p:cNvPr id="3" name="Content Placeholder 2"/>
+          <p:cNvSpPr>
+            <a:spLocks noGrp="1"/>
+          </p:cNvSpPr>
+          <p:nvPr>
+            <p:ph idx="1"/>
+          </p:nvPr>
+        </p:nvSpPr>
+        <p:spPr/>
+        <p:txBody>
+          <a:bodyPr/>
+          <a:lstStyle/>
+          <a:p>
+            <a:endParaRPr lang="en-US" dirty="0"/>
+          </a:p>
+        </p:txBody>
+      </p:sp>
+    </p:spTree>
+    <p:extLst>
+      <p:ext uri="{BB962C8B-B14F-4D97-AF65-F5344CB8AC3E}">
+        <p14:creationId xmlns:p14="http://schemas.microsoft.com/office/powerpoint/2010/main" val="1994424188"/>
+      </p:ext>
+    </p:extLst>
+  </p:cSld>
+  <p:clrMapOvr>
+    <a:masterClrMapping/>
+  </p:clrMapOvr>
+</p:sld>
+</file>
+
+<file path=ppt/slides/slide7.xml><?xml version="1.0" encoding="utf-8"?>
+<p:sld xmlns:a="http://schemas.openxmlformats.org/drawingml/2006/main" xmlns:r="http://schemas.openxmlformats.org/officeDocument/2006/relationships" xmlns:p="http://schemas.openxmlformats.org/presentationml/2006/main">
+  <p:cSld>
+    <p:spTree>
+      <p:nvGrpSpPr>
+        <p:cNvPr id="1" name=""/>
+        <p:cNvGrpSpPr/>
+        <p:nvPr/>
+      </p:nvGrpSpPr>
+      <p:grpSpPr>
+        <a:xfrm>
+          <a:off x="0" y="0"/>
+          <a:ext cx="0" cy="0"/>
+          <a:chOff x="0" y="0"/>
+          <a:chExt cx="0" cy="0"/>
+        </a:xfrm>
+      </p:grpSpPr>
+      <p:sp>
+        <p:nvSpPr>
+          <p:cNvPr id="2" name="Title 1"/>
+          <p:cNvSpPr>
+            <a:spLocks noGrp="1"/>
+          </p:cNvSpPr>
+          <p:nvPr>
+            <p:ph type="title"/>
+          </p:nvPr>
+        </p:nvSpPr>
+        <p:spPr/>
+        <p:txBody>
+          <a:bodyPr/>
+          <a:lstStyle/>
+          <a:p>
+            <a:pPr algn="l"/>
+            <a:endParaRPr lang="en-US" dirty="0"/>
+          </a:p>
+        </p:txBody>
+      </p:sp>
+      <p:sp>
+        <p:nvSpPr>
+          <p:cNvPr id="3" name="Content Placeholder 2"/>
+          <p:cNvSpPr>
+            <a:spLocks noGrp="1"/>
+          </p:cNvSpPr>
+          <p:nvPr>
+            <p:ph idx="1"/>
+          </p:nvPr>
+        </p:nvSpPr>
+        <p:spPr/>
+        <p:txBody>
+          <a:bodyPr/>
+          <a:lstStyle/>
+          <a:p>
+            <a:endParaRPr lang="en-US" dirty="0"/>
+          </a:p>
+        </p:txBody>
+      </p:sp>
+    </p:spTree>
+    <p:extLst>
+      <p:ext uri="{BB962C8B-B14F-4D97-AF65-F5344CB8AC3E}">
+        <p14:creationId xmlns:p14="http://schemas.microsoft.com/office/powerpoint/2010/main" val="1994424188"/>
+      </p:ext>
+    </p:extLst>
+  </p:cSld>
+  <p:clrMapOvr>
+    <a:masterClrMapping/>
+  </p:clrMapOvr>
+</p:sld>
+</file>
+
+<file path=ppt/slides/slide8.xml><?xml version="1.0" encoding="utf-8"?>
+<p:sld xmlns:a="http://schemas.openxmlformats.org/drawingml/2006/main" xmlns:r="http://schemas.openxmlformats.org/officeDocument/2006/relationships" xmlns:p="http://schemas.openxmlformats.org/presentationml/2006/main">
+  <p:cSld>
+    <p:spTree>
+      <p:nvGrpSpPr>
+        <p:cNvPr id="1" name=""/>
+        <p:cNvGrpSpPr/>
+        <p:nvPr/>
+      </p:nvGrpSpPr>
+      <p:grpSpPr>
+        <a:xfrm>
+          <a:off x="0" y="0"/>
+          <a:ext cx="0" cy="0"/>
+          <a:chOff x="0" y="0"/>
+          <a:chExt cx="0" cy="0"/>
+        </a:xfrm>
+      </p:grpSpPr>
+      <p:sp>
+        <p:nvSpPr>
+          <p:cNvPr id="2" name="Title 1"/>
+          <p:cNvSpPr>
+            <a:spLocks noGrp="1"/>
+          </p:cNvSpPr>
+          <p:nvPr>
+            <p:ph type="title"/>
+          </p:nvPr>
+        </p:nvSpPr>
+        <p:spPr/>
+        <p:txBody>
+          <a:bodyPr/>
+          <a:lstStyle/>
+          <a:p>
+            <a:pPr algn="l"/>
+            <a:endParaRPr lang="en-US" dirty="0"/>
+          </a:p>
+        </p:txBody>
+      </p:sp>
+      <p:sp>
+        <p:nvSpPr>
+          <p:cNvPr id="3" name="Content Placeholder 2"/>
+          <p:cNvSpPr>
+            <a:spLocks noGrp="1"/>
+          </p:cNvSpPr>
+          <p:nvPr>
+            <p:ph idx="1"/>
+          </p:nvPr>
+        </p:nvSpPr>
+        <p:spPr/>
+        <p:txBody>
+          <a:bodyPr/>
+          <a:lstStyle/>
+          <a:p>
+            <a:endParaRPr lang="en-US" dirty="0"/>
+          </a:p>
+        </p:txBody>
+      </p:sp>
+    </p:spTree>
+    <p:extLst>
+      <p:ext uri="{BB962C8B-B14F-4D97-AF65-F5344CB8AC3E}">
+        <p14:creationId xmlns:p14="http://schemas.microsoft.com/office/powerpoint/2010/main" val="1994424188"/>
+      </p:ext>
+    </p:extLst>
   </p:cSld>
   <p:clrMapOvr>
     <a:masterClrMapping/>
@@ -6169,9 +6559,11 @@
       </a:bgFillStyleLst>
     </a:fmtScheme>
   </a:themeElements>
+  <a:objectDefaults/>
+  <a:extraClrSchemeLst/>
   <a:extLst>
     <a:ext uri="{05A4C25C-085E-4340-85A3-A5531E510DB2}">
-      <thm15:themeFamily xmlns:thm15="http://schemas.microsoft.com/office/thememl/2012/main" name="Office Theme" id="{62F939B6-93AF-4DB8-9C6B-D6C7DFDC589F}" vid="{4A3C46E8-61CC-4603-A589-7422A47A8E4A}"/>
+      <thm15:themeFamily xmlns:thm15="http://schemas.microsoft.com/office/thememl/2012/main" xmlns="" name="Office Theme" id="{62F939B6-93AF-4DB8-9C6B-D6C7DFDC589F}" vid="{4A3C46E8-61CC-4603-A589-7422A47A8E4A}"/>
     </a:ext>
   </a:extLst>
 </a:theme>

--- a/sigslot.pptx
+++ b/sigslot.pptx
@@ -12,7 +12,6 @@
     <p:sldId id="260" r:id="rId6"/>
     <p:sldId id="261" r:id="rId7"/>
     <p:sldId id="262" r:id="rId8"/>
-    <p:sldId id="263" r:id="rId9"/>
   </p:sldIdLst>
   <p:sldSz cx="12192000" cy="6858000"/>
   <p:notesSz cx="6858000" cy="9144000"/>
@@ -449,7 +448,7 @@
           <a:p>
             <a:fld id="{B61BEF0D-F0BB-DE4B-95CE-6DB70DBA9567}" type="datetimeFigureOut">
               <a:rPr lang="en-US" dirty="0"/>
-              <a:t>3/11/2019</a:t>
+              <a:t>3/22/2019</a:t>
             </a:fld>
             <a:endParaRPr lang="en-US" dirty="0"/>
           </a:p>
@@ -768,7 +767,7 @@
           <a:p>
             <a:fld id="{B61BEF0D-F0BB-DE4B-95CE-6DB70DBA9567}" type="datetimeFigureOut">
               <a:rPr lang="en-US" dirty="0"/>
-              <a:t>3/11/2019</a:t>
+              <a:t>3/22/2019</a:t>
             </a:fld>
             <a:endParaRPr lang="en-US" dirty="0"/>
           </a:p>
@@ -1011,7 +1010,7 @@
           <a:p>
             <a:fld id="{B61BEF0D-F0BB-DE4B-95CE-6DB70DBA9567}" type="datetimeFigureOut">
               <a:rPr lang="en-US" dirty="0"/>
-              <a:t>3/11/2019</a:t>
+              <a:t>3/22/2019</a:t>
             </a:fld>
             <a:endParaRPr lang="en-US" dirty="0"/>
           </a:p>
@@ -1345,7 +1344,7 @@
           <a:p>
             <a:fld id="{B61BEF0D-F0BB-DE4B-95CE-6DB70DBA9567}" type="datetimeFigureOut">
               <a:rPr lang="en-US" dirty="0"/>
-              <a:t>3/11/2019</a:t>
+              <a:t>3/22/2019</a:t>
             </a:fld>
             <a:endParaRPr lang="en-US" dirty="0"/>
           </a:p>
@@ -1687,7 +1686,7 @@
           <a:p>
             <a:fld id="{B61BEF0D-F0BB-DE4B-95CE-6DB70DBA9567}" type="datetimeFigureOut">
               <a:rPr lang="en-US" dirty="0"/>
-              <a:t>3/11/2019</a:t>
+              <a:t>3/22/2019</a:t>
             </a:fld>
             <a:endParaRPr lang="en-US" dirty="0"/>
           </a:p>
@@ -2056,7 +2055,7 @@
           <a:p>
             <a:fld id="{B61BEF0D-F0BB-DE4B-95CE-6DB70DBA9567}" type="datetimeFigureOut">
               <a:rPr lang="en-US" dirty="0"/>
-              <a:t>3/11/2019</a:t>
+              <a:t>3/22/2019</a:t>
             </a:fld>
             <a:endParaRPr lang="en-US" dirty="0"/>
           </a:p>
@@ -2521,7 +2520,7 @@
           <a:p>
             <a:fld id="{B61BEF0D-F0BB-DE4B-95CE-6DB70DBA9567}" type="datetimeFigureOut">
               <a:rPr lang="en-US" dirty="0"/>
-              <a:t>3/11/2019</a:t>
+              <a:t>3/22/2019</a:t>
             </a:fld>
             <a:endParaRPr lang="en-US" dirty="0"/>
           </a:p>
@@ -2721,7 +2720,7 @@
           <a:p>
             <a:fld id="{B61BEF0D-F0BB-DE4B-95CE-6DB70DBA9567}" type="datetimeFigureOut">
               <a:rPr lang="en-US" dirty="0"/>
-              <a:t>3/11/2019</a:t>
+              <a:t>3/22/2019</a:t>
             </a:fld>
             <a:endParaRPr lang="en-US" dirty="0"/>
           </a:p>
@@ -2927,7 +2926,7 @@
           <a:p>
             <a:fld id="{B61BEF0D-F0BB-DE4B-95CE-6DB70DBA9567}" type="datetimeFigureOut">
               <a:rPr lang="en-US" dirty="0"/>
-              <a:t>3/11/2019</a:t>
+              <a:t>3/22/2019</a:t>
             </a:fld>
             <a:endParaRPr lang="en-US" dirty="0"/>
           </a:p>
@@ -3154,7 +3153,7 @@
           <a:p>
             <a:fld id="{05BFA754-D5C3-4E66-96A6-867B257F58DC}" type="datetimeFigureOut">
               <a:rPr lang="en-US" dirty="0"/>
-              <a:t>3/11/2019</a:t>
+              <a:t>3/22/2019</a:t>
             </a:fld>
             <a:endParaRPr lang="en-US" dirty="0"/>
           </a:p>
@@ -3397,7 +3396,7 @@
           <a:p>
             <a:fld id="{B61BEF0D-F0BB-DE4B-95CE-6DB70DBA9567}" type="datetimeFigureOut">
               <a:rPr lang="en-US" dirty="0"/>
-              <a:t>3/11/2019</a:t>
+              <a:t>3/22/2019</a:t>
             </a:fld>
             <a:endParaRPr lang="en-US" dirty="0"/>
           </a:p>
@@ -3659,7 +3658,7 @@
           <a:p>
             <a:fld id="{05BFA754-D5C3-4E66-96A6-867B257F58DC}" type="datetimeFigureOut">
               <a:rPr lang="en-US" dirty="0"/>
-              <a:t>3/11/2019</a:t>
+              <a:t>3/22/2019</a:t>
             </a:fld>
             <a:endParaRPr lang="en-US" dirty="0"/>
           </a:p>
@@ -4067,7 +4066,7 @@
           <a:p>
             <a:fld id="{B61BEF0D-F0BB-DE4B-95CE-6DB70DBA9567}" type="datetimeFigureOut">
               <a:rPr lang="en-US" dirty="0"/>
-              <a:t>3/11/2019</a:t>
+              <a:t>3/22/2019</a:t>
             </a:fld>
             <a:endParaRPr lang="en-US" dirty="0"/>
           </a:p>
@@ -4211,7 +4210,7 @@
           <a:p>
             <a:fld id="{B61BEF0D-F0BB-DE4B-95CE-6DB70DBA9567}" type="datetimeFigureOut">
               <a:rPr lang="en-US" dirty="0"/>
-              <a:t>3/11/2019</a:t>
+              <a:t>3/22/2019</a:t>
             </a:fld>
             <a:endParaRPr lang="en-US" dirty="0"/>
           </a:p>
@@ -4332,7 +4331,7 @@
           <a:p>
             <a:fld id="{B61BEF0D-F0BB-DE4B-95CE-6DB70DBA9567}" type="datetimeFigureOut">
               <a:rPr lang="en-US" dirty="0"/>
-              <a:t>3/11/2019</a:t>
+              <a:t>3/22/2019</a:t>
             </a:fld>
             <a:endParaRPr lang="en-US" dirty="0"/>
           </a:p>
@@ -4582,7 +4581,7 @@
           <a:p>
             <a:fld id="{B61BEF0D-F0BB-DE4B-95CE-6DB70DBA9567}" type="datetimeFigureOut">
               <a:rPr lang="en-US" dirty="0"/>
-              <a:t>3/11/2019</a:t>
+              <a:t>3/22/2019</a:t>
             </a:fld>
             <a:endParaRPr lang="en-US" dirty="0"/>
           </a:p>
@@ -4892,7 +4891,7 @@
           <a:p>
             <a:fld id="{B61BEF0D-F0BB-DE4B-95CE-6DB70DBA9567}" type="datetimeFigureOut">
               <a:rPr lang="en-US" dirty="0"/>
-              <a:t>3/11/2019</a:t>
+              <a:t>3/22/2019</a:t>
             </a:fld>
             <a:endParaRPr lang="en-US" dirty="0"/>
           </a:p>
@@ -5242,7 +5241,7 @@
           <a:p>
             <a:fld id="{B61BEF0D-F0BB-DE4B-95CE-6DB70DBA9567}" type="datetimeFigureOut">
               <a:rPr lang="en-US" dirty="0"/>
-              <a:t>3/11/2019</a:t>
+              <a:t>3/22/2019</a:t>
             </a:fld>
             <a:endParaRPr lang="en-US" dirty="0"/>
           </a:p>
@@ -5796,9 +5795,10 @@
           <a:lstStyle/>
           <a:p>
             <a:r>
-              <a:rPr lang="en-US" sz="6600" b="1"/>
+              <a:rPr lang="en-US" sz="6600" b="1" dirty="0" err="1"/>
               <a:t>sigslot</a:t>
             </a:r>
+            <a:endParaRPr lang="en-US" sz="6600" b="1" dirty="0"/>
           </a:p>
         </p:txBody>
       </p:sp>
@@ -5814,11 +5814,13 @@
         </p:nvSpPr>
         <p:spPr/>
         <p:txBody>
-          <a:bodyPr/>
-          <a:lstStyle/>
-          <a:p>
-            <a:r>
-              <a:rPr lang="en-US" sz="3200"/>
+          <a:bodyPr>
+            <a:normAutofit/>
+          </a:bodyPr>
+          <a:lstStyle/>
+          <a:p>
+            <a:r>
+              <a:rPr lang="en-US" sz="3200" dirty="0"/>
               <a:t>a lightweight C++ Signals/Slots library</a:t>
             </a:r>
           </a:p>
@@ -5889,26 +5891,224 @@
           <a:lstStyle/>
           <a:p>
             <a:pPr algn="l"/>
-            <a:endParaRPr lang="en-US" dirty="0"/>
-          </a:p>
-        </p:txBody>
-      </p:sp>
-      <p:sp>
-        <p:nvSpPr>
-          <p:cNvPr id="3" name="Content Placeholder 2"/>
-          <p:cNvSpPr>
-            <a:spLocks noGrp="1"/>
-          </p:cNvSpPr>
+            <a:r>
+              <a:rPr lang="en-US" b="1" dirty="0" smtClean="0"/>
+              <a:t>Old design</a:t>
+            </a:r>
+            <a:endParaRPr lang="en-US" b="1" dirty="0"/>
+          </a:p>
+        </p:txBody>
+      </p:sp>
+      <p:pic>
+        <p:nvPicPr>
+          <p:cNvPr id="1028" name="Picture 4"/>
+          <p:cNvPicPr>
+            <a:picLocks noGrp="1" noChangeAspect="1" noChangeArrowheads="1"/>
+          </p:cNvPicPr>
           <p:nvPr>
             <p:ph idx="1"/>
           </p:nvPr>
-        </p:nvSpPr>
-        <p:spPr/>
-        <p:txBody>
-          <a:bodyPr/>
-          <a:lstStyle/>
-          <a:p>
-            <a:endParaRPr lang="en-US" dirty="0"/>
+        </p:nvPicPr>
+        <p:blipFill>
+          <a:blip r:embed="rId2">
+            <a:extLst>
+              <a:ext uri="{28A0092B-C50C-407E-A947-70E740481C1C}">
+                <a14:useLocalDpi xmlns:a14="http://schemas.microsoft.com/office/drawing/2010/main" val="0"/>
+              </a:ext>
+            </a:extLst>
+          </a:blip>
+          <a:srcRect/>
+          <a:stretch>
+            <a:fillRect/>
+          </a:stretch>
+        </p:blipFill>
+        <p:spPr bwMode="auto">
+          <a:xfrm>
+            <a:off x="1381284" y="2700405"/>
+            <a:ext cx="4198845" cy="1757295"/>
+          </a:xfrm>
+          <a:prstGeom prst="rect">
+            <a:avLst/>
+          </a:prstGeom>
+          <a:noFill/>
+          <a:ln>
+            <a:noFill/>
+          </a:ln>
+          <a:effectLst/>
+          <a:extLst>
+            <a:ext uri="{909E8E84-426E-40DD-AFC4-6F175D3DCCD1}">
+              <a14:hiddenFill xmlns:a14="http://schemas.microsoft.com/office/drawing/2010/main">
+                <a:solidFill>
+                  <a:schemeClr val="accent1"/>
+                </a:solidFill>
+              </a14:hiddenFill>
+            </a:ext>
+            <a:ext uri="{91240B29-F687-4F45-9708-019B960494DF}">
+              <a14:hiddenLine xmlns:a14="http://schemas.microsoft.com/office/drawing/2010/main" w="9525">
+                <a:solidFill>
+                  <a:schemeClr val="tx1"/>
+                </a:solidFill>
+                <a:miter lim="800000"/>
+                <a:headEnd/>
+                <a:tailEnd/>
+              </a14:hiddenLine>
+            </a:ext>
+            <a:ext uri="{AF507438-7753-43E0-B8FC-AC1667EBCBE1}">
+              <a14:hiddenEffects xmlns:a14="http://schemas.microsoft.com/office/drawing/2010/main">
+                <a:effectLst>
+                  <a:outerShdw dist="35921" dir="2700000" algn="ctr" rotWithShape="0">
+                    <a:schemeClr val="bg2"/>
+                  </a:outerShdw>
+                </a:effectLst>
+              </a14:hiddenEffects>
+            </a:ext>
+          </a:extLst>
+        </p:spPr>
+      </p:pic>
+      <p:sp>
+        <p:nvSpPr>
+          <p:cNvPr id="6" name="TextBox 5"/>
+          <p:cNvSpPr txBox="1"/>
+          <p:nvPr/>
+        </p:nvSpPr>
+        <p:spPr>
+          <a:xfrm>
+            <a:off x="5880100" y="2578100"/>
+            <a:ext cx="5435600" cy="2862322"/>
+          </a:xfrm>
+          <a:prstGeom prst="rect">
+            <a:avLst/>
+          </a:prstGeom>
+          <a:noFill/>
+        </p:spPr>
+        <p:txBody>
+          <a:bodyPr wrap="square" rtlCol="0">
+            <a:spAutoFit/>
+          </a:bodyPr>
+          <a:lstStyle/>
+          <a:p>
+            <a:r>
+              <a:rPr lang="en-US" sz="2000" dirty="0" smtClean="0">
+                <a:latin typeface="Century" pitchFamily="18" charset="0"/>
+                <a:cs typeface="Times New Roman" pitchFamily="18" charset="0"/>
+              </a:rPr>
+              <a:t>● Create classes inherit basic controls (</a:t>
+            </a:r>
+            <a:r>
+              <a:rPr lang="en-US" sz="2000" dirty="0" err="1" smtClean="0">
+                <a:latin typeface="Century" pitchFamily="18" charset="0"/>
+                <a:cs typeface="Times New Roman" pitchFamily="18" charset="0"/>
+              </a:rPr>
+              <a:t>CEditBox</a:t>
+            </a:r>
+            <a:r>
+              <a:rPr lang="en-US" sz="2000" dirty="0" smtClean="0">
+                <a:latin typeface="Century" pitchFamily="18" charset="0"/>
+                <a:cs typeface="Times New Roman" pitchFamily="18" charset="0"/>
+              </a:rPr>
+              <a:t>, </a:t>
+            </a:r>
+            <a:r>
+              <a:rPr lang="en-US" sz="2000" dirty="0" err="1" smtClean="0">
+                <a:latin typeface="Century" pitchFamily="18" charset="0"/>
+                <a:cs typeface="Times New Roman" pitchFamily="18" charset="0"/>
+              </a:rPr>
+              <a:t>Cbutton</a:t>
+            </a:r>
+            <a:r>
+              <a:rPr lang="en-US" sz="2000" dirty="0" smtClean="0">
+                <a:latin typeface="Century" pitchFamily="18" charset="0"/>
+                <a:cs typeface="Times New Roman" pitchFamily="18" charset="0"/>
+              </a:rPr>
+              <a:t>,… for example)</a:t>
+            </a:r>
+          </a:p>
+          <a:p>
+            <a:r>
+              <a:rPr lang="en-US" sz="2000" dirty="0" smtClean="0">
+                <a:latin typeface="Century" pitchFamily="18" charset="0"/>
+                <a:cs typeface="Times New Roman" pitchFamily="18" charset="0"/>
+              </a:rPr>
+              <a:t>● Create some entry points to access and edit the number (</a:t>
+            </a:r>
+            <a:r>
+              <a:rPr lang="en-US" sz="2000" dirty="0" err="1" smtClean="0">
+                <a:latin typeface="Century" pitchFamily="18" charset="0"/>
+                <a:cs typeface="Times New Roman" pitchFamily="18" charset="0"/>
+              </a:rPr>
+              <a:t>CEditBox</a:t>
+            </a:r>
+            <a:r>
+              <a:rPr lang="en-US" sz="2000" dirty="0" smtClean="0">
+                <a:latin typeface="Century" pitchFamily="18" charset="0"/>
+                <a:cs typeface="Times New Roman" pitchFamily="18" charset="0"/>
+              </a:rPr>
+              <a:t>::Increment and </a:t>
+            </a:r>
+            <a:r>
+              <a:rPr lang="en-US" sz="2000" dirty="0" err="1" smtClean="0">
+                <a:latin typeface="Century" pitchFamily="18" charset="0"/>
+                <a:cs typeface="Times New Roman" pitchFamily="18" charset="0"/>
+              </a:rPr>
+              <a:t>CEditBox</a:t>
+            </a:r>
+            <a:r>
+              <a:rPr lang="en-US" sz="2000" dirty="0" smtClean="0">
+                <a:latin typeface="Century" pitchFamily="18" charset="0"/>
+                <a:cs typeface="Times New Roman" pitchFamily="18" charset="0"/>
+              </a:rPr>
+              <a:t>::Decrement callbacks)</a:t>
+            </a:r>
+          </a:p>
+          <a:p>
+            <a:r>
+              <a:rPr lang="en-US" sz="2000" dirty="0" smtClean="0">
+                <a:latin typeface="Century" pitchFamily="18" charset="0"/>
+                <a:cs typeface="Times New Roman" pitchFamily="18" charset="0"/>
+              </a:rPr>
+              <a:t>● Implement ‘</a:t>
+            </a:r>
+            <a:r>
+              <a:rPr lang="en-US" sz="2000" dirty="0" err="1" smtClean="0">
+                <a:latin typeface="Century" pitchFamily="18" charset="0"/>
+                <a:cs typeface="Times New Roman" pitchFamily="18" charset="0"/>
+              </a:rPr>
+              <a:t>OnClicked</a:t>
+            </a:r>
+            <a:r>
+              <a:rPr lang="en-US" sz="2000" dirty="0" smtClean="0">
+                <a:latin typeface="Century" pitchFamily="18" charset="0"/>
+                <a:cs typeface="Times New Roman" pitchFamily="18" charset="0"/>
+              </a:rPr>
+              <a:t>’ event for each button that call the relevant callbacks</a:t>
+            </a:r>
+          </a:p>
+          <a:p>
+            <a:r>
+              <a:rPr lang="en-US" sz="2000" dirty="0" smtClean="0">
+                <a:latin typeface="Century" pitchFamily="18" charset="0"/>
+                <a:cs typeface="Times New Roman" pitchFamily="18" charset="0"/>
+              </a:rPr>
+              <a:t>● Pass the pointer to instance of </a:t>
+            </a:r>
+            <a:r>
+              <a:rPr lang="en-US" sz="2000" dirty="0" err="1" smtClean="0">
+                <a:latin typeface="Century" pitchFamily="18" charset="0"/>
+                <a:cs typeface="Times New Roman" pitchFamily="18" charset="0"/>
+              </a:rPr>
+              <a:t>CEditBox</a:t>
+            </a:r>
+            <a:r>
+              <a:rPr lang="en-US" sz="2000" dirty="0" smtClean="0">
+                <a:latin typeface="Century" pitchFamily="18" charset="0"/>
+                <a:cs typeface="Times New Roman" pitchFamily="18" charset="0"/>
+              </a:rPr>
+              <a:t> to the instance of these buttons</a:t>
+            </a:r>
+            <a:endParaRPr lang="en-US" sz="2000" dirty="0">
+              <a:latin typeface="Century" pitchFamily="18" charset="0"/>
+              <a:cs typeface="Times New Roman" pitchFamily="18" charset="0"/>
+            </a:endParaRPr>
           </a:p>
         </p:txBody>
       </p:sp>
@@ -5953,7 +6153,11 @@
           <a:lstStyle/>
           <a:p>
             <a:pPr algn="l"/>
-            <a:endParaRPr lang="en-US" dirty="0"/>
+            <a:r>
+              <a:rPr lang="en-US" b="1" dirty="0" smtClean="0"/>
+              <a:t>Proposed ideas</a:t>
+            </a:r>
+            <a:endParaRPr lang="en-US" b="1" dirty="0"/>
           </a:p>
         </p:txBody>
       </p:sp>
@@ -5969,10 +6173,116 @@
         </p:nvSpPr>
         <p:spPr/>
         <p:txBody>
-          <a:bodyPr/>
-          <a:lstStyle/>
-          <a:p>
-            <a:endParaRPr lang="en-US" dirty="0"/>
+          <a:bodyPr>
+            <a:noAutofit/>
+          </a:bodyPr>
+          <a:lstStyle/>
+          <a:p>
+            <a:pPr marL="0" indent="0">
+              <a:buNone/>
+            </a:pPr>
+            <a:r>
+              <a:rPr lang="en-US" dirty="0" smtClean="0">
+                <a:latin typeface="Century" pitchFamily="18" charset="0"/>
+              </a:rPr>
+              <a:t>● Should have a general purpose button, that run ‘</a:t>
+            </a:r>
+            <a:r>
+              <a:rPr lang="en-US" dirty="0" err="1" smtClean="0">
+                <a:latin typeface="Century" pitchFamily="18" charset="0"/>
+              </a:rPr>
+              <a:t>OnClicked</a:t>
+            </a:r>
+            <a:r>
+              <a:rPr lang="en-US" dirty="0" smtClean="0">
+                <a:latin typeface="Century" pitchFamily="18" charset="0"/>
+              </a:rPr>
+              <a:t>’ when we click it</a:t>
+            </a:r>
+          </a:p>
+          <a:p>
+            <a:pPr marL="0" indent="0">
+              <a:buNone/>
+            </a:pPr>
+            <a:r>
+              <a:rPr lang="en-US" dirty="0" smtClean="0">
+                <a:latin typeface="Century" pitchFamily="18" charset="0"/>
+              </a:rPr>
+              <a:t>● The </a:t>
+            </a:r>
+            <a:r>
+              <a:rPr lang="en-US" dirty="0" err="1" smtClean="0">
+                <a:latin typeface="Century" pitchFamily="18" charset="0"/>
+              </a:rPr>
+              <a:t>EditBox</a:t>
+            </a:r>
+            <a:r>
+              <a:rPr lang="en-US" dirty="0" smtClean="0">
+                <a:latin typeface="Century" pitchFamily="18" charset="0"/>
+              </a:rPr>
+              <a:t> can be directed to do </a:t>
+            </a:r>
+            <a:r>
+              <a:rPr lang="en-US" dirty="0" err="1" smtClean="0">
+                <a:latin typeface="Century" pitchFamily="18" charset="0"/>
+              </a:rPr>
+              <a:t>somethings</a:t>
+            </a:r>
+            <a:r>
+              <a:rPr lang="en-US" dirty="0" smtClean="0">
+                <a:latin typeface="Century" pitchFamily="18" charset="0"/>
+              </a:rPr>
+              <a:t> remotely</a:t>
+            </a:r>
+          </a:p>
+          <a:p>
+            <a:pPr marL="0" indent="0">
+              <a:buNone/>
+            </a:pPr>
+            <a:r>
+              <a:rPr lang="en-US" dirty="0" smtClean="0">
+                <a:latin typeface="Century" pitchFamily="18" charset="0"/>
+              </a:rPr>
+              <a:t>● The </a:t>
+            </a:r>
+            <a:r>
+              <a:rPr lang="en-US" dirty="0" err="1" smtClean="0">
+                <a:latin typeface="Century" pitchFamily="18" charset="0"/>
+              </a:rPr>
+              <a:t>EditBox</a:t>
+            </a:r>
+            <a:r>
+              <a:rPr lang="en-US" dirty="0" smtClean="0">
+                <a:latin typeface="Century" pitchFamily="18" charset="0"/>
+              </a:rPr>
+              <a:t> should not need to care what is calling it</a:t>
+            </a:r>
+          </a:p>
+          <a:p>
+            <a:pPr marL="0" indent="0">
+              <a:buNone/>
+            </a:pPr>
+            <a:r>
+              <a:rPr lang="en-US" dirty="0" smtClean="0">
+                <a:latin typeface="Century" pitchFamily="18" charset="0"/>
+              </a:rPr>
+              <a:t>● An unmodified button class can be used to increment/decrement or clear the </a:t>
+            </a:r>
+            <a:r>
+              <a:rPr lang="en-US" dirty="0" err="1" smtClean="0">
+                <a:latin typeface="Century" pitchFamily="18" charset="0"/>
+              </a:rPr>
+              <a:t>EditBox</a:t>
+            </a:r>
+            <a:r>
+              <a:rPr lang="en-US" dirty="0" smtClean="0">
+                <a:latin typeface="Century" pitchFamily="18" charset="0"/>
+              </a:rPr>
+              <a:t> at this time can also be used to remotely turn off the television later</a:t>
+            </a:r>
+            <a:endParaRPr lang="en-US" dirty="0">
+              <a:latin typeface="Century" pitchFamily="18" charset="0"/>
+            </a:endParaRPr>
           </a:p>
         </p:txBody>
       </p:sp>
@@ -6022,7 +6332,15 @@
           <a:lstStyle/>
           <a:p>
             <a:pPr algn="l"/>
-            <a:endParaRPr lang="en-US" dirty="0"/>
+            <a:r>
+              <a:rPr lang="en-US" b="1" dirty="0" err="1" smtClean="0"/>
+              <a:t>sigslot</a:t>
+            </a:r>
+            <a:r>
+              <a:rPr lang="en-US" b="1" dirty="0" smtClean="0"/>
+              <a:t> introduction</a:t>
+            </a:r>
+            <a:endParaRPr lang="en-US" b="1" dirty="0"/>
           </a:p>
         </p:txBody>
       </p:sp>
@@ -6038,10 +6356,77 @@
         </p:nvSpPr>
         <p:spPr/>
         <p:txBody>
-          <a:bodyPr/>
-          <a:lstStyle/>
-          <a:p>
-            <a:endParaRPr lang="en-US" dirty="0"/>
+          <a:bodyPr>
+            <a:normAutofit/>
+          </a:bodyPr>
+          <a:lstStyle/>
+          <a:p>
+            <a:pPr marL="0" indent="0">
+              <a:buNone/>
+            </a:pPr>
+            <a:r>
+              <a:rPr lang="en-US" sz="3600" dirty="0">
+                <a:latin typeface="Century" pitchFamily="18" charset="0"/>
+              </a:rPr>
+              <a:t>The </a:t>
+            </a:r>
+            <a:r>
+              <a:rPr lang="en-US" sz="3600" dirty="0" err="1">
+                <a:latin typeface="Century" pitchFamily="18" charset="0"/>
+              </a:rPr>
+              <a:t>sigslot</a:t>
+            </a:r>
+            <a:r>
+              <a:rPr lang="en-US" sz="3600" dirty="0">
+                <a:latin typeface="Century" pitchFamily="18" charset="0"/>
+              </a:rPr>
+              <a:t> library is a C++ Signal/Slot library. The original version of </a:t>
+            </a:r>
+            <a:r>
+              <a:rPr lang="en-US" sz="3600" dirty="0" err="1">
+                <a:latin typeface="Century" pitchFamily="18" charset="0"/>
+              </a:rPr>
+              <a:t>sigslot</a:t>
+            </a:r>
+            <a:r>
+              <a:rPr lang="en-US" sz="3600" dirty="0">
+                <a:latin typeface="Century" pitchFamily="18" charset="0"/>
+              </a:rPr>
+              <a:t> library was written by </a:t>
+            </a:r>
+            <a:r>
+              <a:rPr lang="en-US" sz="3600" b="1" dirty="0">
+                <a:latin typeface="Century" pitchFamily="18" charset="0"/>
+              </a:rPr>
+              <a:t>Sarah Thompson</a:t>
+            </a:r>
+            <a:r>
+              <a:rPr lang="en-US" sz="3600" dirty="0">
+                <a:latin typeface="Century" pitchFamily="18" charset="0"/>
+              </a:rPr>
+              <a:t> while working at </a:t>
+            </a:r>
+            <a:r>
+              <a:rPr lang="en-US" sz="3600" dirty="0" err="1">
+                <a:latin typeface="Century" pitchFamily="18" charset="0"/>
+              </a:rPr>
+              <a:t>Trayport</a:t>
+            </a:r>
+            <a:r>
+              <a:rPr lang="en-US" sz="3600" dirty="0">
+                <a:latin typeface="Century" pitchFamily="18" charset="0"/>
+              </a:rPr>
+              <a:t> Computers Ltd. in London</a:t>
+            </a:r>
+            <a:r>
+              <a:rPr lang="en-US" sz="3600" dirty="0" smtClean="0">
+                <a:latin typeface="Century" pitchFamily="18" charset="0"/>
+              </a:rPr>
+              <a:t>.</a:t>
+            </a:r>
+            <a:endParaRPr lang="en-US" sz="3600" dirty="0">
+              <a:latin typeface="Century" pitchFamily="18" charset="0"/>
+            </a:endParaRPr>
           </a:p>
         </p:txBody>
       </p:sp>
@@ -6091,7 +6476,15 @@
           <a:lstStyle/>
           <a:p>
             <a:pPr algn="l"/>
-            <a:endParaRPr lang="en-US" dirty="0"/>
+            <a:r>
+              <a:rPr lang="en-US" b="1" dirty="0" err="1" smtClean="0"/>
+              <a:t>sigslot</a:t>
+            </a:r>
+            <a:r>
+              <a:rPr lang="en-US" b="1" dirty="0" smtClean="0"/>
+              <a:t> advantages</a:t>
+            </a:r>
+            <a:endParaRPr lang="en-US" b="1" dirty="0"/>
           </a:p>
         </p:txBody>
       </p:sp>
@@ -6107,10 +6500,38 @@
         </p:nvSpPr>
         <p:spPr/>
         <p:txBody>
-          <a:bodyPr/>
-          <a:lstStyle/>
-          <a:p>
-            <a:endParaRPr lang="en-US" dirty="0"/>
+          <a:bodyPr>
+            <a:normAutofit/>
+          </a:bodyPr>
+          <a:lstStyle/>
+          <a:p>
+            <a:r>
+              <a:rPr lang="en-US" sz="3200" b="1" dirty="0"/>
+              <a:t>Syntactically </a:t>
+            </a:r>
+            <a:r>
+              <a:rPr lang="en-US" sz="3200" b="1" dirty="0" smtClean="0"/>
+              <a:t>neater</a:t>
+            </a:r>
+          </a:p>
+          <a:p>
+            <a:r>
+              <a:rPr lang="en-US" sz="3200" b="1" dirty="0"/>
+              <a:t>Inherently </a:t>
+            </a:r>
+            <a:r>
+              <a:rPr lang="en-US" sz="3200" b="1" dirty="0" smtClean="0"/>
+              <a:t>robust</a:t>
+            </a:r>
+          </a:p>
+          <a:p>
+            <a:r>
+              <a:rPr lang="en-US" sz="3200" b="1" dirty="0"/>
+              <a:t>Reusability</a:t>
+            </a:r>
+            <a:endParaRPr lang="en-US" sz="3200" dirty="0">
+              <a:latin typeface="Century" pitchFamily="18" charset="0"/>
+            </a:endParaRPr>
           </a:p>
         </p:txBody>
       </p:sp>
@@ -6160,7 +6581,19 @@
           <a:lstStyle/>
           <a:p>
             <a:pPr algn="l"/>
-            <a:endParaRPr lang="en-US" dirty="0"/>
+            <a:r>
+              <a:rPr lang="en-US" b="1" dirty="0" err="1"/>
+              <a:t>s</a:t>
+            </a:r>
+            <a:r>
+              <a:rPr lang="en-US" b="1" dirty="0" err="1" smtClean="0"/>
+              <a:t>igslot</a:t>
+            </a:r>
+            <a:r>
+              <a:rPr lang="en-US" b="1" dirty="0" smtClean="0"/>
+              <a:t> paradigm</a:t>
+            </a:r>
+            <a:endParaRPr lang="en-US" b="1" dirty="0"/>
           </a:p>
         </p:txBody>
       </p:sp>
@@ -6176,10 +6609,23 @@
         </p:nvSpPr>
         <p:spPr/>
         <p:txBody>
-          <a:bodyPr/>
-          <a:lstStyle/>
-          <a:p>
-            <a:endParaRPr lang="en-US" dirty="0"/>
+          <a:bodyPr>
+            <a:normAutofit/>
+          </a:bodyPr>
+          <a:lstStyle/>
+          <a:p>
+            <a:pPr marL="0" indent="0">
+              <a:buNone/>
+            </a:pPr>
+            <a:r>
+              <a:rPr lang="en-US" sz="3600" dirty="0" smtClean="0">
+                <a:latin typeface="Century" pitchFamily="18" charset="0"/>
+              </a:rPr>
+              <a:t>(view code for more details)</a:t>
+            </a:r>
+            <a:endParaRPr lang="en-US" sz="3600" dirty="0">
+              <a:latin typeface="Century" pitchFamily="18" charset="0"/>
+            </a:endParaRPr>
           </a:p>
         </p:txBody>
       </p:sp>
@@ -6229,7 +6675,19 @@
           <a:lstStyle/>
           <a:p>
             <a:pPr algn="l"/>
-            <a:endParaRPr lang="en-US" dirty="0"/>
+            <a:r>
+              <a:rPr lang="en-US" b="1" dirty="0" err="1"/>
+              <a:t>s</a:t>
+            </a:r>
+            <a:r>
+              <a:rPr lang="en-US" b="1" dirty="0" err="1" smtClean="0"/>
+              <a:t>igslot’s</a:t>
+            </a:r>
+            <a:r>
+              <a:rPr lang="en-US" b="1" dirty="0" smtClean="0"/>
+              <a:t> usage</a:t>
+            </a:r>
+            <a:endParaRPr lang="en-US" b="1" dirty="0"/>
           </a:p>
         </p:txBody>
       </p:sp>
@@ -6248,74 +6706,47 @@
           <a:bodyPr/>
           <a:lstStyle/>
           <a:p>
-            <a:endParaRPr lang="en-US" dirty="0"/>
-          </a:p>
-        </p:txBody>
-      </p:sp>
-    </p:spTree>
-    <p:extLst>
-      <p:ext uri="{BB962C8B-B14F-4D97-AF65-F5344CB8AC3E}">
-        <p14:creationId xmlns:p14="http://schemas.microsoft.com/office/powerpoint/2010/main" val="1994424188"/>
-      </p:ext>
-    </p:extLst>
-  </p:cSld>
-  <p:clrMapOvr>
-    <a:masterClrMapping/>
-  </p:clrMapOvr>
-</p:sld>
-</file>
-
-<file path=ppt/slides/slide8.xml><?xml version="1.0" encoding="utf-8"?>
-<p:sld xmlns:a="http://schemas.openxmlformats.org/drawingml/2006/main" xmlns:r="http://schemas.openxmlformats.org/officeDocument/2006/relationships" xmlns:p="http://schemas.openxmlformats.org/presentationml/2006/main">
-  <p:cSld>
-    <p:spTree>
-      <p:nvGrpSpPr>
-        <p:cNvPr id="1" name=""/>
-        <p:cNvGrpSpPr/>
-        <p:nvPr/>
-      </p:nvGrpSpPr>
-      <p:grpSpPr>
-        <a:xfrm>
-          <a:off x="0" y="0"/>
-          <a:ext cx="0" cy="0"/>
-          <a:chOff x="0" y="0"/>
-          <a:chExt cx="0" cy="0"/>
-        </a:xfrm>
-      </p:grpSpPr>
-      <p:sp>
-        <p:nvSpPr>
-          <p:cNvPr id="2" name="Title 1"/>
-          <p:cNvSpPr>
-            <a:spLocks noGrp="1"/>
-          </p:cNvSpPr>
-          <p:nvPr>
-            <p:ph type="title"/>
-          </p:nvPr>
-        </p:nvSpPr>
-        <p:spPr/>
-        <p:txBody>
-          <a:bodyPr/>
-          <a:lstStyle/>
-          <a:p>
-            <a:pPr algn="l"/>
-            <a:endParaRPr lang="en-US" dirty="0"/>
-          </a:p>
-        </p:txBody>
-      </p:sp>
-      <p:sp>
-        <p:nvSpPr>
-          <p:cNvPr id="3" name="Content Placeholder 2"/>
-          <p:cNvSpPr>
-            <a:spLocks noGrp="1"/>
-          </p:cNvSpPr>
-          <p:nvPr>
-            <p:ph idx="1"/>
-          </p:nvPr>
-        </p:nvSpPr>
-        <p:spPr/>
-        <p:txBody>
-          <a:bodyPr/>
-          <a:lstStyle/>
+            <a:r>
+              <a:rPr lang="en-US" b="1" dirty="0"/>
+              <a:t>LIBRARY DEPENDENCIES</a:t>
+            </a:r>
+            <a:endParaRPr lang="en-US" dirty="0"/>
+          </a:p>
+          <a:p>
+            <a:r>
+              <a:rPr lang="en-US" b="1" dirty="0"/>
+              <a:t>MULTITHREADING SUPPORT</a:t>
+            </a:r>
+            <a:endParaRPr lang="en-US" dirty="0"/>
+          </a:p>
+          <a:p>
+            <a:r>
+              <a:rPr lang="en-US" b="1" dirty="0"/>
+              <a:t>NAMESPACE</a:t>
+            </a:r>
+            <a:endParaRPr lang="en-US" dirty="0"/>
+          </a:p>
+          <a:p>
+            <a:r>
+              <a:rPr lang="en-US" b="1" dirty="0"/>
+              <a:t>ARGUMENT TYPES</a:t>
+            </a:r>
+            <a:endParaRPr lang="en-US" dirty="0"/>
+          </a:p>
+          <a:p>
+            <a:r>
+              <a:rPr lang="en-US" b="1" dirty="0"/>
+              <a:t>CONNECTING SIGNALS WITH SLOTS</a:t>
+            </a:r>
+            <a:endParaRPr lang="en-US" dirty="0"/>
+          </a:p>
+          <a:p>
+            <a:r>
+              <a:rPr lang="en-US" b="1" dirty="0"/>
+              <a:t>EMITTING SIGNALS</a:t>
+            </a:r>
+            <a:endParaRPr lang="en-US" dirty="0"/>
+          </a:p>
           <a:p>
             <a:endParaRPr lang="en-US" dirty="0"/>
           </a:p>
